--- a/Лекции/ООП 1 лек 4.pptx
+++ b/Лекции/ООП 1 лек 4.pptx
@@ -5,7 +5,7 @@
     <p:sldMasterId id="2147483674" r:id="rId1"/>
   </p:sldMasterIdLst>
   <p:notesMasterIdLst>
-    <p:notesMasterId r:id="rId34"/>
+    <p:notesMasterId r:id="rId46"/>
   </p:notesMasterIdLst>
   <p:sldIdLst>
     <p:sldId id="273" r:id="rId2"/>
@@ -40,6 +40,18 @@
     <p:sldId id="1326" r:id="rId31"/>
     <p:sldId id="1327" r:id="rId32"/>
     <p:sldId id="1328" r:id="rId33"/>
+    <p:sldId id="1329" r:id="rId34"/>
+    <p:sldId id="1330" r:id="rId35"/>
+    <p:sldId id="1331" r:id="rId36"/>
+    <p:sldId id="1332" r:id="rId37"/>
+    <p:sldId id="1333" r:id="rId38"/>
+    <p:sldId id="1334" r:id="rId39"/>
+    <p:sldId id="1335" r:id="rId40"/>
+    <p:sldId id="1336" r:id="rId41"/>
+    <p:sldId id="1337" r:id="rId42"/>
+    <p:sldId id="1338" r:id="rId43"/>
+    <p:sldId id="1339" r:id="rId44"/>
+    <p:sldId id="1340" r:id="rId45"/>
   </p:sldIdLst>
   <p:sldSz cx="12192000" cy="6858000"/>
   <p:notesSz cx="6858000" cy="9144000"/>
@@ -243,7 +255,7 @@
             <a:fld id="{AA2F9473-F066-431E-A6E8-1D478C995A6B}" type="datetimeFigureOut">
               <a:rPr lang="en-US" smtClean="0"/>
               <a:pPr/>
-              <a:t>3/19/2025</a:t>
+              <a:t>4/15/2025</a:t>
             </a:fld>
             <a:endParaRPr lang="en-US"/>
           </a:p>
@@ -2281,10 +2293,10 @@
                 <a:ea typeface="+mn-ea"/>
                 <a:cs typeface="+mn-cs"/>
               </a:rPr>
-              <a:t>Однако модель необязательно должна состоять только из свойств. Кроме того, она может иметь конструктор, какие-нибудь методы, поля, </a:t>
-            </a:r>
-            <a:r>
-              <a:rPr lang="ru-RU" sz="1200" b="0" i="0" kern="1200" dirty="0" smtClean="0">
+              <a:t>Однако модель необязательно должна состоять только из свойств. Кроме того, она может иметь конструктор, какие-нибудь методы, поля, в</a:t>
+            </a:r>
+            <a:r>
+              <a:rPr lang="ru-RU" sz="1200" b="0" i="0" kern="1200" baseline="0" dirty="0" smtClean="0">
                 <a:solidFill>
                   <a:schemeClr val="tx1"/>
                 </a:solidFill>
@@ -2293,10 +2305,10 @@
                 <a:ea typeface="+mn-ea"/>
                 <a:cs typeface="+mn-cs"/>
               </a:rPr>
-              <a:t>в</a:t>
-            </a:r>
-            <a:r>
-              <a:rPr lang="ru-RU" sz="1200" b="0" i="0" kern="1200" baseline="0" dirty="0" smtClean="0">
+              <a:t> </a:t>
+            </a:r>
+            <a:r>
+              <a:rPr lang="ru-RU" sz="1200" b="0" i="0" kern="1200" dirty="0" smtClean="0">
                 <a:solidFill>
                   <a:schemeClr val="tx1"/>
                 </a:solidFill>
@@ -2305,31 +2317,7 @@
                 <a:ea typeface="+mn-ea"/>
                 <a:cs typeface="+mn-cs"/>
               </a:rPr>
-              <a:t> </a:t>
-            </a:r>
-            <a:r>
-              <a:rPr lang="ru-RU" sz="1200" b="0" i="0" kern="1200" dirty="0" smtClean="0">
-                <a:solidFill>
-                  <a:schemeClr val="tx1"/>
-                </a:solidFill>
-                <a:effectLst/>
-                <a:latin typeface="+mn-lt"/>
-                <a:ea typeface="+mn-ea"/>
-                <a:cs typeface="+mn-cs"/>
-              </a:rPr>
-              <a:t>общем представлять </a:t>
-            </a:r>
-            <a:r>
-              <a:rPr lang="ru-RU" sz="1200" b="0" i="0" kern="1200" dirty="0" smtClean="0">
-                <a:solidFill>
-                  <a:schemeClr val="tx1"/>
-                </a:solidFill>
-                <a:effectLst/>
-                <a:latin typeface="+mn-lt"/>
-                <a:ea typeface="+mn-ea"/>
-                <a:cs typeface="+mn-cs"/>
-              </a:rPr>
-              <a:t>стандартный класс на языке C#. Модели, которые также определяют поведение, в противоположность анемичным моделям называют "толстыми" моделями (</a:t>
+              <a:t>общем представлять стандартный класс на языке C#. Модели, которые также определяют поведение, в противоположность анемичным моделям называют "толстыми" моделями (</a:t>
             </a:r>
             <a:r>
               <a:rPr lang="ru-RU" sz="1200" b="0" i="0" kern="1200" dirty="0" err="1" smtClean="0">
@@ -3080,6 +3068,636 @@
 </p:notes>
 </file>
 
+<file path=ppt/notesSlides/notesSlide33.xml><?xml version="1.0" encoding="utf-8"?>
+<p:notes xmlns:a="http://schemas.openxmlformats.org/drawingml/2006/main" xmlns:r="http://schemas.openxmlformats.org/officeDocument/2006/relationships" xmlns:p="http://schemas.openxmlformats.org/presentationml/2006/main">
+  <p:cSld>
+    <p:spTree>
+      <p:nvGrpSpPr>
+        <p:cNvPr id="1" name=""/>
+        <p:cNvGrpSpPr/>
+        <p:nvPr/>
+      </p:nvGrpSpPr>
+      <p:grpSpPr>
+        <a:xfrm>
+          <a:off x="0" y="0"/>
+          <a:ext cx="0" cy="0"/>
+          <a:chOff x="0" y="0"/>
+          <a:chExt cx="0" cy="0"/>
+        </a:xfrm>
+      </p:grpSpPr>
+      <p:sp>
+        <p:nvSpPr>
+          <p:cNvPr id="2" name="Образ слайда 1"/>
+          <p:cNvSpPr>
+            <a:spLocks noGrp="1" noRot="1" noChangeAspect="1"/>
+          </p:cNvSpPr>
+          <p:nvPr>
+            <p:ph type="sldImg"/>
+          </p:nvPr>
+        </p:nvSpPr>
+        <p:spPr>
+          <a:xfrm>
+            <a:off x="685800" y="1143000"/>
+            <a:ext cx="5486400" cy="3086100"/>
+          </a:xfrm>
+        </p:spPr>
+      </p:sp>
+      <p:sp>
+        <p:nvSpPr>
+          <p:cNvPr id="3" name="Заметки 2"/>
+          <p:cNvSpPr>
+            <a:spLocks noGrp="1"/>
+          </p:cNvSpPr>
+          <p:nvPr>
+            <p:ph type="body" idx="1"/>
+          </p:nvPr>
+        </p:nvSpPr>
+        <p:spPr/>
+        <p:txBody>
+          <a:bodyPr/>
+          <a:lstStyle/>
+          <a:p>
+            <a:endParaRPr lang="ru-RU"/>
+          </a:p>
+        </p:txBody>
+      </p:sp>
+      <p:sp>
+        <p:nvSpPr>
+          <p:cNvPr id="4" name="Номер слайда 3"/>
+          <p:cNvSpPr>
+            <a:spLocks noGrp="1"/>
+          </p:cNvSpPr>
+          <p:nvPr>
+            <p:ph type="sldNum" sz="quarter" idx="10"/>
+          </p:nvPr>
+        </p:nvSpPr>
+        <p:spPr/>
+        <p:txBody>
+          <a:bodyPr/>
+          <a:lstStyle/>
+          <a:p>
+            <a:fld id="{F0F4E2F1-1521-4C3A-A563-2F7D19AB6E0B}" type="slidenum">
+              <a:rPr lang="en-US" smtClean="0"/>
+              <a:pPr/>
+              <a:t>33</a:t>
+            </a:fld>
+            <a:endParaRPr lang="en-US"/>
+          </a:p>
+        </p:txBody>
+      </p:sp>
+    </p:spTree>
+    <p:extLst>
+      <p:ext uri="{BB962C8B-B14F-4D97-AF65-F5344CB8AC3E}">
+        <p14:creationId xmlns:p14="http://schemas.microsoft.com/office/powerpoint/2010/main" val="4285865409"/>
+      </p:ext>
+    </p:extLst>
+  </p:cSld>
+  <p:clrMapOvr>
+    <a:masterClrMapping/>
+  </p:clrMapOvr>
+</p:notes>
+</file>
+
+<file path=ppt/notesSlides/notesSlide34.xml><?xml version="1.0" encoding="utf-8"?>
+<p:notes xmlns:a="http://schemas.openxmlformats.org/drawingml/2006/main" xmlns:r="http://schemas.openxmlformats.org/officeDocument/2006/relationships" xmlns:p="http://schemas.openxmlformats.org/presentationml/2006/main">
+  <p:cSld>
+    <p:spTree>
+      <p:nvGrpSpPr>
+        <p:cNvPr id="1" name=""/>
+        <p:cNvGrpSpPr/>
+        <p:nvPr/>
+      </p:nvGrpSpPr>
+      <p:grpSpPr>
+        <a:xfrm>
+          <a:off x="0" y="0"/>
+          <a:ext cx="0" cy="0"/>
+          <a:chOff x="0" y="0"/>
+          <a:chExt cx="0" cy="0"/>
+        </a:xfrm>
+      </p:grpSpPr>
+      <p:sp>
+        <p:nvSpPr>
+          <p:cNvPr id="2" name="Образ слайда 1"/>
+          <p:cNvSpPr>
+            <a:spLocks noGrp="1" noRot="1" noChangeAspect="1"/>
+          </p:cNvSpPr>
+          <p:nvPr>
+            <p:ph type="sldImg"/>
+          </p:nvPr>
+        </p:nvSpPr>
+        <p:spPr>
+          <a:xfrm>
+            <a:off x="685800" y="1143000"/>
+            <a:ext cx="5486400" cy="3086100"/>
+          </a:xfrm>
+        </p:spPr>
+      </p:sp>
+      <p:sp>
+        <p:nvSpPr>
+          <p:cNvPr id="3" name="Заметки 2"/>
+          <p:cNvSpPr>
+            <a:spLocks noGrp="1"/>
+          </p:cNvSpPr>
+          <p:nvPr>
+            <p:ph type="body" idx="1"/>
+          </p:nvPr>
+        </p:nvSpPr>
+        <p:spPr/>
+        <p:txBody>
+          <a:bodyPr/>
+          <a:lstStyle/>
+          <a:p>
+            <a:endParaRPr lang="ru-RU"/>
+          </a:p>
+        </p:txBody>
+      </p:sp>
+      <p:sp>
+        <p:nvSpPr>
+          <p:cNvPr id="4" name="Номер слайда 3"/>
+          <p:cNvSpPr>
+            <a:spLocks noGrp="1"/>
+          </p:cNvSpPr>
+          <p:nvPr>
+            <p:ph type="sldNum" sz="quarter" idx="10"/>
+          </p:nvPr>
+        </p:nvSpPr>
+        <p:spPr/>
+        <p:txBody>
+          <a:bodyPr/>
+          <a:lstStyle/>
+          <a:p>
+            <a:fld id="{F0F4E2F1-1521-4C3A-A563-2F7D19AB6E0B}" type="slidenum">
+              <a:rPr lang="en-US" smtClean="0"/>
+              <a:pPr/>
+              <a:t>34</a:t>
+            </a:fld>
+            <a:endParaRPr lang="en-US"/>
+          </a:p>
+        </p:txBody>
+      </p:sp>
+    </p:spTree>
+    <p:extLst>
+      <p:ext uri="{BB962C8B-B14F-4D97-AF65-F5344CB8AC3E}">
+        <p14:creationId xmlns:p14="http://schemas.microsoft.com/office/powerpoint/2010/main" val="218060834"/>
+      </p:ext>
+    </p:extLst>
+  </p:cSld>
+  <p:clrMapOvr>
+    <a:masterClrMapping/>
+  </p:clrMapOvr>
+</p:notes>
+</file>
+
+<file path=ppt/notesSlides/notesSlide35.xml><?xml version="1.0" encoding="utf-8"?>
+<p:notes xmlns:a="http://schemas.openxmlformats.org/drawingml/2006/main" xmlns:r="http://schemas.openxmlformats.org/officeDocument/2006/relationships" xmlns:p="http://schemas.openxmlformats.org/presentationml/2006/main">
+  <p:cSld>
+    <p:spTree>
+      <p:nvGrpSpPr>
+        <p:cNvPr id="1" name=""/>
+        <p:cNvGrpSpPr/>
+        <p:nvPr/>
+      </p:nvGrpSpPr>
+      <p:grpSpPr>
+        <a:xfrm>
+          <a:off x="0" y="0"/>
+          <a:ext cx="0" cy="0"/>
+          <a:chOff x="0" y="0"/>
+          <a:chExt cx="0" cy="0"/>
+        </a:xfrm>
+      </p:grpSpPr>
+      <p:sp>
+        <p:nvSpPr>
+          <p:cNvPr id="2" name="Образ слайда 1"/>
+          <p:cNvSpPr>
+            <a:spLocks noGrp="1" noRot="1" noChangeAspect="1"/>
+          </p:cNvSpPr>
+          <p:nvPr>
+            <p:ph type="sldImg"/>
+          </p:nvPr>
+        </p:nvSpPr>
+        <p:spPr>
+          <a:xfrm>
+            <a:off x="685800" y="1143000"/>
+            <a:ext cx="5486400" cy="3086100"/>
+          </a:xfrm>
+        </p:spPr>
+      </p:sp>
+      <p:sp>
+        <p:nvSpPr>
+          <p:cNvPr id="3" name="Заметки 2"/>
+          <p:cNvSpPr>
+            <a:spLocks noGrp="1"/>
+          </p:cNvSpPr>
+          <p:nvPr>
+            <p:ph type="body" idx="1"/>
+          </p:nvPr>
+        </p:nvSpPr>
+        <p:spPr/>
+        <p:txBody>
+          <a:bodyPr/>
+          <a:lstStyle/>
+          <a:p>
+            <a:endParaRPr lang="ru-RU"/>
+          </a:p>
+        </p:txBody>
+      </p:sp>
+      <p:sp>
+        <p:nvSpPr>
+          <p:cNvPr id="4" name="Номер слайда 3"/>
+          <p:cNvSpPr>
+            <a:spLocks noGrp="1"/>
+          </p:cNvSpPr>
+          <p:nvPr>
+            <p:ph type="sldNum" sz="quarter" idx="10"/>
+          </p:nvPr>
+        </p:nvSpPr>
+        <p:spPr/>
+        <p:txBody>
+          <a:bodyPr/>
+          <a:lstStyle/>
+          <a:p>
+            <a:fld id="{F0F4E2F1-1521-4C3A-A563-2F7D19AB6E0B}" type="slidenum">
+              <a:rPr lang="en-US" smtClean="0"/>
+              <a:pPr/>
+              <a:t>35</a:t>
+            </a:fld>
+            <a:endParaRPr lang="en-US"/>
+          </a:p>
+        </p:txBody>
+      </p:sp>
+    </p:spTree>
+    <p:extLst>
+      <p:ext uri="{BB962C8B-B14F-4D97-AF65-F5344CB8AC3E}">
+        <p14:creationId xmlns:p14="http://schemas.microsoft.com/office/powerpoint/2010/main" val="455657302"/>
+      </p:ext>
+    </p:extLst>
+  </p:cSld>
+  <p:clrMapOvr>
+    <a:masterClrMapping/>
+  </p:clrMapOvr>
+</p:notes>
+</file>
+
+<file path=ppt/notesSlides/notesSlide36.xml><?xml version="1.0" encoding="utf-8"?>
+<p:notes xmlns:a="http://schemas.openxmlformats.org/drawingml/2006/main" xmlns:r="http://schemas.openxmlformats.org/officeDocument/2006/relationships" xmlns:p="http://schemas.openxmlformats.org/presentationml/2006/main">
+  <p:cSld>
+    <p:spTree>
+      <p:nvGrpSpPr>
+        <p:cNvPr id="1" name=""/>
+        <p:cNvGrpSpPr/>
+        <p:nvPr/>
+      </p:nvGrpSpPr>
+      <p:grpSpPr>
+        <a:xfrm>
+          <a:off x="0" y="0"/>
+          <a:ext cx="0" cy="0"/>
+          <a:chOff x="0" y="0"/>
+          <a:chExt cx="0" cy="0"/>
+        </a:xfrm>
+      </p:grpSpPr>
+      <p:sp>
+        <p:nvSpPr>
+          <p:cNvPr id="2" name="Образ слайда 1"/>
+          <p:cNvSpPr>
+            <a:spLocks noGrp="1" noRot="1" noChangeAspect="1"/>
+          </p:cNvSpPr>
+          <p:nvPr>
+            <p:ph type="sldImg"/>
+          </p:nvPr>
+        </p:nvSpPr>
+        <p:spPr>
+          <a:xfrm>
+            <a:off x="685800" y="1143000"/>
+            <a:ext cx="5486400" cy="3086100"/>
+          </a:xfrm>
+        </p:spPr>
+      </p:sp>
+      <p:sp>
+        <p:nvSpPr>
+          <p:cNvPr id="3" name="Заметки 2"/>
+          <p:cNvSpPr>
+            <a:spLocks noGrp="1"/>
+          </p:cNvSpPr>
+          <p:nvPr>
+            <p:ph type="body" idx="1"/>
+          </p:nvPr>
+        </p:nvSpPr>
+        <p:spPr/>
+        <p:txBody>
+          <a:bodyPr/>
+          <a:lstStyle/>
+          <a:p>
+            <a:endParaRPr lang="ru-RU"/>
+          </a:p>
+        </p:txBody>
+      </p:sp>
+      <p:sp>
+        <p:nvSpPr>
+          <p:cNvPr id="4" name="Номер слайда 3"/>
+          <p:cNvSpPr>
+            <a:spLocks noGrp="1"/>
+          </p:cNvSpPr>
+          <p:nvPr>
+            <p:ph type="sldNum" sz="quarter" idx="10"/>
+          </p:nvPr>
+        </p:nvSpPr>
+        <p:spPr/>
+        <p:txBody>
+          <a:bodyPr/>
+          <a:lstStyle/>
+          <a:p>
+            <a:fld id="{F0F4E2F1-1521-4C3A-A563-2F7D19AB6E0B}" type="slidenum">
+              <a:rPr lang="en-US" smtClean="0"/>
+              <a:pPr/>
+              <a:t>36</a:t>
+            </a:fld>
+            <a:endParaRPr lang="en-US"/>
+          </a:p>
+        </p:txBody>
+      </p:sp>
+    </p:spTree>
+    <p:extLst>
+      <p:ext uri="{BB962C8B-B14F-4D97-AF65-F5344CB8AC3E}">
+        <p14:creationId xmlns:p14="http://schemas.microsoft.com/office/powerpoint/2010/main" val="450805005"/>
+      </p:ext>
+    </p:extLst>
+  </p:cSld>
+  <p:clrMapOvr>
+    <a:masterClrMapping/>
+  </p:clrMapOvr>
+</p:notes>
+</file>
+
+<file path=ppt/notesSlides/notesSlide37.xml><?xml version="1.0" encoding="utf-8"?>
+<p:notes xmlns:a="http://schemas.openxmlformats.org/drawingml/2006/main" xmlns:r="http://schemas.openxmlformats.org/officeDocument/2006/relationships" xmlns:p="http://schemas.openxmlformats.org/presentationml/2006/main">
+  <p:cSld>
+    <p:spTree>
+      <p:nvGrpSpPr>
+        <p:cNvPr id="1" name=""/>
+        <p:cNvGrpSpPr/>
+        <p:nvPr/>
+      </p:nvGrpSpPr>
+      <p:grpSpPr>
+        <a:xfrm>
+          <a:off x="0" y="0"/>
+          <a:ext cx="0" cy="0"/>
+          <a:chOff x="0" y="0"/>
+          <a:chExt cx="0" cy="0"/>
+        </a:xfrm>
+      </p:grpSpPr>
+      <p:sp>
+        <p:nvSpPr>
+          <p:cNvPr id="2" name="Образ слайда 1"/>
+          <p:cNvSpPr>
+            <a:spLocks noGrp="1" noRot="1" noChangeAspect="1"/>
+          </p:cNvSpPr>
+          <p:nvPr>
+            <p:ph type="sldImg"/>
+          </p:nvPr>
+        </p:nvSpPr>
+        <p:spPr>
+          <a:xfrm>
+            <a:off x="685800" y="1143000"/>
+            <a:ext cx="5486400" cy="3086100"/>
+          </a:xfrm>
+        </p:spPr>
+      </p:sp>
+      <p:sp>
+        <p:nvSpPr>
+          <p:cNvPr id="3" name="Заметки 2"/>
+          <p:cNvSpPr>
+            <a:spLocks noGrp="1"/>
+          </p:cNvSpPr>
+          <p:nvPr>
+            <p:ph type="body" idx="1"/>
+          </p:nvPr>
+        </p:nvSpPr>
+        <p:spPr/>
+        <p:txBody>
+          <a:bodyPr/>
+          <a:lstStyle/>
+          <a:p>
+            <a:endParaRPr lang="ru-RU"/>
+          </a:p>
+        </p:txBody>
+      </p:sp>
+      <p:sp>
+        <p:nvSpPr>
+          <p:cNvPr id="4" name="Номер слайда 3"/>
+          <p:cNvSpPr>
+            <a:spLocks noGrp="1"/>
+          </p:cNvSpPr>
+          <p:nvPr>
+            <p:ph type="sldNum" sz="quarter" idx="10"/>
+          </p:nvPr>
+        </p:nvSpPr>
+        <p:spPr/>
+        <p:txBody>
+          <a:bodyPr/>
+          <a:lstStyle/>
+          <a:p>
+            <a:fld id="{F0F4E2F1-1521-4C3A-A563-2F7D19AB6E0B}" type="slidenum">
+              <a:rPr lang="en-US" smtClean="0"/>
+              <a:pPr/>
+              <a:t>37</a:t>
+            </a:fld>
+            <a:endParaRPr lang="en-US"/>
+          </a:p>
+        </p:txBody>
+      </p:sp>
+    </p:spTree>
+    <p:extLst>
+      <p:ext uri="{BB962C8B-B14F-4D97-AF65-F5344CB8AC3E}">
+        <p14:creationId xmlns:p14="http://schemas.microsoft.com/office/powerpoint/2010/main" val="4136452762"/>
+      </p:ext>
+    </p:extLst>
+  </p:cSld>
+  <p:clrMapOvr>
+    <a:masterClrMapping/>
+  </p:clrMapOvr>
+</p:notes>
+</file>
+
+<file path=ppt/notesSlides/notesSlide38.xml><?xml version="1.0" encoding="utf-8"?>
+<p:notes xmlns:a="http://schemas.openxmlformats.org/drawingml/2006/main" xmlns:r="http://schemas.openxmlformats.org/officeDocument/2006/relationships" xmlns:p="http://schemas.openxmlformats.org/presentationml/2006/main">
+  <p:cSld>
+    <p:spTree>
+      <p:nvGrpSpPr>
+        <p:cNvPr id="1" name=""/>
+        <p:cNvGrpSpPr/>
+        <p:nvPr/>
+      </p:nvGrpSpPr>
+      <p:grpSpPr>
+        <a:xfrm>
+          <a:off x="0" y="0"/>
+          <a:ext cx="0" cy="0"/>
+          <a:chOff x="0" y="0"/>
+          <a:chExt cx="0" cy="0"/>
+        </a:xfrm>
+      </p:grpSpPr>
+      <p:sp>
+        <p:nvSpPr>
+          <p:cNvPr id="2" name="Образ слайда 1"/>
+          <p:cNvSpPr>
+            <a:spLocks noGrp="1" noRot="1" noChangeAspect="1"/>
+          </p:cNvSpPr>
+          <p:nvPr>
+            <p:ph type="sldImg"/>
+          </p:nvPr>
+        </p:nvSpPr>
+        <p:spPr>
+          <a:xfrm>
+            <a:off x="685800" y="1143000"/>
+            <a:ext cx="5486400" cy="3086100"/>
+          </a:xfrm>
+        </p:spPr>
+      </p:sp>
+      <p:sp>
+        <p:nvSpPr>
+          <p:cNvPr id="3" name="Заметки 2"/>
+          <p:cNvSpPr>
+            <a:spLocks noGrp="1"/>
+          </p:cNvSpPr>
+          <p:nvPr>
+            <p:ph type="body" idx="1"/>
+          </p:nvPr>
+        </p:nvSpPr>
+        <p:spPr/>
+        <p:txBody>
+          <a:bodyPr/>
+          <a:lstStyle/>
+          <a:p>
+            <a:endParaRPr lang="ru-RU"/>
+          </a:p>
+        </p:txBody>
+      </p:sp>
+      <p:sp>
+        <p:nvSpPr>
+          <p:cNvPr id="4" name="Номер слайда 3"/>
+          <p:cNvSpPr>
+            <a:spLocks noGrp="1"/>
+          </p:cNvSpPr>
+          <p:nvPr>
+            <p:ph type="sldNum" sz="quarter" idx="10"/>
+          </p:nvPr>
+        </p:nvSpPr>
+        <p:spPr/>
+        <p:txBody>
+          <a:bodyPr/>
+          <a:lstStyle/>
+          <a:p>
+            <a:fld id="{F0F4E2F1-1521-4C3A-A563-2F7D19AB6E0B}" type="slidenum">
+              <a:rPr lang="en-US" smtClean="0"/>
+              <a:pPr/>
+              <a:t>38</a:t>
+            </a:fld>
+            <a:endParaRPr lang="en-US"/>
+          </a:p>
+        </p:txBody>
+      </p:sp>
+    </p:spTree>
+    <p:extLst>
+      <p:ext uri="{BB962C8B-B14F-4D97-AF65-F5344CB8AC3E}">
+        <p14:creationId xmlns:p14="http://schemas.microsoft.com/office/powerpoint/2010/main" val="834814455"/>
+      </p:ext>
+    </p:extLst>
+  </p:cSld>
+  <p:clrMapOvr>
+    <a:masterClrMapping/>
+  </p:clrMapOvr>
+</p:notes>
+</file>
+
+<file path=ppt/notesSlides/notesSlide39.xml><?xml version="1.0" encoding="utf-8"?>
+<p:notes xmlns:a="http://schemas.openxmlformats.org/drawingml/2006/main" xmlns:r="http://schemas.openxmlformats.org/officeDocument/2006/relationships" xmlns:p="http://schemas.openxmlformats.org/presentationml/2006/main">
+  <p:cSld>
+    <p:spTree>
+      <p:nvGrpSpPr>
+        <p:cNvPr id="1" name=""/>
+        <p:cNvGrpSpPr/>
+        <p:nvPr/>
+      </p:nvGrpSpPr>
+      <p:grpSpPr>
+        <a:xfrm>
+          <a:off x="0" y="0"/>
+          <a:ext cx="0" cy="0"/>
+          <a:chOff x="0" y="0"/>
+          <a:chExt cx="0" cy="0"/>
+        </a:xfrm>
+      </p:grpSpPr>
+      <p:sp>
+        <p:nvSpPr>
+          <p:cNvPr id="2" name="Образ слайда 1"/>
+          <p:cNvSpPr>
+            <a:spLocks noGrp="1" noRot="1" noChangeAspect="1"/>
+          </p:cNvSpPr>
+          <p:nvPr>
+            <p:ph type="sldImg"/>
+          </p:nvPr>
+        </p:nvSpPr>
+        <p:spPr>
+          <a:xfrm>
+            <a:off x="685800" y="1143000"/>
+            <a:ext cx="5486400" cy="3086100"/>
+          </a:xfrm>
+        </p:spPr>
+      </p:sp>
+      <p:sp>
+        <p:nvSpPr>
+          <p:cNvPr id="3" name="Заметки 2"/>
+          <p:cNvSpPr>
+            <a:spLocks noGrp="1"/>
+          </p:cNvSpPr>
+          <p:nvPr>
+            <p:ph type="body" idx="1"/>
+          </p:nvPr>
+        </p:nvSpPr>
+        <p:spPr/>
+        <p:txBody>
+          <a:bodyPr/>
+          <a:lstStyle/>
+          <a:p>
+            <a:endParaRPr lang="ru-RU"/>
+          </a:p>
+        </p:txBody>
+      </p:sp>
+      <p:sp>
+        <p:nvSpPr>
+          <p:cNvPr id="4" name="Номер слайда 3"/>
+          <p:cNvSpPr>
+            <a:spLocks noGrp="1"/>
+          </p:cNvSpPr>
+          <p:nvPr>
+            <p:ph type="sldNum" sz="quarter" idx="10"/>
+          </p:nvPr>
+        </p:nvSpPr>
+        <p:spPr/>
+        <p:txBody>
+          <a:bodyPr/>
+          <a:lstStyle/>
+          <a:p>
+            <a:fld id="{F0F4E2F1-1521-4C3A-A563-2F7D19AB6E0B}" type="slidenum">
+              <a:rPr lang="en-US" smtClean="0"/>
+              <a:pPr/>
+              <a:t>39</a:t>
+            </a:fld>
+            <a:endParaRPr lang="en-US"/>
+          </a:p>
+        </p:txBody>
+      </p:sp>
+    </p:spTree>
+    <p:extLst>
+      <p:ext uri="{BB962C8B-B14F-4D97-AF65-F5344CB8AC3E}">
+        <p14:creationId xmlns:p14="http://schemas.microsoft.com/office/powerpoint/2010/main" val="408542433"/>
+      </p:ext>
+    </p:extLst>
+  </p:cSld>
+  <p:clrMapOvr>
+    <a:masterClrMapping/>
+  </p:clrMapOvr>
+</p:notes>
+</file>
+
 <file path=ppt/notesSlides/notesSlide4.xml><?xml version="1.0" encoding="utf-8"?>
 <p:notes xmlns:a="http://schemas.openxmlformats.org/drawingml/2006/main" xmlns:r="http://schemas.openxmlformats.org/officeDocument/2006/relationships" xmlns:p="http://schemas.openxmlformats.org/presentationml/2006/main">
   <p:cSld>
@@ -3161,6 +3779,456 @@
     <p:extLst>
       <p:ext uri="{BB962C8B-B14F-4D97-AF65-F5344CB8AC3E}">
         <p14:creationId xmlns:p14="http://schemas.microsoft.com/office/powerpoint/2010/main" val="1825466675"/>
+      </p:ext>
+    </p:extLst>
+  </p:cSld>
+  <p:clrMapOvr>
+    <a:masterClrMapping/>
+  </p:clrMapOvr>
+</p:notes>
+</file>
+
+<file path=ppt/notesSlides/notesSlide40.xml><?xml version="1.0" encoding="utf-8"?>
+<p:notes xmlns:a="http://schemas.openxmlformats.org/drawingml/2006/main" xmlns:r="http://schemas.openxmlformats.org/officeDocument/2006/relationships" xmlns:p="http://schemas.openxmlformats.org/presentationml/2006/main">
+  <p:cSld>
+    <p:spTree>
+      <p:nvGrpSpPr>
+        <p:cNvPr id="1" name=""/>
+        <p:cNvGrpSpPr/>
+        <p:nvPr/>
+      </p:nvGrpSpPr>
+      <p:grpSpPr>
+        <a:xfrm>
+          <a:off x="0" y="0"/>
+          <a:ext cx="0" cy="0"/>
+          <a:chOff x="0" y="0"/>
+          <a:chExt cx="0" cy="0"/>
+        </a:xfrm>
+      </p:grpSpPr>
+      <p:sp>
+        <p:nvSpPr>
+          <p:cNvPr id="2" name="Образ слайда 1"/>
+          <p:cNvSpPr>
+            <a:spLocks noGrp="1" noRot="1" noChangeAspect="1"/>
+          </p:cNvSpPr>
+          <p:nvPr>
+            <p:ph type="sldImg"/>
+          </p:nvPr>
+        </p:nvSpPr>
+        <p:spPr>
+          <a:xfrm>
+            <a:off x="685800" y="1143000"/>
+            <a:ext cx="5486400" cy="3086100"/>
+          </a:xfrm>
+        </p:spPr>
+      </p:sp>
+      <p:sp>
+        <p:nvSpPr>
+          <p:cNvPr id="3" name="Заметки 2"/>
+          <p:cNvSpPr>
+            <a:spLocks noGrp="1"/>
+          </p:cNvSpPr>
+          <p:nvPr>
+            <p:ph type="body" idx="1"/>
+          </p:nvPr>
+        </p:nvSpPr>
+        <p:spPr/>
+        <p:txBody>
+          <a:bodyPr/>
+          <a:lstStyle/>
+          <a:p>
+            <a:endParaRPr lang="ru-RU"/>
+          </a:p>
+        </p:txBody>
+      </p:sp>
+      <p:sp>
+        <p:nvSpPr>
+          <p:cNvPr id="4" name="Номер слайда 3"/>
+          <p:cNvSpPr>
+            <a:spLocks noGrp="1"/>
+          </p:cNvSpPr>
+          <p:nvPr>
+            <p:ph type="sldNum" sz="quarter" idx="10"/>
+          </p:nvPr>
+        </p:nvSpPr>
+        <p:spPr/>
+        <p:txBody>
+          <a:bodyPr/>
+          <a:lstStyle/>
+          <a:p>
+            <a:fld id="{F0F4E2F1-1521-4C3A-A563-2F7D19AB6E0B}" type="slidenum">
+              <a:rPr lang="en-US" smtClean="0"/>
+              <a:pPr/>
+              <a:t>40</a:t>
+            </a:fld>
+            <a:endParaRPr lang="en-US"/>
+          </a:p>
+        </p:txBody>
+      </p:sp>
+    </p:spTree>
+    <p:extLst>
+      <p:ext uri="{BB962C8B-B14F-4D97-AF65-F5344CB8AC3E}">
+        <p14:creationId xmlns:p14="http://schemas.microsoft.com/office/powerpoint/2010/main" val="3944791598"/>
+      </p:ext>
+    </p:extLst>
+  </p:cSld>
+  <p:clrMapOvr>
+    <a:masterClrMapping/>
+  </p:clrMapOvr>
+</p:notes>
+</file>
+
+<file path=ppt/notesSlides/notesSlide41.xml><?xml version="1.0" encoding="utf-8"?>
+<p:notes xmlns:a="http://schemas.openxmlformats.org/drawingml/2006/main" xmlns:r="http://schemas.openxmlformats.org/officeDocument/2006/relationships" xmlns:p="http://schemas.openxmlformats.org/presentationml/2006/main">
+  <p:cSld>
+    <p:spTree>
+      <p:nvGrpSpPr>
+        <p:cNvPr id="1" name=""/>
+        <p:cNvGrpSpPr/>
+        <p:nvPr/>
+      </p:nvGrpSpPr>
+      <p:grpSpPr>
+        <a:xfrm>
+          <a:off x="0" y="0"/>
+          <a:ext cx="0" cy="0"/>
+          <a:chOff x="0" y="0"/>
+          <a:chExt cx="0" cy="0"/>
+        </a:xfrm>
+      </p:grpSpPr>
+      <p:sp>
+        <p:nvSpPr>
+          <p:cNvPr id="2" name="Образ слайда 1"/>
+          <p:cNvSpPr>
+            <a:spLocks noGrp="1" noRot="1" noChangeAspect="1"/>
+          </p:cNvSpPr>
+          <p:nvPr>
+            <p:ph type="sldImg"/>
+          </p:nvPr>
+        </p:nvSpPr>
+        <p:spPr>
+          <a:xfrm>
+            <a:off x="685800" y="1143000"/>
+            <a:ext cx="5486400" cy="3086100"/>
+          </a:xfrm>
+        </p:spPr>
+      </p:sp>
+      <p:sp>
+        <p:nvSpPr>
+          <p:cNvPr id="3" name="Заметки 2"/>
+          <p:cNvSpPr>
+            <a:spLocks noGrp="1"/>
+          </p:cNvSpPr>
+          <p:nvPr>
+            <p:ph type="body" idx="1"/>
+          </p:nvPr>
+        </p:nvSpPr>
+        <p:spPr/>
+        <p:txBody>
+          <a:bodyPr/>
+          <a:lstStyle/>
+          <a:p>
+            <a:endParaRPr lang="ru-RU"/>
+          </a:p>
+        </p:txBody>
+      </p:sp>
+      <p:sp>
+        <p:nvSpPr>
+          <p:cNvPr id="4" name="Номер слайда 3"/>
+          <p:cNvSpPr>
+            <a:spLocks noGrp="1"/>
+          </p:cNvSpPr>
+          <p:nvPr>
+            <p:ph type="sldNum" sz="quarter" idx="10"/>
+          </p:nvPr>
+        </p:nvSpPr>
+        <p:spPr/>
+        <p:txBody>
+          <a:bodyPr/>
+          <a:lstStyle/>
+          <a:p>
+            <a:fld id="{F0F4E2F1-1521-4C3A-A563-2F7D19AB6E0B}" type="slidenum">
+              <a:rPr lang="en-US" smtClean="0"/>
+              <a:pPr/>
+              <a:t>41</a:t>
+            </a:fld>
+            <a:endParaRPr lang="en-US"/>
+          </a:p>
+        </p:txBody>
+      </p:sp>
+    </p:spTree>
+    <p:extLst>
+      <p:ext uri="{BB962C8B-B14F-4D97-AF65-F5344CB8AC3E}">
+        <p14:creationId xmlns:p14="http://schemas.microsoft.com/office/powerpoint/2010/main" val="1648078221"/>
+      </p:ext>
+    </p:extLst>
+  </p:cSld>
+  <p:clrMapOvr>
+    <a:masterClrMapping/>
+  </p:clrMapOvr>
+</p:notes>
+</file>
+
+<file path=ppt/notesSlides/notesSlide42.xml><?xml version="1.0" encoding="utf-8"?>
+<p:notes xmlns:a="http://schemas.openxmlformats.org/drawingml/2006/main" xmlns:r="http://schemas.openxmlformats.org/officeDocument/2006/relationships" xmlns:p="http://schemas.openxmlformats.org/presentationml/2006/main">
+  <p:cSld>
+    <p:spTree>
+      <p:nvGrpSpPr>
+        <p:cNvPr id="1" name=""/>
+        <p:cNvGrpSpPr/>
+        <p:nvPr/>
+      </p:nvGrpSpPr>
+      <p:grpSpPr>
+        <a:xfrm>
+          <a:off x="0" y="0"/>
+          <a:ext cx="0" cy="0"/>
+          <a:chOff x="0" y="0"/>
+          <a:chExt cx="0" cy="0"/>
+        </a:xfrm>
+      </p:grpSpPr>
+      <p:sp>
+        <p:nvSpPr>
+          <p:cNvPr id="2" name="Образ слайда 1"/>
+          <p:cNvSpPr>
+            <a:spLocks noGrp="1" noRot="1" noChangeAspect="1"/>
+          </p:cNvSpPr>
+          <p:nvPr>
+            <p:ph type="sldImg"/>
+          </p:nvPr>
+        </p:nvSpPr>
+        <p:spPr>
+          <a:xfrm>
+            <a:off x="685800" y="1143000"/>
+            <a:ext cx="5486400" cy="3086100"/>
+          </a:xfrm>
+        </p:spPr>
+      </p:sp>
+      <p:sp>
+        <p:nvSpPr>
+          <p:cNvPr id="3" name="Заметки 2"/>
+          <p:cNvSpPr>
+            <a:spLocks noGrp="1"/>
+          </p:cNvSpPr>
+          <p:nvPr>
+            <p:ph type="body" idx="1"/>
+          </p:nvPr>
+        </p:nvSpPr>
+        <p:spPr/>
+        <p:txBody>
+          <a:bodyPr/>
+          <a:lstStyle/>
+          <a:p>
+            <a:endParaRPr lang="ru-RU"/>
+          </a:p>
+        </p:txBody>
+      </p:sp>
+      <p:sp>
+        <p:nvSpPr>
+          <p:cNvPr id="4" name="Номер слайда 3"/>
+          <p:cNvSpPr>
+            <a:spLocks noGrp="1"/>
+          </p:cNvSpPr>
+          <p:nvPr>
+            <p:ph type="sldNum" sz="quarter" idx="10"/>
+          </p:nvPr>
+        </p:nvSpPr>
+        <p:spPr/>
+        <p:txBody>
+          <a:bodyPr/>
+          <a:lstStyle/>
+          <a:p>
+            <a:fld id="{F0F4E2F1-1521-4C3A-A563-2F7D19AB6E0B}" type="slidenum">
+              <a:rPr lang="en-US" smtClean="0"/>
+              <a:pPr/>
+              <a:t>42</a:t>
+            </a:fld>
+            <a:endParaRPr lang="en-US"/>
+          </a:p>
+        </p:txBody>
+      </p:sp>
+    </p:spTree>
+    <p:extLst>
+      <p:ext uri="{BB962C8B-B14F-4D97-AF65-F5344CB8AC3E}">
+        <p14:creationId xmlns:p14="http://schemas.microsoft.com/office/powerpoint/2010/main" val="921353325"/>
+      </p:ext>
+    </p:extLst>
+  </p:cSld>
+  <p:clrMapOvr>
+    <a:masterClrMapping/>
+  </p:clrMapOvr>
+</p:notes>
+</file>
+
+<file path=ppt/notesSlides/notesSlide43.xml><?xml version="1.0" encoding="utf-8"?>
+<p:notes xmlns:a="http://schemas.openxmlformats.org/drawingml/2006/main" xmlns:r="http://schemas.openxmlformats.org/officeDocument/2006/relationships" xmlns:p="http://schemas.openxmlformats.org/presentationml/2006/main">
+  <p:cSld>
+    <p:spTree>
+      <p:nvGrpSpPr>
+        <p:cNvPr id="1" name=""/>
+        <p:cNvGrpSpPr/>
+        <p:nvPr/>
+      </p:nvGrpSpPr>
+      <p:grpSpPr>
+        <a:xfrm>
+          <a:off x="0" y="0"/>
+          <a:ext cx="0" cy="0"/>
+          <a:chOff x="0" y="0"/>
+          <a:chExt cx="0" cy="0"/>
+        </a:xfrm>
+      </p:grpSpPr>
+      <p:sp>
+        <p:nvSpPr>
+          <p:cNvPr id="2" name="Образ слайда 1"/>
+          <p:cNvSpPr>
+            <a:spLocks noGrp="1" noRot="1" noChangeAspect="1"/>
+          </p:cNvSpPr>
+          <p:nvPr>
+            <p:ph type="sldImg"/>
+          </p:nvPr>
+        </p:nvSpPr>
+        <p:spPr>
+          <a:xfrm>
+            <a:off x="685800" y="1143000"/>
+            <a:ext cx="5486400" cy="3086100"/>
+          </a:xfrm>
+        </p:spPr>
+      </p:sp>
+      <p:sp>
+        <p:nvSpPr>
+          <p:cNvPr id="3" name="Заметки 2"/>
+          <p:cNvSpPr>
+            <a:spLocks noGrp="1"/>
+          </p:cNvSpPr>
+          <p:nvPr>
+            <p:ph type="body" idx="1"/>
+          </p:nvPr>
+        </p:nvSpPr>
+        <p:spPr/>
+        <p:txBody>
+          <a:bodyPr/>
+          <a:lstStyle/>
+          <a:p>
+            <a:endParaRPr lang="ru-RU"/>
+          </a:p>
+        </p:txBody>
+      </p:sp>
+      <p:sp>
+        <p:nvSpPr>
+          <p:cNvPr id="4" name="Номер слайда 3"/>
+          <p:cNvSpPr>
+            <a:spLocks noGrp="1"/>
+          </p:cNvSpPr>
+          <p:nvPr>
+            <p:ph type="sldNum" sz="quarter" idx="10"/>
+          </p:nvPr>
+        </p:nvSpPr>
+        <p:spPr/>
+        <p:txBody>
+          <a:bodyPr/>
+          <a:lstStyle/>
+          <a:p>
+            <a:fld id="{F0F4E2F1-1521-4C3A-A563-2F7D19AB6E0B}" type="slidenum">
+              <a:rPr lang="en-US" smtClean="0"/>
+              <a:pPr/>
+              <a:t>43</a:t>
+            </a:fld>
+            <a:endParaRPr lang="en-US"/>
+          </a:p>
+        </p:txBody>
+      </p:sp>
+    </p:spTree>
+    <p:extLst>
+      <p:ext uri="{BB962C8B-B14F-4D97-AF65-F5344CB8AC3E}">
+        <p14:creationId xmlns:p14="http://schemas.microsoft.com/office/powerpoint/2010/main" val="2444122343"/>
+      </p:ext>
+    </p:extLst>
+  </p:cSld>
+  <p:clrMapOvr>
+    <a:masterClrMapping/>
+  </p:clrMapOvr>
+</p:notes>
+</file>
+
+<file path=ppt/notesSlides/notesSlide44.xml><?xml version="1.0" encoding="utf-8"?>
+<p:notes xmlns:a="http://schemas.openxmlformats.org/drawingml/2006/main" xmlns:r="http://schemas.openxmlformats.org/officeDocument/2006/relationships" xmlns:p="http://schemas.openxmlformats.org/presentationml/2006/main">
+  <p:cSld>
+    <p:spTree>
+      <p:nvGrpSpPr>
+        <p:cNvPr id="1" name=""/>
+        <p:cNvGrpSpPr/>
+        <p:nvPr/>
+      </p:nvGrpSpPr>
+      <p:grpSpPr>
+        <a:xfrm>
+          <a:off x="0" y="0"/>
+          <a:ext cx="0" cy="0"/>
+          <a:chOff x="0" y="0"/>
+          <a:chExt cx="0" cy="0"/>
+        </a:xfrm>
+      </p:grpSpPr>
+      <p:sp>
+        <p:nvSpPr>
+          <p:cNvPr id="2" name="Образ слайда 1"/>
+          <p:cNvSpPr>
+            <a:spLocks noGrp="1" noRot="1" noChangeAspect="1"/>
+          </p:cNvSpPr>
+          <p:nvPr>
+            <p:ph type="sldImg"/>
+          </p:nvPr>
+        </p:nvSpPr>
+        <p:spPr>
+          <a:xfrm>
+            <a:off x="685800" y="1143000"/>
+            <a:ext cx="5486400" cy="3086100"/>
+          </a:xfrm>
+        </p:spPr>
+      </p:sp>
+      <p:sp>
+        <p:nvSpPr>
+          <p:cNvPr id="3" name="Заметки 2"/>
+          <p:cNvSpPr>
+            <a:spLocks noGrp="1"/>
+          </p:cNvSpPr>
+          <p:nvPr>
+            <p:ph type="body" idx="1"/>
+          </p:nvPr>
+        </p:nvSpPr>
+        <p:spPr/>
+        <p:txBody>
+          <a:bodyPr/>
+          <a:lstStyle/>
+          <a:p>
+            <a:endParaRPr lang="ru-RU"/>
+          </a:p>
+        </p:txBody>
+      </p:sp>
+      <p:sp>
+        <p:nvSpPr>
+          <p:cNvPr id="4" name="Номер слайда 3"/>
+          <p:cNvSpPr>
+            <a:spLocks noGrp="1"/>
+          </p:cNvSpPr>
+          <p:nvPr>
+            <p:ph type="sldNum" sz="quarter" idx="10"/>
+          </p:nvPr>
+        </p:nvSpPr>
+        <p:spPr/>
+        <p:txBody>
+          <a:bodyPr/>
+          <a:lstStyle/>
+          <a:p>
+            <a:fld id="{F0F4E2F1-1521-4C3A-A563-2F7D19AB6E0B}" type="slidenum">
+              <a:rPr lang="en-US" smtClean="0"/>
+              <a:pPr/>
+              <a:t>44</a:t>
+            </a:fld>
+            <a:endParaRPr lang="en-US"/>
+          </a:p>
+        </p:txBody>
+      </p:sp>
+    </p:spTree>
+    <p:extLst>
+      <p:ext uri="{BB962C8B-B14F-4D97-AF65-F5344CB8AC3E}">
+        <p14:creationId xmlns:p14="http://schemas.microsoft.com/office/powerpoint/2010/main" val="4106039586"/>
       </p:ext>
     </p:extLst>
   </p:cSld>
@@ -5024,7 +6092,7 @@
         <p:spPr>
           <a:xfrm>
             <a:off x="877031" y="3867682"/>
-            <a:ext cx="11041341" cy="1384995"/>
+            <a:ext cx="11041341" cy="1815882"/>
           </a:xfrm>
           <a:prstGeom prst="rect">
             <a:avLst/>
@@ -5137,6 +6205,45 @@
               </a:rPr>
               <a:t>Модели</a:t>
             </a:r>
+          </a:p>
+          <a:p>
+            <a:pPr marL="285750" indent="-285750">
+              <a:buFont typeface="Arial" panose="020B0604020202020204" pitchFamily="34" charset="0"/>
+              <a:buChar char="•"/>
+            </a:pPr>
+            <a:r>
+              <a:rPr lang="en-US" sz="2800" dirty="0" smtClean="0">
+                <a:solidFill>
+                  <a:schemeClr val="tx2">
+                    <a:lumMod val="50000"/>
+                  </a:schemeClr>
+                </a:solidFill>
+                <a:latin typeface="Bookman Old Style" panose="02050604050505020204" pitchFamily="18" charset="0"/>
+                <a:cs typeface="Times New Roman" panose="02020603050405020304" pitchFamily="18" charset="0"/>
+              </a:rPr>
+              <a:t>Tag-</a:t>
+            </a:r>
+            <a:r>
+              <a:rPr lang="ru-RU" sz="2800" dirty="0" smtClean="0">
+                <a:solidFill>
+                  <a:schemeClr val="tx2">
+                    <a:lumMod val="50000"/>
+                  </a:schemeClr>
+                </a:solidFill>
+                <a:latin typeface="Bookman Old Style" panose="02050604050505020204" pitchFamily="18" charset="0"/>
+                <a:cs typeface="Times New Roman" panose="02020603050405020304" pitchFamily="18" charset="0"/>
+              </a:rPr>
+              <a:t>хелперы</a:t>
+            </a:r>
+            <a:endParaRPr lang="ru-RU" sz="2800" dirty="0" smtClean="0">
+              <a:solidFill>
+                <a:schemeClr val="tx2">
+                  <a:lumMod val="50000"/>
+                </a:schemeClr>
+              </a:solidFill>
+              <a:latin typeface="Bookman Old Style" panose="02050604050505020204" pitchFamily="18" charset="0"/>
+              <a:cs typeface="Times New Roman" panose="02020603050405020304" pitchFamily="18" charset="0"/>
+            </a:endParaRPr>
           </a:p>
         </p:txBody>
       </p:sp>
@@ -15767,6 +16874,2750 @@
 </p:sld>
 </file>
 
+<file path=ppt/slides/slide33.xml><?xml version="1.0" encoding="utf-8"?>
+<p:sld xmlns:a="http://schemas.openxmlformats.org/drawingml/2006/main" xmlns:r="http://schemas.openxmlformats.org/officeDocument/2006/relationships" xmlns:p="http://schemas.openxmlformats.org/presentationml/2006/main">
+  <p:cSld>
+    <p:spTree>
+      <p:nvGrpSpPr>
+        <p:cNvPr id="1" name=""/>
+        <p:cNvGrpSpPr/>
+        <p:nvPr/>
+      </p:nvGrpSpPr>
+      <p:grpSpPr>
+        <a:xfrm>
+          <a:off x="0" y="0"/>
+          <a:ext cx="0" cy="0"/>
+          <a:chOff x="0" y="0"/>
+          <a:chExt cx="0" cy="0"/>
+        </a:xfrm>
+      </p:grpSpPr>
+      <p:sp>
+        <p:nvSpPr>
+          <p:cNvPr id="11" name="Rectangle 28" descr="Светлый диагональный 2"/>
+          <p:cNvSpPr>
+            <a:spLocks noChangeArrowheads="1"/>
+          </p:cNvSpPr>
+          <p:nvPr/>
+        </p:nvSpPr>
+        <p:spPr bwMode="auto">
+          <a:xfrm>
+            <a:off x="0" y="0"/>
+            <a:ext cx="12192000" cy="654357"/>
+          </a:xfrm>
+          <a:prstGeom prst="rect">
+            <a:avLst/>
+          </a:prstGeom>
+          <a:pattFill prst="ltUpDiag">
+            <a:fgClr>
+              <a:schemeClr val="accent1">
+                <a:lumMod val="40000"/>
+                <a:lumOff val="60000"/>
+              </a:schemeClr>
+            </a:fgClr>
+            <a:bgClr>
+              <a:srgbClr val="FFFFFF"/>
+            </a:bgClr>
+          </a:pattFill>
+          <a:ln w="15875" algn="ctr">
+            <a:solidFill>
+              <a:schemeClr val="accent5">
+                <a:lumMod val="50000"/>
+              </a:schemeClr>
+            </a:solidFill>
+            <a:miter lim="800000"/>
+            <a:headEnd/>
+            <a:tailEnd/>
+          </a:ln>
+          <a:effectLst/>
+        </p:spPr>
+        <p:txBody>
+          <a:bodyPr vert="horz" wrap="square" lIns="18000" tIns="18000" rIns="18000" bIns="18000" numCol="1" anchor="ctr" anchorCtr="0" compatLnSpc="1">
+            <a:prstTxWarp prst="textNoShape">
+              <a:avLst/>
+            </a:prstTxWarp>
+          </a:bodyPr>
+          <a:lstStyle/>
+          <a:p>
+            <a:pPr algn="ctr"/>
+            <a:r>
+              <a:rPr lang="en-US" sz="2800" b="1" dirty="0">
+                <a:solidFill>
+                  <a:schemeClr val="tx2">
+                    <a:lumMod val="50000"/>
+                  </a:schemeClr>
+                </a:solidFill>
+                <a:latin typeface="Bookman Old Style" panose="02050604050505020204" pitchFamily="18" charset="0"/>
+                <a:cs typeface="Times New Roman" panose="02020603050405020304" pitchFamily="18" charset="0"/>
+              </a:rPr>
+              <a:t>Tag-</a:t>
+            </a:r>
+            <a:r>
+              <a:rPr lang="ru-RU" sz="2800" b="1" dirty="0">
+                <a:solidFill>
+                  <a:schemeClr val="tx2">
+                    <a:lumMod val="50000"/>
+                  </a:schemeClr>
+                </a:solidFill>
+                <a:latin typeface="Bookman Old Style" panose="02050604050505020204" pitchFamily="18" charset="0"/>
+                <a:cs typeface="Times New Roman" panose="02020603050405020304" pitchFamily="18" charset="0"/>
+              </a:rPr>
+              <a:t>хелперы</a:t>
+            </a:r>
+          </a:p>
+        </p:txBody>
+      </p:sp>
+      <p:sp>
+        <p:nvSpPr>
+          <p:cNvPr id="7" name="Прямоугольник 6"/>
+          <p:cNvSpPr/>
+          <p:nvPr/>
+        </p:nvSpPr>
+        <p:spPr>
+          <a:xfrm>
+            <a:off x="320586" y="654357"/>
+            <a:ext cx="11623854" cy="3353675"/>
+          </a:xfrm>
+          <a:prstGeom prst="rect">
+            <a:avLst/>
+          </a:prstGeom>
+        </p:spPr>
+        <p:txBody>
+          <a:bodyPr wrap="square">
+            <a:spAutoFit/>
+          </a:bodyPr>
+          <a:lstStyle/>
+          <a:p>
+            <a:pPr algn="just">
+              <a:lnSpc>
+                <a:spcPct val="150000"/>
+              </a:lnSpc>
+            </a:pPr>
+            <a:r>
+              <a:rPr lang="ru-RU" sz="2400" b="1" dirty="0" err="1">
+                <a:solidFill>
+                  <a:srgbClr val="000000"/>
+                </a:solidFill>
+                <a:latin typeface="Bookman Old Style" panose="02050604050505020204" pitchFamily="18" charset="0"/>
+              </a:rPr>
+              <a:t>Tag</a:t>
+            </a:r>
+            <a:r>
+              <a:rPr lang="ru-RU" sz="2400" b="1" dirty="0">
+                <a:solidFill>
+                  <a:srgbClr val="000000"/>
+                </a:solidFill>
+                <a:latin typeface="Bookman Old Style" panose="02050604050505020204" pitchFamily="18" charset="0"/>
+              </a:rPr>
+              <a:t>-хелперы</a:t>
+            </a:r>
+            <a:r>
+              <a:rPr lang="ru-RU" sz="2400" dirty="0">
+                <a:solidFill>
+                  <a:srgbClr val="000000"/>
+                </a:solidFill>
+                <a:latin typeface="Bookman Old Style" panose="02050604050505020204" pitchFamily="18" charset="0"/>
+              </a:rPr>
+              <a:t> представляют собой функциональность, предназначенную для генерации HTML-разметки. </a:t>
+            </a:r>
+            <a:r>
+              <a:rPr lang="ru-RU" sz="2400" dirty="0" err="1">
+                <a:solidFill>
+                  <a:srgbClr val="000000"/>
+                </a:solidFill>
+                <a:latin typeface="Bookman Old Style" panose="02050604050505020204" pitchFamily="18" charset="0"/>
+              </a:rPr>
+              <a:t>Tag</a:t>
+            </a:r>
+            <a:r>
+              <a:rPr lang="ru-RU" sz="2400" dirty="0">
+                <a:solidFill>
+                  <a:srgbClr val="000000"/>
+                </a:solidFill>
+                <a:latin typeface="Bookman Old Style" panose="02050604050505020204" pitchFamily="18" charset="0"/>
+              </a:rPr>
+              <a:t>-хелперы применяются в представлениях и выглядят как обычные </a:t>
+            </a:r>
+            <a:r>
+              <a:rPr lang="ru-RU" sz="2400" dirty="0" err="1">
+                <a:solidFill>
+                  <a:srgbClr val="000000"/>
+                </a:solidFill>
+                <a:latin typeface="Bookman Old Style" panose="02050604050505020204" pitchFamily="18" charset="0"/>
+              </a:rPr>
+              <a:t>html</a:t>
+            </a:r>
+            <a:r>
+              <a:rPr lang="ru-RU" sz="2400" dirty="0">
+                <a:solidFill>
+                  <a:srgbClr val="000000"/>
+                </a:solidFill>
+                <a:latin typeface="Bookman Old Style" panose="02050604050505020204" pitchFamily="18" charset="0"/>
+              </a:rPr>
+              <a:t>-элементы или атрибуты, однако при работе приложения они обрабатываются движком </a:t>
+            </a:r>
+            <a:r>
+              <a:rPr lang="ru-RU" sz="2400" dirty="0" err="1">
+                <a:solidFill>
+                  <a:srgbClr val="000000"/>
+                </a:solidFill>
+                <a:latin typeface="Bookman Old Style" panose="02050604050505020204" pitchFamily="18" charset="0"/>
+              </a:rPr>
+              <a:t>Razor</a:t>
+            </a:r>
+            <a:r>
+              <a:rPr lang="ru-RU" sz="2400" dirty="0">
+                <a:solidFill>
+                  <a:srgbClr val="000000"/>
+                </a:solidFill>
+                <a:latin typeface="Bookman Old Style" panose="02050604050505020204" pitchFamily="18" charset="0"/>
+              </a:rPr>
+              <a:t> на стороне сервера и в конечном счете преобразуются в стандартные </a:t>
+            </a:r>
+            <a:r>
+              <a:rPr lang="ru-RU" sz="2400" dirty="0" err="1">
+                <a:solidFill>
+                  <a:srgbClr val="000000"/>
+                </a:solidFill>
+                <a:latin typeface="Bookman Old Style" panose="02050604050505020204" pitchFamily="18" charset="0"/>
+              </a:rPr>
+              <a:t>html</a:t>
+            </a:r>
+            <a:r>
+              <a:rPr lang="ru-RU" sz="2400" dirty="0">
+                <a:solidFill>
+                  <a:srgbClr val="000000"/>
+                </a:solidFill>
+                <a:latin typeface="Bookman Old Style" panose="02050604050505020204" pitchFamily="18" charset="0"/>
+              </a:rPr>
+              <a:t>-элементы.</a:t>
+            </a:r>
+          </a:p>
+        </p:txBody>
+      </p:sp>
+    </p:spTree>
+    <p:extLst>
+      <p:ext uri="{BB962C8B-B14F-4D97-AF65-F5344CB8AC3E}">
+        <p14:creationId xmlns:p14="http://schemas.microsoft.com/office/powerpoint/2010/main" val="658880268"/>
+      </p:ext>
+    </p:extLst>
+  </p:cSld>
+  <p:clrMapOvr>
+    <a:masterClrMapping/>
+  </p:clrMapOvr>
+  <p:timing>
+    <p:tnLst>
+      <p:par>
+        <p:cTn id="1" dur="indefinite" restart="never" nodeType="tmRoot"/>
+      </p:par>
+    </p:tnLst>
+  </p:timing>
+</p:sld>
+</file>
+
+<file path=ppt/slides/slide34.xml><?xml version="1.0" encoding="utf-8"?>
+<p:sld xmlns:a="http://schemas.openxmlformats.org/drawingml/2006/main" xmlns:r="http://schemas.openxmlformats.org/officeDocument/2006/relationships" xmlns:p="http://schemas.openxmlformats.org/presentationml/2006/main">
+  <p:cSld>
+    <p:spTree>
+      <p:nvGrpSpPr>
+        <p:cNvPr id="1" name=""/>
+        <p:cNvGrpSpPr/>
+        <p:nvPr/>
+      </p:nvGrpSpPr>
+      <p:grpSpPr>
+        <a:xfrm>
+          <a:off x="0" y="0"/>
+          <a:ext cx="0" cy="0"/>
+          <a:chOff x="0" y="0"/>
+          <a:chExt cx="0" cy="0"/>
+        </a:xfrm>
+      </p:grpSpPr>
+      <p:sp>
+        <p:nvSpPr>
+          <p:cNvPr id="7" name="Прямоугольник 6"/>
+          <p:cNvSpPr/>
+          <p:nvPr/>
+        </p:nvSpPr>
+        <p:spPr>
+          <a:xfrm>
+            <a:off x="258802" y="0"/>
+            <a:ext cx="11623854" cy="6370975"/>
+          </a:xfrm>
+          <a:prstGeom prst="rect">
+            <a:avLst/>
+          </a:prstGeom>
+        </p:spPr>
+        <p:txBody>
+          <a:bodyPr wrap="square">
+            <a:spAutoFit/>
+          </a:bodyPr>
+          <a:lstStyle/>
+          <a:p>
+            <a:pPr algn="just">
+              <a:lnSpc>
+                <a:spcPct val="150000"/>
+              </a:lnSpc>
+            </a:pPr>
+            <a:r>
+              <a:rPr lang="ru-RU" sz="2400" dirty="0">
+                <a:solidFill>
+                  <a:srgbClr val="000000"/>
+                </a:solidFill>
+                <a:latin typeface="Bookman Old Style" panose="02050604050505020204" pitchFamily="18" charset="0"/>
+              </a:rPr>
+              <a:t>Для </a:t>
+            </a:r>
+            <a:r>
+              <a:rPr lang="ru-RU" sz="2400" dirty="0" smtClean="0">
+                <a:solidFill>
+                  <a:srgbClr val="000000"/>
+                </a:solidFill>
+                <a:latin typeface="Bookman Old Style" panose="02050604050505020204" pitchFamily="18" charset="0"/>
+              </a:rPr>
+              <a:t>примера </a:t>
+            </a:r>
+            <a:r>
+              <a:rPr lang="ru-RU" sz="2400" dirty="0">
+                <a:solidFill>
+                  <a:srgbClr val="000000"/>
+                </a:solidFill>
+                <a:latin typeface="Bookman Old Style" panose="02050604050505020204" pitchFamily="18" charset="0"/>
+              </a:rPr>
+              <a:t>в проекте определим папку </a:t>
+            </a:r>
+            <a:r>
+              <a:rPr lang="ru-RU" sz="2400" b="1" dirty="0" err="1">
+                <a:solidFill>
+                  <a:srgbClr val="000000"/>
+                </a:solidFill>
+                <a:latin typeface="Bookman Old Style" panose="02050604050505020204" pitchFamily="18" charset="0"/>
+              </a:rPr>
+              <a:t>Controllers</a:t>
+            </a:r>
+            <a:r>
+              <a:rPr lang="ru-RU" sz="2400" dirty="0">
+                <a:solidFill>
+                  <a:srgbClr val="000000"/>
+                </a:solidFill>
+                <a:latin typeface="Bookman Old Style" panose="02050604050505020204" pitchFamily="18" charset="0"/>
+              </a:rPr>
+              <a:t>, а в нее поместим следующий контроллер </a:t>
+            </a:r>
+            <a:r>
+              <a:rPr lang="ru-RU" sz="2400" b="1" dirty="0" err="1">
+                <a:solidFill>
+                  <a:srgbClr val="000000"/>
+                </a:solidFill>
+                <a:latin typeface="Bookman Old Style" panose="02050604050505020204" pitchFamily="18" charset="0"/>
+              </a:rPr>
+              <a:t>HomeController</a:t>
+            </a:r>
+            <a:r>
+              <a:rPr lang="ru-RU" sz="2400" dirty="0" smtClean="0">
+                <a:solidFill>
+                  <a:srgbClr val="000000"/>
+                </a:solidFill>
+                <a:latin typeface="Bookman Old Style" panose="02050604050505020204" pitchFamily="18" charset="0"/>
+              </a:rPr>
+              <a:t>:</a:t>
+            </a:r>
+            <a:endParaRPr lang="en-US" sz="2400" dirty="0" smtClean="0">
+              <a:solidFill>
+                <a:srgbClr val="000000"/>
+              </a:solidFill>
+              <a:latin typeface="Bookman Old Style" panose="02050604050505020204" pitchFamily="18" charset="0"/>
+            </a:endParaRPr>
+          </a:p>
+          <a:p>
+            <a:pPr algn="just">
+              <a:lnSpc>
+                <a:spcPct val="150000"/>
+              </a:lnSpc>
+            </a:pPr>
+            <a:endParaRPr lang="en-US" sz="2400" dirty="0">
+              <a:solidFill>
+                <a:srgbClr val="000000"/>
+              </a:solidFill>
+              <a:latin typeface="Bookman Old Style" panose="02050604050505020204" pitchFamily="18" charset="0"/>
+            </a:endParaRPr>
+          </a:p>
+          <a:p>
+            <a:r>
+              <a:rPr lang="en-US" sz="2400" dirty="0">
+                <a:solidFill>
+                  <a:srgbClr val="3B3B3B"/>
+                </a:solidFill>
+                <a:latin typeface="Consolas" panose="020B0609020204030204" pitchFamily="49" charset="0"/>
+              </a:rPr>
+              <a:t>    </a:t>
+            </a:r>
+            <a:r>
+              <a:rPr lang="en-US" sz="2400" dirty="0">
+                <a:solidFill>
+                  <a:srgbClr val="0000FF"/>
+                </a:solidFill>
+                <a:latin typeface="Consolas" panose="020B0609020204030204" pitchFamily="49" charset="0"/>
+              </a:rPr>
+              <a:t>public</a:t>
+            </a:r>
+            <a:r>
+              <a:rPr lang="en-US" sz="2400" dirty="0">
+                <a:solidFill>
+                  <a:srgbClr val="3B3B3B"/>
+                </a:solidFill>
+                <a:latin typeface="Consolas" panose="020B0609020204030204" pitchFamily="49" charset="0"/>
+              </a:rPr>
+              <a:t> </a:t>
+            </a:r>
+            <a:r>
+              <a:rPr lang="en-US" sz="2400" dirty="0">
+                <a:solidFill>
+                  <a:srgbClr val="0000FF"/>
+                </a:solidFill>
+                <a:latin typeface="Consolas" panose="020B0609020204030204" pitchFamily="49" charset="0"/>
+              </a:rPr>
+              <a:t>class</a:t>
+            </a:r>
+            <a:r>
+              <a:rPr lang="en-US" sz="2400" dirty="0">
+                <a:solidFill>
+                  <a:srgbClr val="3B3B3B"/>
+                </a:solidFill>
+                <a:latin typeface="Consolas" panose="020B0609020204030204" pitchFamily="49" charset="0"/>
+              </a:rPr>
+              <a:t> </a:t>
+            </a:r>
+            <a:r>
+              <a:rPr lang="en-US" sz="2400" dirty="0" err="1">
+                <a:solidFill>
+                  <a:srgbClr val="267F99"/>
+                </a:solidFill>
+                <a:latin typeface="Consolas" panose="020B0609020204030204" pitchFamily="49" charset="0"/>
+              </a:rPr>
+              <a:t>HomeController</a:t>
+            </a:r>
+            <a:r>
+              <a:rPr lang="en-US" sz="2400" dirty="0">
+                <a:solidFill>
+                  <a:srgbClr val="3B3B3B"/>
+                </a:solidFill>
+                <a:latin typeface="Consolas" panose="020B0609020204030204" pitchFamily="49" charset="0"/>
+              </a:rPr>
+              <a:t> : </a:t>
+            </a:r>
+            <a:r>
+              <a:rPr lang="en-US" sz="2400" dirty="0">
+                <a:solidFill>
+                  <a:srgbClr val="267F99"/>
+                </a:solidFill>
+                <a:latin typeface="Consolas" panose="020B0609020204030204" pitchFamily="49" charset="0"/>
+              </a:rPr>
+              <a:t>Controller</a:t>
+            </a:r>
+            <a:endParaRPr lang="en-US" sz="2400" dirty="0">
+              <a:solidFill>
+                <a:srgbClr val="3B3B3B"/>
+              </a:solidFill>
+              <a:latin typeface="Consolas" panose="020B0609020204030204" pitchFamily="49" charset="0"/>
+            </a:endParaRPr>
+          </a:p>
+          <a:p>
+            <a:r>
+              <a:rPr lang="en-US" sz="2400" dirty="0">
+                <a:solidFill>
+                  <a:srgbClr val="3B3B3B"/>
+                </a:solidFill>
+                <a:latin typeface="Consolas" panose="020B0609020204030204" pitchFamily="49" charset="0"/>
+              </a:rPr>
+              <a:t>    {</a:t>
+            </a:r>
+          </a:p>
+          <a:p>
+            <a:r>
+              <a:rPr lang="en-US" sz="2400" dirty="0">
+                <a:solidFill>
+                  <a:srgbClr val="3B3B3B"/>
+                </a:solidFill>
+                <a:latin typeface="Consolas" panose="020B0609020204030204" pitchFamily="49" charset="0"/>
+              </a:rPr>
+              <a:t>        </a:t>
+            </a:r>
+            <a:r>
+              <a:rPr lang="en-US" sz="2400" dirty="0">
+                <a:solidFill>
+                  <a:srgbClr val="0000FF"/>
+                </a:solidFill>
+                <a:latin typeface="Consolas" panose="020B0609020204030204" pitchFamily="49" charset="0"/>
+              </a:rPr>
+              <a:t>public</a:t>
+            </a:r>
+            <a:r>
+              <a:rPr lang="en-US" sz="2400" dirty="0">
+                <a:solidFill>
+                  <a:srgbClr val="3B3B3B"/>
+                </a:solidFill>
+                <a:latin typeface="Consolas" panose="020B0609020204030204" pitchFamily="49" charset="0"/>
+              </a:rPr>
+              <a:t> </a:t>
+            </a:r>
+            <a:r>
+              <a:rPr lang="en-US" sz="2400" dirty="0" err="1">
+                <a:solidFill>
+                  <a:srgbClr val="267F99"/>
+                </a:solidFill>
+                <a:latin typeface="Consolas" panose="020B0609020204030204" pitchFamily="49" charset="0"/>
+              </a:rPr>
+              <a:t>IActionResult</a:t>
+            </a:r>
+            <a:r>
+              <a:rPr lang="en-US" sz="2400" dirty="0">
+                <a:solidFill>
+                  <a:srgbClr val="3B3B3B"/>
+                </a:solidFill>
+                <a:latin typeface="Consolas" panose="020B0609020204030204" pitchFamily="49" charset="0"/>
+              </a:rPr>
+              <a:t> </a:t>
+            </a:r>
+            <a:r>
+              <a:rPr lang="en-US" sz="2400" dirty="0">
+                <a:solidFill>
+                  <a:srgbClr val="795E26"/>
+                </a:solidFill>
+                <a:latin typeface="Consolas" panose="020B0609020204030204" pitchFamily="49" charset="0"/>
+              </a:rPr>
+              <a:t>Index</a:t>
+            </a:r>
+            <a:r>
+              <a:rPr lang="en-US" sz="2400" dirty="0">
+                <a:solidFill>
+                  <a:srgbClr val="3B3B3B"/>
+                </a:solidFill>
+                <a:latin typeface="Consolas" panose="020B0609020204030204" pitchFamily="49" charset="0"/>
+              </a:rPr>
+              <a:t>() </a:t>
+            </a:r>
+            <a:r>
+              <a:rPr lang="en-US" sz="2400" dirty="0">
+                <a:solidFill>
+                  <a:srgbClr val="000000"/>
+                </a:solidFill>
+                <a:latin typeface="Consolas" panose="020B0609020204030204" pitchFamily="49" charset="0"/>
+              </a:rPr>
+              <a:t>=&gt;</a:t>
+            </a:r>
+            <a:r>
+              <a:rPr lang="en-US" sz="2400" dirty="0">
+                <a:solidFill>
+                  <a:srgbClr val="3B3B3B"/>
+                </a:solidFill>
+                <a:latin typeface="Consolas" panose="020B0609020204030204" pitchFamily="49" charset="0"/>
+              </a:rPr>
+              <a:t> </a:t>
+            </a:r>
+            <a:r>
+              <a:rPr lang="en-US" sz="2400" dirty="0">
+                <a:solidFill>
+                  <a:srgbClr val="795E26"/>
+                </a:solidFill>
+                <a:latin typeface="Consolas" panose="020B0609020204030204" pitchFamily="49" charset="0"/>
+              </a:rPr>
+              <a:t>View</a:t>
+            </a:r>
+            <a:r>
+              <a:rPr lang="en-US" sz="2400" dirty="0">
+                <a:solidFill>
+                  <a:srgbClr val="3B3B3B"/>
+                </a:solidFill>
+                <a:latin typeface="Consolas" panose="020B0609020204030204" pitchFamily="49" charset="0"/>
+              </a:rPr>
+              <a:t>();</a:t>
+            </a:r>
+          </a:p>
+          <a:p>
+            <a:r>
+              <a:rPr lang="en-US" sz="2400" dirty="0">
+                <a:solidFill>
+                  <a:srgbClr val="3B3B3B"/>
+                </a:solidFill>
+                <a:latin typeface="Consolas" panose="020B0609020204030204" pitchFamily="49" charset="0"/>
+              </a:rPr>
+              <a:t>        </a:t>
+            </a:r>
+            <a:r>
+              <a:rPr lang="en-US" sz="2400" dirty="0">
+                <a:solidFill>
+                  <a:srgbClr val="0000FF"/>
+                </a:solidFill>
+                <a:latin typeface="Consolas" panose="020B0609020204030204" pitchFamily="49" charset="0"/>
+              </a:rPr>
+              <a:t>public</a:t>
+            </a:r>
+            <a:r>
+              <a:rPr lang="en-US" sz="2400" dirty="0">
+                <a:solidFill>
+                  <a:srgbClr val="3B3B3B"/>
+                </a:solidFill>
+                <a:latin typeface="Consolas" panose="020B0609020204030204" pitchFamily="49" charset="0"/>
+              </a:rPr>
+              <a:t> </a:t>
+            </a:r>
+            <a:r>
+              <a:rPr lang="en-US" sz="2400" dirty="0">
+                <a:solidFill>
+                  <a:srgbClr val="0000FF"/>
+                </a:solidFill>
+                <a:latin typeface="Consolas" panose="020B0609020204030204" pitchFamily="49" charset="0"/>
+              </a:rPr>
+              <a:t>string</a:t>
+            </a:r>
+            <a:r>
+              <a:rPr lang="en-US" sz="2400" dirty="0">
+                <a:solidFill>
+                  <a:srgbClr val="3B3B3B"/>
+                </a:solidFill>
+                <a:latin typeface="Consolas" panose="020B0609020204030204" pitchFamily="49" charset="0"/>
+              </a:rPr>
+              <a:t> </a:t>
+            </a:r>
+            <a:r>
+              <a:rPr lang="en-US" sz="2400" dirty="0">
+                <a:solidFill>
+                  <a:srgbClr val="795E26"/>
+                </a:solidFill>
+                <a:latin typeface="Consolas" panose="020B0609020204030204" pitchFamily="49" charset="0"/>
+              </a:rPr>
+              <a:t>Contacts</a:t>
+            </a:r>
+            <a:r>
+              <a:rPr lang="en-US" sz="2400" dirty="0">
+                <a:solidFill>
+                  <a:srgbClr val="3B3B3B"/>
+                </a:solidFill>
+                <a:latin typeface="Consolas" panose="020B0609020204030204" pitchFamily="49" charset="0"/>
+              </a:rPr>
+              <a:t>() </a:t>
+            </a:r>
+            <a:r>
+              <a:rPr lang="en-US" sz="2400" dirty="0">
+                <a:solidFill>
+                  <a:srgbClr val="000000"/>
+                </a:solidFill>
+                <a:latin typeface="Consolas" panose="020B0609020204030204" pitchFamily="49" charset="0"/>
+              </a:rPr>
+              <a:t>=&gt;</a:t>
+            </a:r>
+            <a:r>
+              <a:rPr lang="en-US" sz="2400" dirty="0">
+                <a:solidFill>
+                  <a:srgbClr val="3B3B3B"/>
+                </a:solidFill>
+                <a:latin typeface="Consolas" panose="020B0609020204030204" pitchFamily="49" charset="0"/>
+              </a:rPr>
+              <a:t> </a:t>
+            </a:r>
+            <a:r>
+              <a:rPr lang="en-US" sz="2400" dirty="0">
+                <a:solidFill>
+                  <a:srgbClr val="A31515"/>
+                </a:solidFill>
+                <a:latin typeface="Consolas" panose="020B0609020204030204" pitchFamily="49" charset="0"/>
+              </a:rPr>
+              <a:t>"Contacts page"</a:t>
+            </a:r>
+            <a:r>
+              <a:rPr lang="en-US" sz="2400" dirty="0">
+                <a:solidFill>
+                  <a:srgbClr val="3B3B3B"/>
+                </a:solidFill>
+                <a:latin typeface="Consolas" panose="020B0609020204030204" pitchFamily="49" charset="0"/>
+              </a:rPr>
+              <a:t>;</a:t>
+            </a:r>
+          </a:p>
+          <a:p>
+            <a:r>
+              <a:rPr lang="en-US" sz="2400" dirty="0">
+                <a:solidFill>
+                  <a:srgbClr val="3B3B3B"/>
+                </a:solidFill>
+                <a:latin typeface="Consolas" panose="020B0609020204030204" pitchFamily="49" charset="0"/>
+              </a:rPr>
+              <a:t>    }</a:t>
+            </a:r>
+          </a:p>
+          <a:p>
+            <a:pPr algn="just">
+              <a:lnSpc>
+                <a:spcPct val="150000"/>
+              </a:lnSpc>
+            </a:pPr>
+            <a:r>
+              <a:rPr lang="ru-RU" sz="2400" dirty="0">
+                <a:solidFill>
+                  <a:srgbClr val="000000"/>
+                </a:solidFill>
+                <a:latin typeface="Bookman Old Style" panose="02050604050505020204" pitchFamily="18" charset="0"/>
+              </a:rPr>
+              <a:t>Для представлений этого контроллера создадим в проекте папку </a:t>
+            </a:r>
+            <a:r>
+              <a:rPr lang="ru-RU" sz="2400" b="1" dirty="0" err="1">
+                <a:solidFill>
+                  <a:srgbClr val="000000"/>
+                </a:solidFill>
+                <a:latin typeface="Bookman Old Style" panose="02050604050505020204" pitchFamily="18" charset="0"/>
+              </a:rPr>
+              <a:t>Views</a:t>
+            </a:r>
+            <a:r>
+              <a:rPr lang="ru-RU" sz="2400" dirty="0">
+                <a:solidFill>
+                  <a:srgbClr val="000000"/>
+                </a:solidFill>
+                <a:latin typeface="Bookman Old Style" panose="02050604050505020204" pitchFamily="18" charset="0"/>
+              </a:rPr>
+              <a:t>, а в ней - каталог </a:t>
+            </a:r>
+            <a:r>
+              <a:rPr lang="ru-RU" sz="2400" b="1" dirty="0" err="1">
+                <a:solidFill>
+                  <a:srgbClr val="000000"/>
+                </a:solidFill>
+                <a:latin typeface="Bookman Old Style" panose="02050604050505020204" pitchFamily="18" charset="0"/>
+              </a:rPr>
+              <a:t>Home</a:t>
+            </a:r>
+            <a:r>
+              <a:rPr lang="ru-RU" sz="2400" dirty="0">
+                <a:solidFill>
+                  <a:srgbClr val="000000"/>
+                </a:solidFill>
+                <a:latin typeface="Bookman Old Style" panose="02050604050505020204" pitchFamily="18" charset="0"/>
+              </a:rPr>
+              <a:t>. Затем в папку </a:t>
+            </a:r>
+            <a:r>
+              <a:rPr lang="ru-RU" sz="2400" b="1" dirty="0" err="1">
+                <a:solidFill>
+                  <a:srgbClr val="000000"/>
+                </a:solidFill>
+                <a:latin typeface="Bookman Old Style" panose="02050604050505020204" pitchFamily="18" charset="0"/>
+              </a:rPr>
+              <a:t>Views</a:t>
+            </a:r>
+            <a:r>
+              <a:rPr lang="ru-RU" sz="2400" b="1" dirty="0">
+                <a:solidFill>
+                  <a:srgbClr val="000000"/>
+                </a:solidFill>
+                <a:latin typeface="Bookman Old Style" panose="02050604050505020204" pitchFamily="18" charset="0"/>
+              </a:rPr>
+              <a:t>/</a:t>
+            </a:r>
+            <a:r>
+              <a:rPr lang="ru-RU" sz="2400" b="1" dirty="0" err="1">
+                <a:solidFill>
+                  <a:srgbClr val="000000"/>
+                </a:solidFill>
+                <a:latin typeface="Bookman Old Style" panose="02050604050505020204" pitchFamily="18" charset="0"/>
+              </a:rPr>
+              <a:t>Home</a:t>
+            </a:r>
+            <a:r>
+              <a:rPr lang="ru-RU" sz="2400" dirty="0">
+                <a:solidFill>
+                  <a:srgbClr val="000000"/>
+                </a:solidFill>
+                <a:latin typeface="Bookman Old Style" panose="02050604050505020204" pitchFamily="18" charset="0"/>
+              </a:rPr>
+              <a:t> поместим новое представление </a:t>
+            </a:r>
+            <a:r>
+              <a:rPr lang="ru-RU" sz="2400" b="1" dirty="0" err="1">
+                <a:solidFill>
+                  <a:srgbClr val="000000"/>
+                </a:solidFill>
+                <a:latin typeface="Bookman Old Style" panose="02050604050505020204" pitchFamily="18" charset="0"/>
+              </a:rPr>
+              <a:t>Index.cshtml</a:t>
+            </a:r>
+            <a:r>
+              <a:rPr lang="ru-RU" sz="2400" dirty="0" smtClean="0">
+                <a:solidFill>
+                  <a:srgbClr val="000000"/>
+                </a:solidFill>
+                <a:latin typeface="Bookman Old Style" panose="02050604050505020204" pitchFamily="18" charset="0"/>
+              </a:rPr>
+              <a:t>:</a:t>
+            </a:r>
+          </a:p>
+          <a:p>
+            <a:r>
+              <a:rPr lang="en-US" sz="2400" dirty="0">
+                <a:latin typeface="Consolas" panose="020B0609020204030204" pitchFamily="49" charset="0"/>
+              </a:rPr>
+              <a:t>@</a:t>
+            </a:r>
+            <a:r>
+              <a:rPr lang="en-US" sz="2400" dirty="0" err="1">
+                <a:latin typeface="Consolas" panose="020B0609020204030204" pitchFamily="49" charset="0"/>
+              </a:rPr>
+              <a:t>addTagHelper</a:t>
+            </a:r>
+            <a:r>
+              <a:rPr lang="en-US" sz="2400" dirty="0">
+                <a:latin typeface="Consolas" panose="020B0609020204030204" pitchFamily="49" charset="0"/>
+              </a:rPr>
+              <a:t> *, </a:t>
+            </a:r>
+            <a:r>
+              <a:rPr lang="en-US" sz="2400" dirty="0" err="1">
+                <a:latin typeface="Consolas" panose="020B0609020204030204" pitchFamily="49" charset="0"/>
+              </a:rPr>
+              <a:t>Microsoft.AspNetCore.Mvc.TagHelpers</a:t>
+            </a:r>
+            <a:endParaRPr lang="en-US" sz="2400" dirty="0">
+              <a:latin typeface="Consolas" panose="020B0609020204030204" pitchFamily="49" charset="0"/>
+            </a:endParaRPr>
+          </a:p>
+          <a:p>
+            <a:r>
+              <a:rPr lang="en-US" sz="2400" dirty="0">
+                <a:solidFill>
+                  <a:srgbClr val="3B3B3B"/>
+                </a:solidFill>
+                <a:latin typeface="Consolas" panose="020B0609020204030204" pitchFamily="49" charset="0"/>
+              </a:rPr>
+              <a:t> </a:t>
+            </a:r>
+          </a:p>
+          <a:p>
+            <a:r>
+              <a:rPr lang="en-US" sz="2400" dirty="0">
+                <a:solidFill>
+                  <a:srgbClr val="800000"/>
+                </a:solidFill>
+                <a:latin typeface="Consolas" panose="020B0609020204030204" pitchFamily="49" charset="0"/>
+              </a:rPr>
+              <a:t>&lt;a</a:t>
+            </a:r>
+            <a:r>
+              <a:rPr lang="en-US" sz="2400" dirty="0">
+                <a:solidFill>
+                  <a:srgbClr val="3B3B3B"/>
+                </a:solidFill>
+                <a:latin typeface="Consolas" panose="020B0609020204030204" pitchFamily="49" charset="0"/>
+              </a:rPr>
+              <a:t> </a:t>
+            </a:r>
+            <a:r>
+              <a:rPr lang="en-US" sz="2400" dirty="0">
+                <a:solidFill>
+                  <a:srgbClr val="E50000"/>
+                </a:solidFill>
+                <a:latin typeface="Consolas" panose="020B0609020204030204" pitchFamily="49" charset="0"/>
+              </a:rPr>
+              <a:t>asp-controller</a:t>
+            </a:r>
+            <a:r>
+              <a:rPr lang="en-US" sz="2400" dirty="0">
+                <a:solidFill>
+                  <a:srgbClr val="3B3B3B"/>
+                </a:solidFill>
+                <a:latin typeface="Consolas" panose="020B0609020204030204" pitchFamily="49" charset="0"/>
+              </a:rPr>
+              <a:t>=</a:t>
+            </a:r>
+            <a:r>
+              <a:rPr lang="en-US" sz="2400" dirty="0">
+                <a:solidFill>
+                  <a:srgbClr val="0000FF"/>
+                </a:solidFill>
+                <a:latin typeface="Consolas" panose="020B0609020204030204" pitchFamily="49" charset="0"/>
+              </a:rPr>
+              <a:t>"Home"</a:t>
+            </a:r>
+            <a:r>
+              <a:rPr lang="en-US" sz="2400" dirty="0">
+                <a:solidFill>
+                  <a:srgbClr val="3B3B3B"/>
+                </a:solidFill>
+                <a:latin typeface="Consolas" panose="020B0609020204030204" pitchFamily="49" charset="0"/>
+              </a:rPr>
+              <a:t> </a:t>
+            </a:r>
+            <a:r>
+              <a:rPr lang="en-US" sz="2400" dirty="0">
+                <a:solidFill>
+                  <a:srgbClr val="E50000"/>
+                </a:solidFill>
+                <a:latin typeface="Consolas" panose="020B0609020204030204" pitchFamily="49" charset="0"/>
+              </a:rPr>
+              <a:t>asp-action</a:t>
+            </a:r>
+            <a:r>
+              <a:rPr lang="en-US" sz="2400" dirty="0">
+                <a:solidFill>
+                  <a:srgbClr val="3B3B3B"/>
+                </a:solidFill>
+                <a:latin typeface="Consolas" panose="020B0609020204030204" pitchFamily="49" charset="0"/>
+              </a:rPr>
+              <a:t>=</a:t>
+            </a:r>
+            <a:r>
+              <a:rPr lang="en-US" sz="2400" dirty="0">
+                <a:solidFill>
+                  <a:srgbClr val="0000FF"/>
+                </a:solidFill>
+                <a:latin typeface="Consolas" panose="020B0609020204030204" pitchFamily="49" charset="0"/>
+              </a:rPr>
+              <a:t>"Contacts"</a:t>
+            </a:r>
+            <a:r>
+              <a:rPr lang="en-US" sz="2400" dirty="0">
+                <a:solidFill>
+                  <a:srgbClr val="800000"/>
+                </a:solidFill>
+                <a:latin typeface="Consolas" panose="020B0609020204030204" pitchFamily="49" charset="0"/>
+              </a:rPr>
+              <a:t>&gt;</a:t>
+            </a:r>
+            <a:r>
+              <a:rPr lang="ru-RU" sz="2400" dirty="0">
+                <a:solidFill>
+                  <a:srgbClr val="3B3B3B"/>
+                </a:solidFill>
+                <a:latin typeface="Consolas" panose="020B0609020204030204" pitchFamily="49" charset="0"/>
+              </a:rPr>
+              <a:t>Контакты</a:t>
+            </a:r>
+            <a:r>
+              <a:rPr lang="ru-RU" sz="2400" dirty="0">
+                <a:solidFill>
+                  <a:srgbClr val="800000"/>
+                </a:solidFill>
+                <a:latin typeface="Consolas" panose="020B0609020204030204" pitchFamily="49" charset="0"/>
+              </a:rPr>
+              <a:t>&lt;/</a:t>
+            </a:r>
+            <a:r>
+              <a:rPr lang="en-US" sz="2400" dirty="0">
+                <a:solidFill>
+                  <a:srgbClr val="800000"/>
+                </a:solidFill>
+                <a:latin typeface="Consolas" panose="020B0609020204030204" pitchFamily="49" charset="0"/>
+              </a:rPr>
+              <a:t>a</a:t>
+            </a:r>
+            <a:r>
+              <a:rPr lang="en-US" sz="2400" dirty="0" smtClean="0">
+                <a:solidFill>
+                  <a:srgbClr val="800000"/>
+                </a:solidFill>
+                <a:latin typeface="Consolas" panose="020B0609020204030204" pitchFamily="49" charset="0"/>
+              </a:rPr>
+              <a:t>&gt;</a:t>
+            </a:r>
+            <a:endParaRPr lang="en-US" sz="2400" dirty="0">
+              <a:solidFill>
+                <a:srgbClr val="3B3B3B"/>
+              </a:solidFill>
+              <a:latin typeface="Consolas" panose="020B0609020204030204" pitchFamily="49" charset="0"/>
+            </a:endParaRPr>
+          </a:p>
+        </p:txBody>
+      </p:sp>
+    </p:spTree>
+    <p:extLst>
+      <p:ext uri="{BB962C8B-B14F-4D97-AF65-F5344CB8AC3E}">
+        <p14:creationId xmlns:p14="http://schemas.microsoft.com/office/powerpoint/2010/main" val="93790930"/>
+      </p:ext>
+    </p:extLst>
+  </p:cSld>
+  <p:clrMapOvr>
+    <a:masterClrMapping/>
+  </p:clrMapOvr>
+  <p:timing>
+    <p:tnLst>
+      <p:par>
+        <p:cTn id="1" dur="indefinite" restart="never" nodeType="tmRoot"/>
+      </p:par>
+    </p:tnLst>
+  </p:timing>
+</p:sld>
+</file>
+
+<file path=ppt/slides/slide35.xml><?xml version="1.0" encoding="utf-8"?>
+<p:sld xmlns:a="http://schemas.openxmlformats.org/drawingml/2006/main" xmlns:r="http://schemas.openxmlformats.org/officeDocument/2006/relationships" xmlns:p="http://schemas.openxmlformats.org/presentationml/2006/main">
+  <p:cSld>
+    <p:spTree>
+      <p:nvGrpSpPr>
+        <p:cNvPr id="1" name=""/>
+        <p:cNvGrpSpPr/>
+        <p:nvPr/>
+      </p:nvGrpSpPr>
+      <p:grpSpPr>
+        <a:xfrm>
+          <a:off x="0" y="0"/>
+          <a:ext cx="0" cy="0"/>
+          <a:chOff x="0" y="0"/>
+          <a:chExt cx="0" cy="0"/>
+        </a:xfrm>
+      </p:grpSpPr>
+      <p:sp>
+        <p:nvSpPr>
+          <p:cNvPr id="7" name="Прямоугольник 6"/>
+          <p:cNvSpPr/>
+          <p:nvPr/>
+        </p:nvSpPr>
+        <p:spPr>
+          <a:xfrm>
+            <a:off x="271158" y="284205"/>
+            <a:ext cx="11623854" cy="6001643"/>
+          </a:xfrm>
+          <a:prstGeom prst="rect">
+            <a:avLst/>
+          </a:prstGeom>
+        </p:spPr>
+        <p:txBody>
+          <a:bodyPr wrap="square">
+            <a:spAutoFit/>
+          </a:bodyPr>
+          <a:lstStyle/>
+          <a:p>
+            <a:r>
+              <a:rPr lang="en-US" sz="2400" dirty="0" smtClean="0">
+                <a:solidFill>
+                  <a:srgbClr val="3B3B3B"/>
+                </a:solidFill>
+                <a:latin typeface="Consolas" panose="020B0609020204030204" pitchFamily="49" charset="0"/>
+              </a:rPr>
+              <a:t>@</a:t>
+            </a:r>
+            <a:r>
+              <a:rPr lang="en-US" sz="2400" dirty="0" err="1">
+                <a:solidFill>
+                  <a:srgbClr val="3B3B3B"/>
+                </a:solidFill>
+                <a:latin typeface="Consolas" panose="020B0609020204030204" pitchFamily="49" charset="0"/>
+              </a:rPr>
+              <a:t>addTagHelper</a:t>
+            </a:r>
+            <a:r>
+              <a:rPr lang="en-US" sz="2400" dirty="0">
+                <a:solidFill>
+                  <a:srgbClr val="3B3B3B"/>
+                </a:solidFill>
+                <a:latin typeface="Consolas" panose="020B0609020204030204" pitchFamily="49" charset="0"/>
+              </a:rPr>
+              <a:t> *, </a:t>
+            </a:r>
+            <a:r>
+              <a:rPr lang="en-US" sz="2400" dirty="0" err="1" smtClean="0">
+                <a:solidFill>
+                  <a:srgbClr val="3B3B3B"/>
+                </a:solidFill>
+                <a:latin typeface="Consolas" panose="020B0609020204030204" pitchFamily="49" charset="0"/>
+              </a:rPr>
+              <a:t>Microsoft.AspNetCore.Mvc.TagHelpers</a:t>
+            </a:r>
+            <a:endParaRPr lang="ru-RU" sz="2400" dirty="0" smtClean="0">
+              <a:solidFill>
+                <a:srgbClr val="000000"/>
+              </a:solidFill>
+              <a:latin typeface="Bookman Old Style" panose="02050604050505020204" pitchFamily="18" charset="0"/>
+            </a:endParaRPr>
+          </a:p>
+          <a:p>
+            <a:pPr algn="just">
+              <a:lnSpc>
+                <a:spcPct val="150000"/>
+              </a:lnSpc>
+            </a:pPr>
+            <a:endParaRPr lang="ru-RU" sz="2400" dirty="0" smtClean="0">
+              <a:solidFill>
+                <a:srgbClr val="000000"/>
+              </a:solidFill>
+              <a:latin typeface="Bookman Old Style" panose="02050604050505020204" pitchFamily="18" charset="0"/>
+            </a:endParaRPr>
+          </a:p>
+          <a:p>
+            <a:pPr algn="just">
+              <a:lnSpc>
+                <a:spcPct val="150000"/>
+              </a:lnSpc>
+            </a:pPr>
+            <a:r>
+              <a:rPr lang="ru-RU" sz="2400" dirty="0" smtClean="0">
+                <a:solidFill>
+                  <a:srgbClr val="000000"/>
+                </a:solidFill>
+                <a:latin typeface="Bookman Old Style" panose="02050604050505020204" pitchFamily="18" charset="0"/>
+              </a:rPr>
+              <a:t>Первый </a:t>
+            </a:r>
+            <a:r>
+              <a:rPr lang="ru-RU" sz="2400" dirty="0">
+                <a:solidFill>
+                  <a:srgbClr val="000000"/>
+                </a:solidFill>
+                <a:latin typeface="Bookman Old Style" panose="02050604050505020204" pitchFamily="18" charset="0"/>
+              </a:rPr>
+              <a:t>параметр директивы указывает на </a:t>
+            </a:r>
+            <a:r>
+              <a:rPr lang="ru-RU" sz="2400" dirty="0" err="1">
+                <a:solidFill>
+                  <a:srgbClr val="000000"/>
+                </a:solidFill>
+                <a:latin typeface="Bookman Old Style" panose="02050604050505020204" pitchFamily="18" charset="0"/>
+              </a:rPr>
+              <a:t>tag</a:t>
+            </a:r>
+            <a:r>
+              <a:rPr lang="ru-RU" sz="2400" dirty="0">
+                <a:solidFill>
+                  <a:srgbClr val="000000"/>
+                </a:solidFill>
+                <a:latin typeface="Bookman Old Style" panose="02050604050505020204" pitchFamily="18" charset="0"/>
+              </a:rPr>
+              <a:t>-хелперы, которые будут доступны в представлении, а второй параметр определяет библиотеку хелперов. В данном случае директива использует синтаксис подстановок - знак звездочки ("*") означает, что подключаются все хелперы из библиотеки </a:t>
+            </a:r>
+            <a:r>
+              <a:rPr lang="ru-RU" sz="2400" b="1" dirty="0" err="1">
+                <a:solidFill>
+                  <a:srgbClr val="000000"/>
+                </a:solidFill>
+                <a:latin typeface="Bookman Old Style" panose="02050604050505020204" pitchFamily="18" charset="0"/>
+              </a:rPr>
+              <a:t>Microsoft.AspNetCore.Mvc.TagHelpers</a:t>
+            </a:r>
+            <a:r>
+              <a:rPr lang="ru-RU" sz="2400" dirty="0" smtClean="0">
+                <a:solidFill>
+                  <a:srgbClr val="000000"/>
+                </a:solidFill>
+                <a:latin typeface="Bookman Old Style" panose="02050604050505020204" pitchFamily="18" charset="0"/>
+              </a:rPr>
+              <a:t>.</a:t>
+            </a:r>
+          </a:p>
+          <a:p>
+            <a:pPr algn="just">
+              <a:lnSpc>
+                <a:spcPct val="150000"/>
+              </a:lnSpc>
+            </a:pPr>
+            <a:endParaRPr lang="ru-RU" sz="2400" dirty="0">
+              <a:solidFill>
+                <a:srgbClr val="000000"/>
+              </a:solidFill>
+              <a:latin typeface="Bookman Old Style" panose="02050604050505020204" pitchFamily="18" charset="0"/>
+            </a:endParaRPr>
+          </a:p>
+          <a:p>
+            <a:pPr algn="just">
+              <a:lnSpc>
+                <a:spcPct val="150000"/>
+              </a:lnSpc>
+            </a:pPr>
+            <a:r>
+              <a:rPr lang="en-US" sz="2400" dirty="0">
+                <a:solidFill>
+                  <a:srgbClr val="800000"/>
+                </a:solidFill>
+                <a:latin typeface="Consolas" panose="020B0609020204030204" pitchFamily="49" charset="0"/>
+              </a:rPr>
+              <a:t>&lt;a</a:t>
+            </a:r>
+            <a:r>
+              <a:rPr lang="en-US" sz="2400" dirty="0">
+                <a:solidFill>
+                  <a:srgbClr val="3B3B3B"/>
+                </a:solidFill>
+                <a:latin typeface="Consolas" panose="020B0609020204030204" pitchFamily="49" charset="0"/>
+              </a:rPr>
+              <a:t> </a:t>
+            </a:r>
+            <a:r>
+              <a:rPr lang="en-US" sz="2400" dirty="0">
+                <a:solidFill>
+                  <a:srgbClr val="E50000"/>
+                </a:solidFill>
+                <a:latin typeface="Consolas" panose="020B0609020204030204" pitchFamily="49" charset="0"/>
+              </a:rPr>
+              <a:t>asp-controller</a:t>
+            </a:r>
+            <a:r>
+              <a:rPr lang="en-US" sz="2400" dirty="0">
+                <a:solidFill>
+                  <a:srgbClr val="3B3B3B"/>
+                </a:solidFill>
+                <a:latin typeface="Consolas" panose="020B0609020204030204" pitchFamily="49" charset="0"/>
+              </a:rPr>
+              <a:t>=</a:t>
+            </a:r>
+            <a:r>
+              <a:rPr lang="en-US" sz="2400" dirty="0">
+                <a:solidFill>
+                  <a:srgbClr val="0000FF"/>
+                </a:solidFill>
+                <a:latin typeface="Consolas" panose="020B0609020204030204" pitchFamily="49" charset="0"/>
+              </a:rPr>
+              <a:t>"Home"</a:t>
+            </a:r>
+            <a:r>
+              <a:rPr lang="en-US" sz="2400" dirty="0">
+                <a:solidFill>
+                  <a:srgbClr val="3B3B3B"/>
+                </a:solidFill>
+                <a:latin typeface="Consolas" panose="020B0609020204030204" pitchFamily="49" charset="0"/>
+              </a:rPr>
+              <a:t> </a:t>
+            </a:r>
+            <a:r>
+              <a:rPr lang="en-US" sz="2400" dirty="0">
+                <a:solidFill>
+                  <a:srgbClr val="E50000"/>
+                </a:solidFill>
+                <a:latin typeface="Consolas" panose="020B0609020204030204" pitchFamily="49" charset="0"/>
+              </a:rPr>
+              <a:t>asp-action</a:t>
+            </a:r>
+            <a:r>
+              <a:rPr lang="en-US" sz="2400" dirty="0">
+                <a:solidFill>
+                  <a:srgbClr val="3B3B3B"/>
+                </a:solidFill>
+                <a:latin typeface="Consolas" panose="020B0609020204030204" pitchFamily="49" charset="0"/>
+              </a:rPr>
+              <a:t>=</a:t>
+            </a:r>
+            <a:r>
+              <a:rPr lang="en-US" sz="2400" dirty="0">
+                <a:solidFill>
+                  <a:srgbClr val="0000FF"/>
+                </a:solidFill>
+                <a:latin typeface="Consolas" panose="020B0609020204030204" pitchFamily="49" charset="0"/>
+              </a:rPr>
+              <a:t>"Contacts"</a:t>
+            </a:r>
+            <a:r>
+              <a:rPr lang="en-US" sz="2400" dirty="0">
+                <a:solidFill>
+                  <a:srgbClr val="800000"/>
+                </a:solidFill>
+                <a:latin typeface="Consolas" panose="020B0609020204030204" pitchFamily="49" charset="0"/>
+              </a:rPr>
+              <a:t>&gt;</a:t>
+            </a:r>
+            <a:r>
+              <a:rPr lang="ru-RU" sz="2400" dirty="0">
+                <a:solidFill>
+                  <a:srgbClr val="3B3B3B"/>
+                </a:solidFill>
+                <a:latin typeface="Consolas" panose="020B0609020204030204" pitchFamily="49" charset="0"/>
+              </a:rPr>
+              <a:t>Контакты</a:t>
+            </a:r>
+            <a:r>
+              <a:rPr lang="ru-RU" sz="2400" dirty="0">
+                <a:solidFill>
+                  <a:srgbClr val="800000"/>
+                </a:solidFill>
+                <a:latin typeface="Consolas" panose="020B0609020204030204" pitchFamily="49" charset="0"/>
+              </a:rPr>
+              <a:t>&lt;/</a:t>
+            </a:r>
+            <a:r>
+              <a:rPr lang="en-US" sz="2400" dirty="0">
+                <a:solidFill>
+                  <a:srgbClr val="800000"/>
+                </a:solidFill>
+                <a:latin typeface="Consolas" panose="020B0609020204030204" pitchFamily="49" charset="0"/>
+              </a:rPr>
+              <a:t>a&gt;</a:t>
+            </a:r>
+            <a:endParaRPr lang="en-US" sz="2400" dirty="0">
+              <a:solidFill>
+                <a:srgbClr val="3B3B3B"/>
+              </a:solidFill>
+              <a:latin typeface="Consolas" panose="020B0609020204030204" pitchFamily="49" charset="0"/>
+            </a:endParaRPr>
+          </a:p>
+          <a:p>
+            <a:pPr algn="just">
+              <a:lnSpc>
+                <a:spcPct val="150000"/>
+              </a:lnSpc>
+            </a:pPr>
+            <a:r>
+              <a:rPr lang="ru-RU" sz="2400" dirty="0">
+                <a:latin typeface="Bookman Old Style" panose="02050604050505020204" pitchFamily="18" charset="0"/>
+              </a:rPr>
+              <a:t>Внешне данный хелпер напоминает обычную ссылку - стандартный элемент </a:t>
+            </a:r>
+            <a:r>
+              <a:rPr lang="ru-RU" sz="2400" dirty="0" err="1">
+                <a:latin typeface="Bookman Old Style" panose="02050604050505020204" pitchFamily="18" charset="0"/>
+              </a:rPr>
+              <a:t>html</a:t>
+            </a:r>
+            <a:r>
+              <a:rPr lang="ru-RU" sz="2400" dirty="0">
+                <a:latin typeface="Bookman Old Style" panose="02050604050505020204" pitchFamily="18" charset="0"/>
+              </a:rPr>
+              <a:t>, однако это не элемент </a:t>
+            </a:r>
+            <a:r>
+              <a:rPr lang="ru-RU" sz="2400" dirty="0" err="1">
+                <a:latin typeface="Bookman Old Style" panose="02050604050505020204" pitchFamily="18" charset="0"/>
+              </a:rPr>
+              <a:t>html</a:t>
+            </a:r>
+            <a:r>
+              <a:rPr lang="ru-RU" sz="2400" dirty="0">
+                <a:latin typeface="Bookman Old Style" panose="02050604050505020204" pitchFamily="18" charset="0"/>
+              </a:rPr>
+              <a:t>.</a:t>
+            </a:r>
+            <a:endParaRPr lang="en-US" sz="2400" dirty="0">
+              <a:latin typeface="Bookman Old Style" panose="02050604050505020204" pitchFamily="18" charset="0"/>
+            </a:endParaRPr>
+          </a:p>
+        </p:txBody>
+      </p:sp>
+    </p:spTree>
+    <p:extLst>
+      <p:ext uri="{BB962C8B-B14F-4D97-AF65-F5344CB8AC3E}">
+        <p14:creationId xmlns:p14="http://schemas.microsoft.com/office/powerpoint/2010/main" val="214778242"/>
+      </p:ext>
+    </p:extLst>
+  </p:cSld>
+  <p:clrMapOvr>
+    <a:masterClrMapping/>
+  </p:clrMapOvr>
+  <p:timing>
+    <p:tnLst>
+      <p:par>
+        <p:cTn id="1" dur="indefinite" restart="never" nodeType="tmRoot"/>
+      </p:par>
+    </p:tnLst>
+  </p:timing>
+</p:sld>
+</file>
+
+<file path=ppt/slides/slide36.xml><?xml version="1.0" encoding="utf-8"?>
+<p:sld xmlns:a="http://schemas.openxmlformats.org/drawingml/2006/main" xmlns:r="http://schemas.openxmlformats.org/officeDocument/2006/relationships" xmlns:p="http://schemas.openxmlformats.org/presentationml/2006/main">
+  <p:cSld>
+    <p:spTree>
+      <p:nvGrpSpPr>
+        <p:cNvPr id="1" name=""/>
+        <p:cNvGrpSpPr/>
+        <p:nvPr/>
+      </p:nvGrpSpPr>
+      <p:grpSpPr>
+        <a:xfrm>
+          <a:off x="0" y="0"/>
+          <a:ext cx="0" cy="0"/>
+          <a:chOff x="0" y="0"/>
+          <a:chExt cx="0" cy="0"/>
+        </a:xfrm>
+      </p:grpSpPr>
+      <p:sp>
+        <p:nvSpPr>
+          <p:cNvPr id="7" name="Прямоугольник 6"/>
+          <p:cNvSpPr/>
+          <p:nvPr/>
+        </p:nvSpPr>
+        <p:spPr>
+          <a:xfrm>
+            <a:off x="271157" y="0"/>
+            <a:ext cx="11623854" cy="4524315"/>
+          </a:xfrm>
+          <a:prstGeom prst="rect">
+            <a:avLst/>
+          </a:prstGeom>
+        </p:spPr>
+        <p:txBody>
+          <a:bodyPr wrap="square">
+            <a:spAutoFit/>
+          </a:bodyPr>
+          <a:lstStyle/>
+          <a:p>
+            <a:pPr algn="just">
+              <a:lnSpc>
+                <a:spcPct val="150000"/>
+              </a:lnSpc>
+            </a:pPr>
+            <a:r>
+              <a:rPr lang="en-US" sz="2400" dirty="0">
+                <a:solidFill>
+                  <a:srgbClr val="800000"/>
+                </a:solidFill>
+                <a:latin typeface="Consolas" panose="020B0609020204030204" pitchFamily="49" charset="0"/>
+              </a:rPr>
+              <a:t>&lt;a</a:t>
+            </a:r>
+            <a:r>
+              <a:rPr lang="en-US" sz="2400" dirty="0">
+                <a:solidFill>
+                  <a:srgbClr val="3B3B3B"/>
+                </a:solidFill>
+                <a:latin typeface="Consolas" panose="020B0609020204030204" pitchFamily="49" charset="0"/>
+              </a:rPr>
+              <a:t> </a:t>
+            </a:r>
+            <a:r>
+              <a:rPr lang="en-US" sz="2400" dirty="0">
+                <a:solidFill>
+                  <a:srgbClr val="E50000"/>
+                </a:solidFill>
+                <a:latin typeface="Consolas" panose="020B0609020204030204" pitchFamily="49" charset="0"/>
+              </a:rPr>
+              <a:t>asp-controller</a:t>
+            </a:r>
+            <a:r>
+              <a:rPr lang="en-US" sz="2400" dirty="0">
+                <a:solidFill>
+                  <a:srgbClr val="3B3B3B"/>
+                </a:solidFill>
+                <a:latin typeface="Consolas" panose="020B0609020204030204" pitchFamily="49" charset="0"/>
+              </a:rPr>
+              <a:t>=</a:t>
+            </a:r>
+            <a:r>
+              <a:rPr lang="en-US" sz="2400" dirty="0">
+                <a:solidFill>
+                  <a:srgbClr val="0000FF"/>
+                </a:solidFill>
+                <a:latin typeface="Consolas" panose="020B0609020204030204" pitchFamily="49" charset="0"/>
+              </a:rPr>
+              <a:t>"Home"</a:t>
+            </a:r>
+            <a:r>
+              <a:rPr lang="en-US" sz="2400" dirty="0">
+                <a:solidFill>
+                  <a:srgbClr val="3B3B3B"/>
+                </a:solidFill>
+                <a:latin typeface="Consolas" panose="020B0609020204030204" pitchFamily="49" charset="0"/>
+              </a:rPr>
+              <a:t> </a:t>
+            </a:r>
+            <a:r>
+              <a:rPr lang="en-US" sz="2400" dirty="0">
+                <a:solidFill>
+                  <a:srgbClr val="E50000"/>
+                </a:solidFill>
+                <a:latin typeface="Consolas" panose="020B0609020204030204" pitchFamily="49" charset="0"/>
+              </a:rPr>
+              <a:t>asp-action</a:t>
+            </a:r>
+            <a:r>
+              <a:rPr lang="en-US" sz="2400" dirty="0">
+                <a:solidFill>
+                  <a:srgbClr val="3B3B3B"/>
+                </a:solidFill>
+                <a:latin typeface="Consolas" panose="020B0609020204030204" pitchFamily="49" charset="0"/>
+              </a:rPr>
+              <a:t>=</a:t>
+            </a:r>
+            <a:r>
+              <a:rPr lang="en-US" sz="2400" dirty="0">
+                <a:solidFill>
+                  <a:srgbClr val="0000FF"/>
+                </a:solidFill>
+                <a:latin typeface="Consolas" panose="020B0609020204030204" pitchFamily="49" charset="0"/>
+              </a:rPr>
+              <a:t>"Contacts"</a:t>
+            </a:r>
+            <a:r>
+              <a:rPr lang="en-US" sz="2400" dirty="0">
+                <a:solidFill>
+                  <a:srgbClr val="800000"/>
+                </a:solidFill>
+                <a:latin typeface="Consolas" panose="020B0609020204030204" pitchFamily="49" charset="0"/>
+              </a:rPr>
+              <a:t>&gt;</a:t>
+            </a:r>
+            <a:r>
+              <a:rPr lang="ru-RU" sz="2400" dirty="0">
+                <a:solidFill>
+                  <a:srgbClr val="3B3B3B"/>
+                </a:solidFill>
+                <a:latin typeface="Consolas" panose="020B0609020204030204" pitchFamily="49" charset="0"/>
+              </a:rPr>
+              <a:t>Контакты</a:t>
+            </a:r>
+            <a:r>
+              <a:rPr lang="ru-RU" sz="2400" dirty="0">
+                <a:solidFill>
+                  <a:srgbClr val="800000"/>
+                </a:solidFill>
+                <a:latin typeface="Consolas" panose="020B0609020204030204" pitchFamily="49" charset="0"/>
+              </a:rPr>
+              <a:t>&lt;/</a:t>
+            </a:r>
+            <a:r>
+              <a:rPr lang="en-US" sz="2400" dirty="0">
+                <a:solidFill>
+                  <a:srgbClr val="800000"/>
+                </a:solidFill>
+                <a:latin typeface="Consolas" panose="020B0609020204030204" pitchFamily="49" charset="0"/>
+              </a:rPr>
+              <a:t>a</a:t>
+            </a:r>
+            <a:r>
+              <a:rPr lang="en-US" sz="2400" dirty="0" smtClean="0">
+                <a:solidFill>
+                  <a:srgbClr val="800000"/>
+                </a:solidFill>
+                <a:latin typeface="Consolas" panose="020B0609020204030204" pitchFamily="49" charset="0"/>
+              </a:rPr>
+              <a:t>&gt;</a:t>
+            </a:r>
+            <a:endParaRPr lang="ru-RU" sz="2400" dirty="0" smtClean="0">
+              <a:solidFill>
+                <a:srgbClr val="000000"/>
+              </a:solidFill>
+              <a:latin typeface="Bookman Old Style" panose="02050604050505020204" pitchFamily="18" charset="0"/>
+            </a:endParaRPr>
+          </a:p>
+          <a:p>
+            <a:pPr algn="just">
+              <a:lnSpc>
+                <a:spcPct val="150000"/>
+              </a:lnSpc>
+            </a:pPr>
+            <a:endParaRPr lang="ru-RU" sz="2400" dirty="0">
+              <a:solidFill>
+                <a:srgbClr val="000000"/>
+              </a:solidFill>
+              <a:latin typeface="Bookman Old Style" panose="02050604050505020204" pitchFamily="18" charset="0"/>
+            </a:endParaRPr>
+          </a:p>
+          <a:p>
+            <a:pPr algn="just">
+              <a:lnSpc>
+                <a:spcPct val="150000"/>
+              </a:lnSpc>
+            </a:pPr>
+            <a:r>
+              <a:rPr lang="ru-RU" sz="2400" dirty="0" smtClean="0">
+                <a:solidFill>
+                  <a:srgbClr val="000000"/>
+                </a:solidFill>
+                <a:latin typeface="Bookman Old Style" panose="02050604050505020204" pitchFamily="18" charset="0"/>
+              </a:rPr>
+              <a:t>Данный </a:t>
+            </a:r>
+            <a:r>
+              <a:rPr lang="ru-RU" sz="2400" dirty="0">
+                <a:solidFill>
+                  <a:srgbClr val="000000"/>
+                </a:solidFill>
+                <a:latin typeface="Bookman Old Style" panose="02050604050505020204" pitchFamily="18" charset="0"/>
+              </a:rPr>
+              <a:t>хелпер создает ссылку, для которой в качестве контроллера используется </a:t>
+            </a:r>
+            <a:r>
+              <a:rPr lang="ru-RU" sz="2400" dirty="0" err="1">
+                <a:solidFill>
+                  <a:srgbClr val="000000"/>
+                </a:solidFill>
+                <a:latin typeface="Bookman Old Style" panose="02050604050505020204" pitchFamily="18" charset="0"/>
+              </a:rPr>
+              <a:t>Home</a:t>
+            </a:r>
+            <a:r>
+              <a:rPr lang="ru-RU" sz="2400" dirty="0">
+                <a:solidFill>
+                  <a:srgbClr val="000000"/>
+                </a:solidFill>
+                <a:latin typeface="Bookman Old Style" panose="02050604050505020204" pitchFamily="18" charset="0"/>
+              </a:rPr>
+              <a:t>, а в качестве метода </a:t>
+            </a:r>
+            <a:r>
+              <a:rPr lang="ru-RU" sz="2400" dirty="0" err="1">
+                <a:solidFill>
+                  <a:srgbClr val="000000"/>
+                </a:solidFill>
+                <a:latin typeface="Bookman Old Style" panose="02050604050505020204" pitchFamily="18" charset="0"/>
+              </a:rPr>
+              <a:t>Contact</a:t>
+            </a:r>
+            <a:r>
+              <a:rPr lang="ru-RU" sz="2400" dirty="0" smtClean="0">
+                <a:solidFill>
+                  <a:srgbClr val="000000"/>
+                </a:solidFill>
+                <a:latin typeface="Bookman Old Style" panose="02050604050505020204" pitchFamily="18" charset="0"/>
+              </a:rPr>
+              <a:t>.</a:t>
+            </a:r>
+          </a:p>
+          <a:p>
+            <a:pPr algn="just">
+              <a:lnSpc>
+                <a:spcPct val="150000"/>
+              </a:lnSpc>
+            </a:pPr>
+            <a:endParaRPr lang="ru-RU" sz="2400" dirty="0">
+              <a:solidFill>
+                <a:srgbClr val="000000"/>
+              </a:solidFill>
+              <a:latin typeface="Bookman Old Style" panose="02050604050505020204" pitchFamily="18" charset="0"/>
+            </a:endParaRPr>
+          </a:p>
+          <a:p>
+            <a:pPr algn="just">
+              <a:lnSpc>
+                <a:spcPct val="150000"/>
+              </a:lnSpc>
+            </a:pPr>
+            <a:r>
+              <a:rPr lang="ru-RU" sz="2400" dirty="0">
+                <a:latin typeface="Bookman Old Style" panose="02050604050505020204" pitchFamily="18" charset="0"/>
+              </a:rPr>
+              <a:t>В итоге при запуске проекта </a:t>
+            </a:r>
+            <a:r>
+              <a:rPr lang="ru-RU" sz="2400" dirty="0" smtClean="0">
+                <a:latin typeface="Bookman Old Style" panose="02050604050505020204" pitchFamily="18" charset="0"/>
+              </a:rPr>
+              <a:t>вместо </a:t>
+            </a:r>
+            <a:r>
+              <a:rPr lang="ru-RU" sz="2400" dirty="0">
+                <a:latin typeface="Bookman Old Style" panose="02050604050505020204" pitchFamily="18" charset="0"/>
+              </a:rPr>
+              <a:t>данного </a:t>
+            </a:r>
+            <a:r>
+              <a:rPr lang="ru-RU" sz="2400" dirty="0" err="1">
+                <a:latin typeface="Bookman Old Style" panose="02050604050505020204" pitchFamily="18" charset="0"/>
+              </a:rPr>
+              <a:t>tag</a:t>
+            </a:r>
+            <a:r>
+              <a:rPr lang="ru-RU" sz="2400" dirty="0">
+                <a:latin typeface="Bookman Old Style" panose="02050604050505020204" pitchFamily="18" charset="0"/>
+              </a:rPr>
+              <a:t>-хелпера будет сформирована гиперссылка, по нажатию на которую запрос будет обрабатываться методом </a:t>
+            </a:r>
+            <a:r>
+              <a:rPr lang="ru-RU" sz="2400" dirty="0" err="1">
+                <a:latin typeface="Bookman Old Style" panose="02050604050505020204" pitchFamily="18" charset="0"/>
+              </a:rPr>
+              <a:t>Contacts</a:t>
+            </a:r>
+            <a:r>
+              <a:rPr lang="ru-RU" sz="2400" dirty="0">
+                <a:latin typeface="Bookman Old Style" panose="02050604050505020204" pitchFamily="18" charset="0"/>
+              </a:rPr>
+              <a:t> контроллера </a:t>
+            </a:r>
+            <a:r>
+              <a:rPr lang="ru-RU" sz="2400" dirty="0" err="1">
+                <a:latin typeface="Bookman Old Style" panose="02050604050505020204" pitchFamily="18" charset="0"/>
+              </a:rPr>
+              <a:t>Home</a:t>
+            </a:r>
+            <a:r>
+              <a:rPr lang="ru-RU" sz="2400" dirty="0">
+                <a:latin typeface="Bookman Old Style" panose="02050604050505020204" pitchFamily="18" charset="0"/>
+              </a:rPr>
+              <a:t>:</a:t>
+            </a:r>
+            <a:endParaRPr lang="en-US" sz="2400" dirty="0">
+              <a:latin typeface="Bookman Old Style" panose="02050604050505020204" pitchFamily="18" charset="0"/>
+            </a:endParaRPr>
+          </a:p>
+        </p:txBody>
+      </p:sp>
+      <p:pic>
+        <p:nvPicPr>
+          <p:cNvPr id="2" name="Рисунок 1"/>
+          <p:cNvPicPr>
+            <a:picLocks noChangeAspect="1"/>
+          </p:cNvPicPr>
+          <p:nvPr/>
+        </p:nvPicPr>
+        <p:blipFill rotWithShape="1">
+          <a:blip r:embed="rId3">
+            <a:extLst>
+              <a:ext uri="{28A0092B-C50C-407E-A947-70E740481C1C}">
+                <a14:useLocalDpi xmlns:a14="http://schemas.microsoft.com/office/drawing/2010/main" val="0"/>
+              </a:ext>
+            </a:extLst>
+          </a:blip>
+          <a:srcRect b="37539"/>
+          <a:stretch/>
+        </p:blipFill>
+        <p:spPr>
+          <a:xfrm>
+            <a:off x="1712798" y="4524315"/>
+            <a:ext cx="8740571" cy="2049480"/>
+          </a:xfrm>
+          <a:prstGeom prst="rect">
+            <a:avLst/>
+          </a:prstGeom>
+        </p:spPr>
+      </p:pic>
+    </p:spTree>
+    <p:extLst>
+      <p:ext uri="{BB962C8B-B14F-4D97-AF65-F5344CB8AC3E}">
+        <p14:creationId xmlns:p14="http://schemas.microsoft.com/office/powerpoint/2010/main" val="1612967626"/>
+      </p:ext>
+    </p:extLst>
+  </p:cSld>
+  <p:clrMapOvr>
+    <a:masterClrMapping/>
+  </p:clrMapOvr>
+  <p:timing>
+    <p:tnLst>
+      <p:par>
+        <p:cTn id="1" dur="indefinite" restart="never" nodeType="tmRoot"/>
+      </p:par>
+    </p:tnLst>
+  </p:timing>
+</p:sld>
+</file>
+
+<file path=ppt/slides/slide37.xml><?xml version="1.0" encoding="utf-8"?>
+<p:sld xmlns:a="http://schemas.openxmlformats.org/drawingml/2006/main" xmlns:r="http://schemas.openxmlformats.org/officeDocument/2006/relationships" xmlns:p="http://schemas.openxmlformats.org/presentationml/2006/main">
+  <p:cSld>
+    <p:spTree>
+      <p:nvGrpSpPr>
+        <p:cNvPr id="1" name=""/>
+        <p:cNvGrpSpPr/>
+        <p:nvPr/>
+      </p:nvGrpSpPr>
+      <p:grpSpPr>
+        <a:xfrm>
+          <a:off x="0" y="0"/>
+          <a:ext cx="0" cy="0"/>
+          <a:chOff x="0" y="0"/>
+          <a:chExt cx="0" cy="0"/>
+        </a:xfrm>
+      </p:grpSpPr>
+      <p:sp>
+        <p:nvSpPr>
+          <p:cNvPr id="7" name="Прямоугольник 6"/>
+          <p:cNvSpPr/>
+          <p:nvPr/>
+        </p:nvSpPr>
+        <p:spPr>
+          <a:xfrm>
+            <a:off x="271158" y="284205"/>
+            <a:ext cx="11623854" cy="3970318"/>
+          </a:xfrm>
+          <a:prstGeom prst="rect">
+            <a:avLst/>
+          </a:prstGeom>
+        </p:spPr>
+        <p:txBody>
+          <a:bodyPr wrap="square">
+            <a:spAutoFit/>
+          </a:bodyPr>
+          <a:lstStyle/>
+          <a:p>
+            <a:pPr algn="just">
+              <a:lnSpc>
+                <a:spcPct val="150000"/>
+              </a:lnSpc>
+            </a:pPr>
+            <a:r>
+              <a:rPr lang="en-US" sz="2400" b="1" dirty="0">
+                <a:solidFill>
+                  <a:srgbClr val="000000"/>
+                </a:solidFill>
+                <a:latin typeface="Bookman Old Style" panose="02050604050505020204" pitchFamily="18" charset="0"/>
+              </a:rPr>
+              <a:t>_</a:t>
+            </a:r>
+            <a:r>
+              <a:rPr lang="en-US" sz="2400" b="1" dirty="0" err="1">
+                <a:solidFill>
+                  <a:srgbClr val="000000"/>
+                </a:solidFill>
+                <a:latin typeface="Bookman Old Style" panose="02050604050505020204" pitchFamily="18" charset="0"/>
+              </a:rPr>
+              <a:t>ViewImports.cshtml</a:t>
+            </a:r>
+            <a:r>
+              <a:rPr lang="en-US" sz="2400" b="1" dirty="0">
+                <a:solidFill>
+                  <a:srgbClr val="000000"/>
+                </a:solidFill>
+                <a:latin typeface="Bookman Old Style" panose="02050604050505020204" pitchFamily="18" charset="0"/>
+              </a:rPr>
+              <a:t> </a:t>
+            </a:r>
+            <a:r>
+              <a:rPr lang="ru-RU" sz="2400" b="1" dirty="0">
+                <a:solidFill>
+                  <a:srgbClr val="000000"/>
+                </a:solidFill>
+                <a:latin typeface="Bookman Old Style" panose="02050604050505020204" pitchFamily="18" charset="0"/>
+              </a:rPr>
+              <a:t>и @</a:t>
+            </a:r>
+            <a:r>
+              <a:rPr lang="en-US" sz="2400" b="1" dirty="0" err="1" smtClean="0">
+                <a:solidFill>
+                  <a:srgbClr val="000000"/>
+                </a:solidFill>
+                <a:latin typeface="Bookman Old Style" panose="02050604050505020204" pitchFamily="18" charset="0"/>
+              </a:rPr>
+              <a:t>addTagHelper</a:t>
+            </a:r>
+            <a:endParaRPr lang="ru-RU" sz="2400" b="1" dirty="0" smtClean="0">
+              <a:solidFill>
+                <a:srgbClr val="000000"/>
+              </a:solidFill>
+              <a:latin typeface="Bookman Old Style" panose="02050604050505020204" pitchFamily="18" charset="0"/>
+            </a:endParaRPr>
+          </a:p>
+          <a:p>
+            <a:pPr algn="just">
+              <a:lnSpc>
+                <a:spcPct val="150000"/>
+              </a:lnSpc>
+            </a:pPr>
+            <a:endParaRPr lang="ru-RU" sz="2400" b="1" dirty="0">
+              <a:solidFill>
+                <a:srgbClr val="000000"/>
+              </a:solidFill>
+              <a:latin typeface="Bookman Old Style" panose="02050604050505020204" pitchFamily="18" charset="0"/>
+            </a:endParaRPr>
+          </a:p>
+          <a:p>
+            <a:pPr algn="just">
+              <a:lnSpc>
+                <a:spcPct val="150000"/>
+              </a:lnSpc>
+            </a:pPr>
+            <a:r>
+              <a:rPr lang="ru-RU" sz="2400" dirty="0">
+                <a:solidFill>
+                  <a:srgbClr val="000000"/>
+                </a:solidFill>
+                <a:latin typeface="Bookman Old Style" panose="02050604050505020204" pitchFamily="18" charset="0"/>
+              </a:rPr>
+              <a:t>Выше в представление были подключены </a:t>
+            </a:r>
+            <a:r>
+              <a:rPr lang="ru-RU" sz="2400" dirty="0" err="1">
+                <a:solidFill>
+                  <a:srgbClr val="000000"/>
+                </a:solidFill>
+                <a:latin typeface="Bookman Old Style" panose="02050604050505020204" pitchFamily="18" charset="0"/>
+              </a:rPr>
+              <a:t>tag</a:t>
+            </a:r>
+            <a:r>
+              <a:rPr lang="ru-RU" sz="2400" dirty="0">
+                <a:solidFill>
+                  <a:srgbClr val="000000"/>
+                </a:solidFill>
+                <a:latin typeface="Bookman Old Style" panose="02050604050505020204" pitchFamily="18" charset="0"/>
+              </a:rPr>
+              <a:t>-хелперы. Но что, если нам надо подключить </a:t>
+            </a:r>
+            <a:r>
+              <a:rPr lang="ru-RU" sz="2400" dirty="0" err="1">
+                <a:solidFill>
+                  <a:srgbClr val="000000"/>
+                </a:solidFill>
+                <a:latin typeface="Bookman Old Style" panose="02050604050505020204" pitchFamily="18" charset="0"/>
+              </a:rPr>
+              <a:t>tag</a:t>
+            </a:r>
+            <a:r>
+              <a:rPr lang="ru-RU" sz="2400" dirty="0">
+                <a:solidFill>
+                  <a:srgbClr val="000000"/>
+                </a:solidFill>
+                <a:latin typeface="Bookman Old Style" panose="02050604050505020204" pitchFamily="18" charset="0"/>
+              </a:rPr>
+              <a:t>-хелперы в кучу представлений? Вместо того, чтобы прописывать директиву </a:t>
+            </a:r>
+            <a:r>
+              <a:rPr lang="ru-RU" sz="2400" b="1" dirty="0">
+                <a:solidFill>
+                  <a:srgbClr val="000000"/>
+                </a:solidFill>
+                <a:latin typeface="Bookman Old Style" panose="02050604050505020204" pitchFamily="18" charset="0"/>
+              </a:rPr>
+              <a:t>@</a:t>
+            </a:r>
+            <a:r>
+              <a:rPr lang="ru-RU" sz="2400" b="1" dirty="0" err="1">
+                <a:solidFill>
+                  <a:srgbClr val="000000"/>
+                </a:solidFill>
+                <a:latin typeface="Bookman Old Style" panose="02050604050505020204" pitchFamily="18" charset="0"/>
+              </a:rPr>
+              <a:t>addTagHelper</a:t>
+            </a:r>
+            <a:r>
+              <a:rPr lang="ru-RU" sz="2400" dirty="0">
+                <a:solidFill>
+                  <a:srgbClr val="000000"/>
+                </a:solidFill>
+                <a:latin typeface="Bookman Old Style" panose="02050604050505020204" pitchFamily="18" charset="0"/>
+              </a:rPr>
+              <a:t> в каждом отдельном представлении, мы можем подключить все хелперы разом. Для этого применяется файл </a:t>
+            </a:r>
+            <a:r>
+              <a:rPr lang="ru-RU" sz="2400" b="1" dirty="0">
+                <a:solidFill>
+                  <a:srgbClr val="000000"/>
+                </a:solidFill>
+                <a:latin typeface="Bookman Old Style" panose="02050604050505020204" pitchFamily="18" charset="0"/>
+              </a:rPr>
+              <a:t>_</a:t>
+            </a:r>
+            <a:r>
+              <a:rPr lang="ru-RU" sz="2400" b="1" dirty="0" err="1">
+                <a:solidFill>
+                  <a:srgbClr val="000000"/>
+                </a:solidFill>
+                <a:latin typeface="Bookman Old Style" panose="02050604050505020204" pitchFamily="18" charset="0"/>
+              </a:rPr>
+              <a:t>ViewImports.cshtml</a:t>
+            </a:r>
+            <a:r>
+              <a:rPr lang="ru-RU" sz="2400" dirty="0" smtClean="0">
+                <a:solidFill>
+                  <a:srgbClr val="000000"/>
+                </a:solidFill>
+                <a:latin typeface="Bookman Old Style" panose="02050604050505020204" pitchFamily="18" charset="0"/>
+              </a:rPr>
+              <a:t>.</a:t>
+            </a:r>
+            <a:endParaRPr lang="ru-RU" sz="2400" b="1" dirty="0" smtClean="0">
+              <a:solidFill>
+                <a:srgbClr val="000000"/>
+              </a:solidFill>
+              <a:latin typeface="Bookman Old Style" panose="02050604050505020204" pitchFamily="18" charset="0"/>
+            </a:endParaRPr>
+          </a:p>
+        </p:txBody>
+      </p:sp>
+    </p:spTree>
+    <p:extLst>
+      <p:ext uri="{BB962C8B-B14F-4D97-AF65-F5344CB8AC3E}">
+        <p14:creationId xmlns:p14="http://schemas.microsoft.com/office/powerpoint/2010/main" val="99331439"/>
+      </p:ext>
+    </p:extLst>
+  </p:cSld>
+  <p:clrMapOvr>
+    <a:masterClrMapping/>
+  </p:clrMapOvr>
+  <p:timing>
+    <p:tnLst>
+      <p:par>
+        <p:cTn id="1" dur="indefinite" restart="never" nodeType="tmRoot"/>
+      </p:par>
+    </p:tnLst>
+  </p:timing>
+</p:sld>
+</file>
+
+<file path=ppt/slides/slide38.xml><?xml version="1.0" encoding="utf-8"?>
+<p:sld xmlns:a="http://schemas.openxmlformats.org/drawingml/2006/main" xmlns:r="http://schemas.openxmlformats.org/officeDocument/2006/relationships" xmlns:p="http://schemas.openxmlformats.org/presentationml/2006/main">
+  <p:cSld>
+    <p:spTree>
+      <p:nvGrpSpPr>
+        <p:cNvPr id="1" name=""/>
+        <p:cNvGrpSpPr/>
+        <p:nvPr/>
+      </p:nvGrpSpPr>
+      <p:grpSpPr>
+        <a:xfrm>
+          <a:off x="0" y="0"/>
+          <a:ext cx="0" cy="0"/>
+          <a:chOff x="0" y="0"/>
+          <a:chExt cx="0" cy="0"/>
+        </a:xfrm>
+      </p:grpSpPr>
+      <p:sp>
+        <p:nvSpPr>
+          <p:cNvPr id="7" name="Прямоугольник 6"/>
+          <p:cNvSpPr/>
+          <p:nvPr/>
+        </p:nvSpPr>
+        <p:spPr>
+          <a:xfrm>
+            <a:off x="271158" y="284205"/>
+            <a:ext cx="7352961" cy="5632311"/>
+          </a:xfrm>
+          <a:prstGeom prst="rect">
+            <a:avLst/>
+          </a:prstGeom>
+        </p:spPr>
+        <p:txBody>
+          <a:bodyPr wrap="square">
+            <a:spAutoFit/>
+          </a:bodyPr>
+          <a:lstStyle/>
+          <a:p>
+            <a:pPr algn="just">
+              <a:lnSpc>
+                <a:spcPct val="150000"/>
+              </a:lnSpc>
+            </a:pPr>
+            <a:r>
+              <a:rPr lang="ru-RU" sz="2400" dirty="0">
+                <a:solidFill>
+                  <a:srgbClr val="000000"/>
+                </a:solidFill>
+                <a:latin typeface="Bookman Old Style" panose="02050604050505020204" pitchFamily="18" charset="0"/>
+              </a:rPr>
+              <a:t>Итак, добавим в проект в папку </a:t>
+            </a:r>
+            <a:r>
+              <a:rPr lang="ru-RU" sz="2400" b="1" dirty="0" err="1">
+                <a:solidFill>
+                  <a:srgbClr val="000000"/>
+                </a:solidFill>
+                <a:latin typeface="Bookman Old Style" panose="02050604050505020204" pitchFamily="18" charset="0"/>
+              </a:rPr>
+              <a:t>Views</a:t>
+            </a:r>
+            <a:r>
+              <a:rPr lang="ru-RU" sz="2400" dirty="0">
+                <a:solidFill>
+                  <a:srgbClr val="000000"/>
+                </a:solidFill>
+                <a:latin typeface="Bookman Old Style" panose="02050604050505020204" pitchFamily="18" charset="0"/>
+              </a:rPr>
+              <a:t> новый файл </a:t>
+            </a:r>
+            <a:r>
+              <a:rPr lang="ru-RU" sz="2400" b="1" dirty="0">
+                <a:solidFill>
+                  <a:srgbClr val="000000"/>
+                </a:solidFill>
+                <a:latin typeface="Bookman Old Style" panose="02050604050505020204" pitchFamily="18" charset="0"/>
+              </a:rPr>
+              <a:t>_</a:t>
+            </a:r>
+            <a:r>
+              <a:rPr lang="ru-RU" sz="2400" b="1" dirty="0" err="1">
+                <a:solidFill>
+                  <a:srgbClr val="000000"/>
+                </a:solidFill>
+                <a:latin typeface="Bookman Old Style" panose="02050604050505020204" pitchFamily="18" charset="0"/>
+              </a:rPr>
+              <a:t>ViewImports.cshtml</a:t>
+            </a:r>
+            <a:r>
+              <a:rPr lang="ru-RU" sz="2400" dirty="0" smtClean="0">
+                <a:solidFill>
+                  <a:srgbClr val="000000"/>
+                </a:solidFill>
+                <a:latin typeface="Bookman Old Style" panose="02050604050505020204" pitchFamily="18" charset="0"/>
+              </a:rPr>
+              <a:t>:</a:t>
+            </a:r>
+          </a:p>
+          <a:p>
+            <a:pPr algn="just">
+              <a:lnSpc>
+                <a:spcPct val="150000"/>
+              </a:lnSpc>
+            </a:pPr>
+            <a:r>
+              <a:rPr lang="ru-RU" sz="2400" dirty="0">
+                <a:solidFill>
+                  <a:srgbClr val="000000"/>
+                </a:solidFill>
+                <a:latin typeface="Bookman Old Style" panose="02050604050505020204" pitchFamily="18" charset="0"/>
+              </a:rPr>
+              <a:t>В файле </a:t>
+            </a:r>
+            <a:r>
+              <a:rPr lang="ru-RU" sz="2400" b="1" dirty="0">
+                <a:solidFill>
+                  <a:srgbClr val="000000"/>
+                </a:solidFill>
+                <a:latin typeface="Bookman Old Style" panose="02050604050505020204" pitchFamily="18" charset="0"/>
+              </a:rPr>
+              <a:t>_</a:t>
+            </a:r>
+            <a:r>
+              <a:rPr lang="en-US" sz="2400" b="1" dirty="0" err="1">
+                <a:solidFill>
+                  <a:srgbClr val="000000"/>
+                </a:solidFill>
+                <a:latin typeface="Bookman Old Style" panose="02050604050505020204" pitchFamily="18" charset="0"/>
+              </a:rPr>
+              <a:t>ViewImports.cshtml</a:t>
+            </a:r>
+            <a:r>
+              <a:rPr lang="en-US" sz="2400" dirty="0">
+                <a:solidFill>
+                  <a:srgbClr val="000000"/>
+                </a:solidFill>
+                <a:latin typeface="Bookman Old Style" panose="02050604050505020204" pitchFamily="18" charset="0"/>
+              </a:rPr>
+              <a:t> </a:t>
+            </a:r>
+            <a:r>
+              <a:rPr lang="ru-RU" sz="2400" dirty="0">
+                <a:solidFill>
+                  <a:srgbClr val="000000"/>
+                </a:solidFill>
+                <a:latin typeface="Bookman Old Style" panose="02050604050505020204" pitchFamily="18" charset="0"/>
+              </a:rPr>
+              <a:t>определим подключение </a:t>
+            </a:r>
+            <a:r>
+              <a:rPr lang="en-US" sz="2400" dirty="0">
+                <a:solidFill>
+                  <a:srgbClr val="000000"/>
+                </a:solidFill>
+                <a:latin typeface="Bookman Old Style" panose="02050604050505020204" pitchFamily="18" charset="0"/>
+              </a:rPr>
+              <a:t>tag-</a:t>
+            </a:r>
+            <a:r>
+              <a:rPr lang="ru-RU" sz="2400" dirty="0">
+                <a:solidFill>
+                  <a:srgbClr val="000000"/>
+                </a:solidFill>
+                <a:latin typeface="Bookman Old Style" panose="02050604050505020204" pitchFamily="18" charset="0"/>
+              </a:rPr>
+              <a:t>хелперов</a:t>
+            </a:r>
+            <a:r>
+              <a:rPr lang="ru-RU" sz="2400" dirty="0" smtClean="0">
+                <a:solidFill>
+                  <a:srgbClr val="000000"/>
+                </a:solidFill>
+                <a:latin typeface="Bookman Old Style" panose="02050604050505020204" pitchFamily="18" charset="0"/>
+              </a:rPr>
+              <a:t>:</a:t>
+            </a:r>
+          </a:p>
+          <a:p>
+            <a:pPr algn="just">
+              <a:lnSpc>
+                <a:spcPct val="150000"/>
+              </a:lnSpc>
+            </a:pPr>
+            <a:endParaRPr lang="ru-RU" sz="2400" b="1" dirty="0" smtClean="0">
+              <a:solidFill>
+                <a:srgbClr val="000000"/>
+              </a:solidFill>
+              <a:latin typeface="Bookman Old Style" panose="02050604050505020204" pitchFamily="18" charset="0"/>
+            </a:endParaRPr>
+          </a:p>
+          <a:p>
+            <a:r>
+              <a:rPr lang="en-US" sz="2400" dirty="0">
+                <a:latin typeface="Consolas" panose="020B0609020204030204" pitchFamily="49" charset="0"/>
+              </a:rPr>
+              <a:t>@</a:t>
+            </a:r>
+            <a:r>
+              <a:rPr lang="en-US" sz="2400" dirty="0" err="1">
+                <a:latin typeface="Consolas" panose="020B0609020204030204" pitchFamily="49" charset="0"/>
+              </a:rPr>
+              <a:t>addTagHelper</a:t>
+            </a:r>
+            <a:r>
+              <a:rPr lang="en-US" sz="2400" dirty="0">
+                <a:latin typeface="Consolas" panose="020B0609020204030204" pitchFamily="49" charset="0"/>
+              </a:rPr>
+              <a:t> *, </a:t>
+            </a:r>
+            <a:r>
+              <a:rPr lang="en-US" sz="2400" dirty="0" err="1" smtClean="0">
+                <a:latin typeface="Consolas" panose="020B0609020204030204" pitchFamily="49" charset="0"/>
+              </a:rPr>
+              <a:t>Microsoft.AspNetCore.Mvc.TagHelpers</a:t>
+            </a:r>
+            <a:endParaRPr lang="ru-RU" sz="2400" dirty="0">
+              <a:latin typeface="Consolas" panose="020B0609020204030204" pitchFamily="49" charset="0"/>
+            </a:endParaRPr>
+          </a:p>
+          <a:p>
+            <a:endParaRPr lang="ru-RU" sz="2400" dirty="0" smtClean="0">
+              <a:solidFill>
+                <a:srgbClr val="3B3B3B"/>
+              </a:solidFill>
+              <a:latin typeface="Consolas" panose="020B0609020204030204" pitchFamily="49" charset="0"/>
+            </a:endParaRPr>
+          </a:p>
+          <a:p>
+            <a:pPr algn="just">
+              <a:lnSpc>
+                <a:spcPct val="150000"/>
+              </a:lnSpc>
+            </a:pPr>
+            <a:r>
+              <a:rPr lang="ru-RU" sz="2400" dirty="0">
+                <a:latin typeface="Bookman Old Style" panose="02050604050505020204" pitchFamily="18" charset="0"/>
+              </a:rPr>
+              <a:t>После этого из представления </a:t>
+            </a:r>
+            <a:r>
+              <a:rPr lang="ru-RU" sz="2400" dirty="0" err="1">
+                <a:latin typeface="Bookman Old Style" panose="02050604050505020204" pitchFamily="18" charset="0"/>
+              </a:rPr>
+              <a:t>Index.cshtml</a:t>
+            </a:r>
+            <a:r>
+              <a:rPr lang="ru-RU" sz="2400" dirty="0">
+                <a:latin typeface="Bookman Old Style" panose="02050604050505020204" pitchFamily="18" charset="0"/>
+              </a:rPr>
+              <a:t> можно удалить подключение </a:t>
+            </a:r>
+            <a:r>
+              <a:rPr lang="ru-RU" sz="2400" dirty="0" err="1">
+                <a:latin typeface="Bookman Old Style" panose="02050604050505020204" pitchFamily="18" charset="0"/>
+              </a:rPr>
+              <a:t>tag</a:t>
+            </a:r>
+            <a:r>
+              <a:rPr lang="ru-RU" sz="2400" dirty="0">
+                <a:latin typeface="Bookman Old Style" panose="02050604050505020204" pitchFamily="18" charset="0"/>
+              </a:rPr>
+              <a:t>-хелперов и оставить только создание ссылки</a:t>
+            </a:r>
+            <a:endParaRPr lang="en-US" sz="2400" dirty="0">
+              <a:latin typeface="Bookman Old Style" panose="02050604050505020204" pitchFamily="18" charset="0"/>
+            </a:endParaRPr>
+          </a:p>
+        </p:txBody>
+      </p:sp>
+      <p:pic>
+        <p:nvPicPr>
+          <p:cNvPr id="2" name="Рисунок 1"/>
+          <p:cNvPicPr>
+            <a:picLocks noChangeAspect="1"/>
+          </p:cNvPicPr>
+          <p:nvPr/>
+        </p:nvPicPr>
+        <p:blipFill>
+          <a:blip r:embed="rId3">
+            <a:extLst>
+              <a:ext uri="{28A0092B-C50C-407E-A947-70E740481C1C}">
+                <a14:useLocalDpi xmlns:a14="http://schemas.microsoft.com/office/drawing/2010/main" val="0"/>
+              </a:ext>
+            </a:extLst>
+          </a:blip>
+          <a:stretch>
+            <a:fillRect/>
+          </a:stretch>
+        </p:blipFill>
+        <p:spPr>
+          <a:xfrm>
+            <a:off x="7624119" y="1054679"/>
+            <a:ext cx="4567881" cy="5803322"/>
+          </a:xfrm>
+          <a:prstGeom prst="rect">
+            <a:avLst/>
+          </a:prstGeom>
+        </p:spPr>
+      </p:pic>
+    </p:spTree>
+    <p:extLst>
+      <p:ext uri="{BB962C8B-B14F-4D97-AF65-F5344CB8AC3E}">
+        <p14:creationId xmlns:p14="http://schemas.microsoft.com/office/powerpoint/2010/main" val="2014557366"/>
+      </p:ext>
+    </p:extLst>
+  </p:cSld>
+  <p:clrMapOvr>
+    <a:masterClrMapping/>
+  </p:clrMapOvr>
+  <p:timing>
+    <p:tnLst>
+      <p:par>
+        <p:cTn id="1" dur="indefinite" restart="never" nodeType="tmRoot"/>
+      </p:par>
+    </p:tnLst>
+  </p:timing>
+</p:sld>
+</file>
+
+<file path=ppt/slides/slide39.xml><?xml version="1.0" encoding="utf-8"?>
+<p:sld xmlns:a="http://schemas.openxmlformats.org/drawingml/2006/main" xmlns:r="http://schemas.openxmlformats.org/officeDocument/2006/relationships" xmlns:p="http://schemas.openxmlformats.org/presentationml/2006/main">
+  <p:cSld>
+    <p:spTree>
+      <p:nvGrpSpPr>
+        <p:cNvPr id="1" name=""/>
+        <p:cNvGrpSpPr/>
+        <p:nvPr/>
+      </p:nvGrpSpPr>
+      <p:grpSpPr>
+        <a:xfrm>
+          <a:off x="0" y="0"/>
+          <a:ext cx="0" cy="0"/>
+          <a:chOff x="0" y="0"/>
+          <a:chExt cx="0" cy="0"/>
+        </a:xfrm>
+      </p:grpSpPr>
+      <p:sp>
+        <p:nvSpPr>
+          <p:cNvPr id="7" name="Прямоугольник 6"/>
+          <p:cNvSpPr/>
+          <p:nvPr/>
+        </p:nvSpPr>
+        <p:spPr>
+          <a:xfrm>
+            <a:off x="271158" y="284205"/>
+            <a:ext cx="11541901" cy="2862322"/>
+          </a:xfrm>
+          <a:prstGeom prst="rect">
+            <a:avLst/>
+          </a:prstGeom>
+        </p:spPr>
+        <p:txBody>
+          <a:bodyPr wrap="square">
+            <a:spAutoFit/>
+          </a:bodyPr>
+          <a:lstStyle/>
+          <a:p>
+            <a:pPr algn="just">
+              <a:lnSpc>
+                <a:spcPct val="150000"/>
+              </a:lnSpc>
+            </a:pPr>
+            <a:r>
+              <a:rPr lang="en-US" sz="2400" b="1" dirty="0">
+                <a:solidFill>
+                  <a:srgbClr val="000000"/>
+                </a:solidFill>
+                <a:latin typeface="Bookman Old Style" panose="02050604050505020204" pitchFamily="18" charset="0"/>
+              </a:rPr>
+              <a:t>Tag-</a:t>
+            </a:r>
+            <a:r>
+              <a:rPr lang="ru-RU" sz="2400" b="1" dirty="0">
+                <a:solidFill>
+                  <a:srgbClr val="000000"/>
+                </a:solidFill>
+                <a:latin typeface="Bookman Old Style" panose="02050604050505020204" pitchFamily="18" charset="0"/>
+              </a:rPr>
+              <a:t>хелперы </a:t>
+            </a:r>
+            <a:r>
+              <a:rPr lang="ru-RU" sz="2400" b="1" dirty="0" smtClean="0">
+                <a:solidFill>
+                  <a:srgbClr val="000000"/>
+                </a:solidFill>
+                <a:latin typeface="Bookman Old Style" panose="02050604050505020204" pitchFamily="18" charset="0"/>
+              </a:rPr>
+              <a:t>форм</a:t>
+            </a:r>
+            <a:endParaRPr lang="ru-RU" sz="2400" dirty="0">
+              <a:solidFill>
+                <a:srgbClr val="000000"/>
+              </a:solidFill>
+              <a:latin typeface="Bookman Old Style" panose="02050604050505020204" pitchFamily="18" charset="0"/>
+            </a:endParaRPr>
+          </a:p>
+          <a:p>
+            <a:pPr algn="just">
+              <a:lnSpc>
+                <a:spcPct val="150000"/>
+              </a:lnSpc>
+            </a:pPr>
+            <a:r>
+              <a:rPr lang="ru-RU" sz="2400" dirty="0">
+                <a:latin typeface="Bookman Old Style" panose="02050604050505020204" pitchFamily="18" charset="0"/>
+              </a:rPr>
+              <a:t>Рассмотрим применение хелперов на примере следующих моделей</a:t>
+            </a:r>
+            <a:r>
+              <a:rPr lang="ru-RU" sz="2400" dirty="0" smtClean="0">
+                <a:latin typeface="Bookman Old Style" panose="02050604050505020204" pitchFamily="18" charset="0"/>
+              </a:rPr>
+              <a:t>:</a:t>
+            </a:r>
+          </a:p>
+          <a:p>
+            <a:pPr algn="just">
+              <a:lnSpc>
+                <a:spcPct val="150000"/>
+              </a:lnSpc>
+            </a:pPr>
+            <a:endParaRPr lang="ru-RU" sz="2400" dirty="0">
+              <a:latin typeface="Bookman Old Style" panose="02050604050505020204" pitchFamily="18" charset="0"/>
+            </a:endParaRPr>
+          </a:p>
+          <a:p>
+            <a:r>
+              <a:rPr lang="en-US" sz="2400" dirty="0">
+                <a:solidFill>
+                  <a:srgbClr val="0000FF"/>
+                </a:solidFill>
+                <a:latin typeface="Consolas" panose="020B0609020204030204" pitchFamily="49" charset="0"/>
+              </a:rPr>
+              <a:t>public</a:t>
+            </a:r>
+            <a:r>
+              <a:rPr lang="en-US" sz="2400" dirty="0">
+                <a:solidFill>
+                  <a:srgbClr val="3B3B3B"/>
+                </a:solidFill>
+                <a:latin typeface="Consolas" panose="020B0609020204030204" pitchFamily="49" charset="0"/>
+              </a:rPr>
+              <a:t> </a:t>
+            </a:r>
+            <a:r>
+              <a:rPr lang="en-US" sz="2400" dirty="0">
+                <a:solidFill>
+                  <a:srgbClr val="0000FF"/>
+                </a:solidFill>
+                <a:latin typeface="Consolas" panose="020B0609020204030204" pitchFamily="49" charset="0"/>
+              </a:rPr>
+              <a:t>record</a:t>
+            </a:r>
+            <a:r>
+              <a:rPr lang="en-US" sz="2400" dirty="0">
+                <a:solidFill>
+                  <a:srgbClr val="3B3B3B"/>
+                </a:solidFill>
+                <a:latin typeface="Consolas" panose="020B0609020204030204" pitchFamily="49" charset="0"/>
+              </a:rPr>
+              <a:t> </a:t>
+            </a:r>
+            <a:r>
+              <a:rPr lang="en-US" sz="2400" dirty="0">
+                <a:solidFill>
+                  <a:srgbClr val="0000FF"/>
+                </a:solidFill>
+                <a:latin typeface="Consolas" panose="020B0609020204030204" pitchFamily="49" charset="0"/>
+              </a:rPr>
+              <a:t>class</a:t>
+            </a:r>
+            <a:r>
+              <a:rPr lang="en-US" sz="2400" dirty="0">
+                <a:solidFill>
+                  <a:srgbClr val="3B3B3B"/>
+                </a:solidFill>
+                <a:latin typeface="Consolas" panose="020B0609020204030204" pitchFamily="49" charset="0"/>
+              </a:rPr>
+              <a:t> </a:t>
+            </a:r>
+            <a:r>
+              <a:rPr lang="en-US" sz="2400" dirty="0">
+                <a:solidFill>
+                  <a:srgbClr val="267F99"/>
+                </a:solidFill>
+                <a:latin typeface="Consolas" panose="020B0609020204030204" pitchFamily="49" charset="0"/>
+              </a:rPr>
+              <a:t>Product</a:t>
+            </a:r>
+            <a:r>
+              <a:rPr lang="en-US" sz="2400" dirty="0">
+                <a:solidFill>
+                  <a:srgbClr val="3B3B3B"/>
+                </a:solidFill>
+                <a:latin typeface="Consolas" panose="020B0609020204030204" pitchFamily="49" charset="0"/>
+              </a:rPr>
+              <a:t>(</a:t>
+            </a:r>
+            <a:r>
+              <a:rPr lang="en-US" sz="2400" dirty="0">
+                <a:solidFill>
+                  <a:srgbClr val="0000FF"/>
+                </a:solidFill>
+                <a:latin typeface="Consolas" panose="020B0609020204030204" pitchFamily="49" charset="0"/>
+              </a:rPr>
+              <a:t>string</a:t>
+            </a:r>
+            <a:r>
+              <a:rPr lang="en-US" sz="2400" dirty="0">
+                <a:solidFill>
+                  <a:srgbClr val="3B3B3B"/>
+                </a:solidFill>
+                <a:latin typeface="Consolas" panose="020B0609020204030204" pitchFamily="49" charset="0"/>
+              </a:rPr>
+              <a:t> </a:t>
+            </a:r>
+            <a:r>
+              <a:rPr lang="en-US" sz="2400" dirty="0">
+                <a:solidFill>
+                  <a:srgbClr val="001080"/>
+                </a:solidFill>
+                <a:latin typeface="Consolas" panose="020B0609020204030204" pitchFamily="49" charset="0"/>
+              </a:rPr>
+              <a:t>Name</a:t>
+            </a:r>
+            <a:r>
+              <a:rPr lang="en-US" sz="2400" dirty="0">
+                <a:solidFill>
+                  <a:srgbClr val="3B3B3B"/>
+                </a:solidFill>
+                <a:latin typeface="Consolas" panose="020B0609020204030204" pitchFamily="49" charset="0"/>
+              </a:rPr>
+              <a:t>, </a:t>
+            </a:r>
+            <a:r>
+              <a:rPr lang="en-US" sz="2400" dirty="0" err="1">
+                <a:solidFill>
+                  <a:srgbClr val="0000FF"/>
+                </a:solidFill>
+                <a:latin typeface="Consolas" panose="020B0609020204030204" pitchFamily="49" charset="0"/>
+              </a:rPr>
+              <a:t>int</a:t>
+            </a:r>
+            <a:r>
+              <a:rPr lang="en-US" sz="2400" dirty="0">
+                <a:solidFill>
+                  <a:srgbClr val="3B3B3B"/>
+                </a:solidFill>
+                <a:latin typeface="Consolas" panose="020B0609020204030204" pitchFamily="49" charset="0"/>
+              </a:rPr>
+              <a:t> </a:t>
+            </a:r>
+            <a:r>
+              <a:rPr lang="en-US" sz="2400" dirty="0">
+                <a:solidFill>
+                  <a:srgbClr val="001080"/>
+                </a:solidFill>
+                <a:latin typeface="Consolas" panose="020B0609020204030204" pitchFamily="49" charset="0"/>
+              </a:rPr>
+              <a:t>Price</a:t>
+            </a:r>
+            <a:r>
+              <a:rPr lang="en-US" sz="2400" dirty="0">
+                <a:solidFill>
+                  <a:srgbClr val="3B3B3B"/>
+                </a:solidFill>
+                <a:latin typeface="Consolas" panose="020B0609020204030204" pitchFamily="49" charset="0"/>
+              </a:rPr>
+              <a:t>, </a:t>
+            </a:r>
+            <a:r>
+              <a:rPr lang="en-US" sz="2400" dirty="0" err="1">
+                <a:solidFill>
+                  <a:srgbClr val="0000FF"/>
+                </a:solidFill>
+                <a:latin typeface="Consolas" panose="020B0609020204030204" pitchFamily="49" charset="0"/>
+              </a:rPr>
+              <a:t>int</a:t>
+            </a:r>
+            <a:r>
+              <a:rPr lang="en-US" sz="2400" dirty="0">
+                <a:solidFill>
+                  <a:srgbClr val="3B3B3B"/>
+                </a:solidFill>
+                <a:latin typeface="Consolas" panose="020B0609020204030204" pitchFamily="49" charset="0"/>
+              </a:rPr>
+              <a:t> </a:t>
+            </a:r>
+            <a:r>
+              <a:rPr lang="en-US" sz="2400" dirty="0" err="1">
+                <a:solidFill>
+                  <a:srgbClr val="001080"/>
+                </a:solidFill>
+                <a:latin typeface="Consolas" panose="020B0609020204030204" pitchFamily="49" charset="0"/>
+              </a:rPr>
+              <a:t>CompanyId</a:t>
+            </a:r>
+            <a:r>
+              <a:rPr lang="en-US" sz="2400" dirty="0">
+                <a:solidFill>
+                  <a:srgbClr val="3B3B3B"/>
+                </a:solidFill>
+                <a:latin typeface="Consolas" panose="020B0609020204030204" pitchFamily="49" charset="0"/>
+              </a:rPr>
+              <a:t>);</a:t>
+            </a:r>
+          </a:p>
+          <a:p>
+            <a:r>
+              <a:rPr lang="en-US" sz="2400" dirty="0">
+                <a:solidFill>
+                  <a:srgbClr val="3B3B3B"/>
+                </a:solidFill>
+                <a:latin typeface="Consolas" panose="020B0609020204030204" pitchFamily="49" charset="0"/>
+              </a:rPr>
+              <a:t> </a:t>
+            </a:r>
+          </a:p>
+          <a:p>
+            <a:r>
+              <a:rPr lang="en-US" sz="2400" dirty="0">
+                <a:solidFill>
+                  <a:srgbClr val="0000FF"/>
+                </a:solidFill>
+                <a:latin typeface="Consolas" panose="020B0609020204030204" pitchFamily="49" charset="0"/>
+              </a:rPr>
+              <a:t>public</a:t>
+            </a:r>
+            <a:r>
+              <a:rPr lang="en-US" sz="2400" dirty="0">
+                <a:solidFill>
+                  <a:srgbClr val="3B3B3B"/>
+                </a:solidFill>
+                <a:latin typeface="Consolas" panose="020B0609020204030204" pitchFamily="49" charset="0"/>
+              </a:rPr>
+              <a:t> </a:t>
+            </a:r>
+            <a:r>
+              <a:rPr lang="en-US" sz="2400" dirty="0">
+                <a:solidFill>
+                  <a:srgbClr val="0000FF"/>
+                </a:solidFill>
+                <a:latin typeface="Consolas" panose="020B0609020204030204" pitchFamily="49" charset="0"/>
+              </a:rPr>
+              <a:t>record</a:t>
+            </a:r>
+            <a:r>
+              <a:rPr lang="en-US" sz="2400" dirty="0">
+                <a:solidFill>
+                  <a:srgbClr val="3B3B3B"/>
+                </a:solidFill>
+                <a:latin typeface="Consolas" panose="020B0609020204030204" pitchFamily="49" charset="0"/>
+              </a:rPr>
+              <a:t> </a:t>
+            </a:r>
+            <a:r>
+              <a:rPr lang="en-US" sz="2400" dirty="0">
+                <a:solidFill>
+                  <a:srgbClr val="0000FF"/>
+                </a:solidFill>
+                <a:latin typeface="Consolas" panose="020B0609020204030204" pitchFamily="49" charset="0"/>
+              </a:rPr>
+              <a:t>class</a:t>
+            </a:r>
+            <a:r>
+              <a:rPr lang="en-US" sz="2400" dirty="0">
+                <a:solidFill>
+                  <a:srgbClr val="3B3B3B"/>
+                </a:solidFill>
+                <a:latin typeface="Consolas" panose="020B0609020204030204" pitchFamily="49" charset="0"/>
+              </a:rPr>
+              <a:t> </a:t>
+            </a:r>
+            <a:r>
+              <a:rPr lang="en-US" sz="2400" dirty="0">
+                <a:solidFill>
+                  <a:srgbClr val="267F99"/>
+                </a:solidFill>
+                <a:latin typeface="Consolas" panose="020B0609020204030204" pitchFamily="49" charset="0"/>
+              </a:rPr>
+              <a:t>Company</a:t>
+            </a:r>
+            <a:r>
+              <a:rPr lang="en-US" sz="2400" dirty="0">
+                <a:solidFill>
+                  <a:srgbClr val="3B3B3B"/>
+                </a:solidFill>
+                <a:latin typeface="Consolas" panose="020B0609020204030204" pitchFamily="49" charset="0"/>
+              </a:rPr>
+              <a:t>(</a:t>
+            </a:r>
+            <a:r>
+              <a:rPr lang="en-US" sz="2400" dirty="0" err="1">
+                <a:solidFill>
+                  <a:srgbClr val="0000FF"/>
+                </a:solidFill>
+                <a:latin typeface="Consolas" panose="020B0609020204030204" pitchFamily="49" charset="0"/>
+              </a:rPr>
+              <a:t>int</a:t>
+            </a:r>
+            <a:r>
+              <a:rPr lang="en-US" sz="2400" dirty="0">
+                <a:solidFill>
+                  <a:srgbClr val="3B3B3B"/>
+                </a:solidFill>
+                <a:latin typeface="Consolas" panose="020B0609020204030204" pitchFamily="49" charset="0"/>
+              </a:rPr>
+              <a:t> </a:t>
+            </a:r>
+            <a:r>
+              <a:rPr lang="en-US" sz="2400" dirty="0">
+                <a:solidFill>
+                  <a:srgbClr val="001080"/>
+                </a:solidFill>
+                <a:latin typeface="Consolas" panose="020B0609020204030204" pitchFamily="49" charset="0"/>
+              </a:rPr>
+              <a:t>Id</a:t>
+            </a:r>
+            <a:r>
+              <a:rPr lang="en-US" sz="2400" dirty="0">
+                <a:solidFill>
+                  <a:srgbClr val="3B3B3B"/>
+                </a:solidFill>
+                <a:latin typeface="Consolas" panose="020B0609020204030204" pitchFamily="49" charset="0"/>
+              </a:rPr>
+              <a:t>, </a:t>
+            </a:r>
+            <a:r>
+              <a:rPr lang="en-US" sz="2400" dirty="0">
+                <a:solidFill>
+                  <a:srgbClr val="0000FF"/>
+                </a:solidFill>
+                <a:latin typeface="Consolas" panose="020B0609020204030204" pitchFamily="49" charset="0"/>
+              </a:rPr>
+              <a:t>string</a:t>
+            </a:r>
+            <a:r>
+              <a:rPr lang="en-US" sz="2400" dirty="0">
+                <a:solidFill>
+                  <a:srgbClr val="3B3B3B"/>
+                </a:solidFill>
+                <a:latin typeface="Consolas" panose="020B0609020204030204" pitchFamily="49" charset="0"/>
+              </a:rPr>
+              <a:t> </a:t>
+            </a:r>
+            <a:r>
+              <a:rPr lang="en-US" sz="2400" dirty="0">
+                <a:solidFill>
+                  <a:srgbClr val="001080"/>
+                </a:solidFill>
+                <a:latin typeface="Consolas" panose="020B0609020204030204" pitchFamily="49" charset="0"/>
+              </a:rPr>
+              <a:t>Name</a:t>
+            </a:r>
+            <a:r>
+              <a:rPr lang="en-US" sz="2400" dirty="0" smtClean="0">
+                <a:solidFill>
+                  <a:srgbClr val="3B3B3B"/>
+                </a:solidFill>
+                <a:latin typeface="Consolas" panose="020B0609020204030204" pitchFamily="49" charset="0"/>
+              </a:rPr>
+              <a:t>);</a:t>
+            </a:r>
+            <a:endParaRPr lang="ru-RU" sz="2400" dirty="0" smtClean="0">
+              <a:solidFill>
+                <a:srgbClr val="3B3B3B"/>
+              </a:solidFill>
+              <a:latin typeface="Consolas" panose="020B0609020204030204" pitchFamily="49" charset="0"/>
+            </a:endParaRPr>
+          </a:p>
+        </p:txBody>
+      </p:sp>
+    </p:spTree>
+    <p:extLst>
+      <p:ext uri="{BB962C8B-B14F-4D97-AF65-F5344CB8AC3E}">
+        <p14:creationId xmlns:p14="http://schemas.microsoft.com/office/powerpoint/2010/main" val="1276610266"/>
+      </p:ext>
+    </p:extLst>
+  </p:cSld>
+  <p:clrMapOvr>
+    <a:masterClrMapping/>
+  </p:clrMapOvr>
+  <p:timing>
+    <p:tnLst>
+      <p:par>
+        <p:cTn id="1" dur="indefinite" restart="never" nodeType="tmRoot"/>
+      </p:par>
+    </p:tnLst>
+  </p:timing>
+</p:sld>
+</file>
+
 <file path=ppt/slides/slide4.xml><?xml version="1.0" encoding="utf-8"?>
 <p:sld xmlns:a="http://schemas.openxmlformats.org/drawingml/2006/main" xmlns:r="http://schemas.openxmlformats.org/officeDocument/2006/relationships" xmlns:p="http://schemas.openxmlformats.org/presentationml/2006/main">
   <p:cSld>
@@ -15970,6 +19821,3242 @@
     <p:extLst>
       <p:ext uri="{BB962C8B-B14F-4D97-AF65-F5344CB8AC3E}">
         <p14:creationId xmlns:p14="http://schemas.microsoft.com/office/powerpoint/2010/main" val="236742161"/>
+      </p:ext>
+    </p:extLst>
+  </p:cSld>
+  <p:clrMapOvr>
+    <a:masterClrMapping/>
+  </p:clrMapOvr>
+  <p:timing>
+    <p:tnLst>
+      <p:par>
+        <p:cTn id="1" dur="indefinite" restart="never" nodeType="tmRoot"/>
+      </p:par>
+    </p:tnLst>
+  </p:timing>
+</p:sld>
+</file>
+
+<file path=ppt/slides/slide40.xml><?xml version="1.0" encoding="utf-8"?>
+<p:sld xmlns:a="http://schemas.openxmlformats.org/drawingml/2006/main" xmlns:r="http://schemas.openxmlformats.org/officeDocument/2006/relationships" xmlns:p="http://schemas.openxmlformats.org/presentationml/2006/main">
+  <p:cSld>
+    <p:spTree>
+      <p:nvGrpSpPr>
+        <p:cNvPr id="1" name=""/>
+        <p:cNvGrpSpPr/>
+        <p:nvPr/>
+      </p:nvGrpSpPr>
+      <p:grpSpPr>
+        <a:xfrm>
+          <a:off x="0" y="0"/>
+          <a:ext cx="0" cy="0"/>
+          <a:chOff x="0" y="0"/>
+          <a:chExt cx="0" cy="0"/>
+        </a:xfrm>
+      </p:grpSpPr>
+      <p:sp>
+        <p:nvSpPr>
+          <p:cNvPr id="7" name="Прямоугольник 6"/>
+          <p:cNvSpPr/>
+          <p:nvPr/>
+        </p:nvSpPr>
+        <p:spPr>
+          <a:xfrm>
+            <a:off x="271158" y="98854"/>
+            <a:ext cx="11541901" cy="7109639"/>
+          </a:xfrm>
+          <a:prstGeom prst="rect">
+            <a:avLst/>
+          </a:prstGeom>
+        </p:spPr>
+        <p:txBody>
+          <a:bodyPr wrap="square">
+            <a:spAutoFit/>
+          </a:bodyPr>
+          <a:lstStyle/>
+          <a:p>
+            <a:pPr algn="just">
+              <a:lnSpc>
+                <a:spcPct val="150000"/>
+              </a:lnSpc>
+            </a:pPr>
+            <a:r>
+              <a:rPr lang="ru-RU" sz="2400" dirty="0">
+                <a:solidFill>
+                  <a:srgbClr val="000000"/>
+                </a:solidFill>
+                <a:latin typeface="Bookman Old Style" panose="02050604050505020204" pitchFamily="18" charset="0"/>
+              </a:rPr>
+              <a:t>И допустим в контроллере определено действие </a:t>
+            </a:r>
+            <a:r>
+              <a:rPr lang="en-US" sz="2400" dirty="0" smtClean="0">
+                <a:solidFill>
+                  <a:srgbClr val="000000"/>
+                </a:solidFill>
+                <a:latin typeface="Bookman Old Style" panose="02050604050505020204" pitchFamily="18" charset="0"/>
+              </a:rPr>
+              <a:t>Create</a:t>
+            </a:r>
+            <a:r>
+              <a:rPr lang="ru-RU" sz="2400" dirty="0" smtClean="0">
+                <a:solidFill>
+                  <a:srgbClr val="000000"/>
+                </a:solidFill>
+                <a:latin typeface="Bookman Old Style" panose="02050604050505020204" pitchFamily="18" charset="0"/>
+              </a:rPr>
+              <a:t> </a:t>
+            </a:r>
+            <a:r>
+              <a:rPr lang="ru-RU" sz="2400" dirty="0">
+                <a:solidFill>
+                  <a:srgbClr val="000000"/>
+                </a:solidFill>
+                <a:latin typeface="Bookman Old Style" panose="02050604050505020204" pitchFamily="18" charset="0"/>
+              </a:rPr>
+              <a:t>для создания нового объекта </a:t>
+            </a:r>
+            <a:r>
+              <a:rPr lang="en-US" sz="2400" dirty="0" smtClean="0">
+                <a:solidFill>
+                  <a:srgbClr val="000000"/>
+                </a:solidFill>
+                <a:latin typeface="Bookman Old Style" panose="02050604050505020204" pitchFamily="18" charset="0"/>
+              </a:rPr>
+              <a:t>Product</a:t>
+            </a:r>
+            <a:r>
+              <a:rPr lang="ru-RU" sz="2400" dirty="0" smtClean="0">
+                <a:solidFill>
+                  <a:srgbClr val="000000"/>
+                </a:solidFill>
+                <a:latin typeface="Bookman Old Style" panose="02050604050505020204" pitchFamily="18" charset="0"/>
+              </a:rPr>
+              <a:t>:</a:t>
+            </a:r>
+            <a:endParaRPr lang="en-US" sz="2400" dirty="0">
+              <a:solidFill>
+                <a:srgbClr val="000000"/>
+              </a:solidFill>
+              <a:latin typeface="Bookman Old Style" panose="02050604050505020204" pitchFamily="18" charset="0"/>
+            </a:endParaRPr>
+          </a:p>
+          <a:p>
+            <a:r>
+              <a:rPr lang="en-US" sz="2400" dirty="0">
+                <a:solidFill>
+                  <a:srgbClr val="0000FF"/>
+                </a:solidFill>
+                <a:latin typeface="Consolas" panose="020B0609020204030204" pitchFamily="49" charset="0"/>
+              </a:rPr>
+              <a:t>public</a:t>
+            </a:r>
+            <a:r>
+              <a:rPr lang="en-US" sz="2400" dirty="0">
+                <a:solidFill>
+                  <a:srgbClr val="3B3B3B"/>
+                </a:solidFill>
+                <a:latin typeface="Consolas" panose="020B0609020204030204" pitchFamily="49" charset="0"/>
+              </a:rPr>
+              <a:t> </a:t>
+            </a:r>
+            <a:r>
+              <a:rPr lang="en-US" sz="2400" dirty="0">
+                <a:solidFill>
+                  <a:srgbClr val="0000FF"/>
+                </a:solidFill>
+                <a:latin typeface="Consolas" panose="020B0609020204030204" pitchFamily="49" charset="0"/>
+              </a:rPr>
+              <a:t>class</a:t>
+            </a:r>
+            <a:r>
+              <a:rPr lang="en-US" sz="2400" dirty="0">
+                <a:solidFill>
+                  <a:srgbClr val="3B3B3B"/>
+                </a:solidFill>
+                <a:latin typeface="Consolas" panose="020B0609020204030204" pitchFamily="49" charset="0"/>
+              </a:rPr>
+              <a:t> </a:t>
+            </a:r>
+            <a:r>
+              <a:rPr lang="en-US" sz="2400" dirty="0" err="1">
+                <a:solidFill>
+                  <a:srgbClr val="267F99"/>
+                </a:solidFill>
+                <a:latin typeface="Consolas" panose="020B0609020204030204" pitchFamily="49" charset="0"/>
+              </a:rPr>
+              <a:t>HomeController</a:t>
+            </a:r>
+            <a:r>
+              <a:rPr lang="en-US" sz="2400" dirty="0">
+                <a:solidFill>
+                  <a:srgbClr val="3B3B3B"/>
+                </a:solidFill>
+                <a:latin typeface="Consolas" panose="020B0609020204030204" pitchFamily="49" charset="0"/>
+              </a:rPr>
+              <a:t> : </a:t>
+            </a:r>
+            <a:r>
+              <a:rPr lang="en-US" sz="2400" dirty="0">
+                <a:solidFill>
+                  <a:srgbClr val="001080"/>
+                </a:solidFill>
+                <a:latin typeface="Consolas" panose="020B0609020204030204" pitchFamily="49" charset="0"/>
+              </a:rPr>
+              <a:t>Controller</a:t>
+            </a:r>
+            <a:endParaRPr lang="en-US" sz="2400" dirty="0">
+              <a:solidFill>
+                <a:srgbClr val="3B3B3B"/>
+              </a:solidFill>
+              <a:latin typeface="Consolas" panose="020B0609020204030204" pitchFamily="49" charset="0"/>
+            </a:endParaRPr>
+          </a:p>
+          <a:p>
+            <a:r>
+              <a:rPr lang="en-US" sz="2400" dirty="0">
+                <a:solidFill>
+                  <a:srgbClr val="3B3B3B"/>
+                </a:solidFill>
+                <a:latin typeface="Consolas" panose="020B0609020204030204" pitchFamily="49" charset="0"/>
+              </a:rPr>
+              <a:t>{</a:t>
+            </a:r>
+          </a:p>
+          <a:p>
+            <a:r>
+              <a:rPr lang="en-US" sz="2400" dirty="0">
+                <a:solidFill>
+                  <a:srgbClr val="3B3B3B"/>
+                </a:solidFill>
+                <a:latin typeface="Consolas" panose="020B0609020204030204" pitchFamily="49" charset="0"/>
+              </a:rPr>
+              <a:t>    </a:t>
+            </a:r>
+            <a:r>
+              <a:rPr lang="en-US" sz="2400" dirty="0" err="1">
+                <a:solidFill>
+                  <a:srgbClr val="001080"/>
+                </a:solidFill>
+                <a:latin typeface="Consolas" panose="020B0609020204030204" pitchFamily="49" charset="0"/>
+              </a:rPr>
+              <a:t>IEnumerable</a:t>
+            </a:r>
+            <a:r>
+              <a:rPr lang="en-US" sz="2400" dirty="0">
+                <a:solidFill>
+                  <a:srgbClr val="3B3B3B"/>
+                </a:solidFill>
+                <a:latin typeface="Consolas" panose="020B0609020204030204" pitchFamily="49" charset="0"/>
+              </a:rPr>
+              <a:t>&lt;</a:t>
+            </a:r>
+            <a:r>
+              <a:rPr lang="en-US" sz="2400" dirty="0">
+                <a:solidFill>
+                  <a:srgbClr val="001080"/>
+                </a:solidFill>
+                <a:latin typeface="Consolas" panose="020B0609020204030204" pitchFamily="49" charset="0"/>
+              </a:rPr>
+              <a:t>Company</a:t>
+            </a:r>
+            <a:r>
+              <a:rPr lang="en-US" sz="2400" dirty="0">
+                <a:solidFill>
+                  <a:srgbClr val="3B3B3B"/>
+                </a:solidFill>
+                <a:latin typeface="Consolas" panose="020B0609020204030204" pitchFamily="49" charset="0"/>
+              </a:rPr>
+              <a:t>&gt; </a:t>
+            </a:r>
+            <a:r>
+              <a:rPr lang="en-US" sz="2400" dirty="0">
+                <a:solidFill>
+                  <a:srgbClr val="001080"/>
+                </a:solidFill>
+                <a:latin typeface="Consolas" panose="020B0609020204030204" pitchFamily="49" charset="0"/>
+              </a:rPr>
+              <a:t>companies</a:t>
+            </a:r>
+            <a:r>
+              <a:rPr lang="en-US" sz="2400" dirty="0">
+                <a:solidFill>
+                  <a:srgbClr val="3B3B3B"/>
+                </a:solidFill>
+                <a:latin typeface="Consolas" panose="020B0609020204030204" pitchFamily="49" charset="0"/>
+              </a:rPr>
+              <a:t> </a:t>
+            </a:r>
+            <a:r>
+              <a:rPr lang="en-US" sz="2400" dirty="0">
+                <a:solidFill>
+                  <a:srgbClr val="000000"/>
+                </a:solidFill>
+                <a:latin typeface="Consolas" panose="020B0609020204030204" pitchFamily="49" charset="0"/>
+              </a:rPr>
+              <a:t>=</a:t>
+            </a:r>
+            <a:r>
+              <a:rPr lang="en-US" sz="2400" dirty="0">
+                <a:solidFill>
+                  <a:srgbClr val="3B3B3B"/>
+                </a:solidFill>
+                <a:latin typeface="Consolas" panose="020B0609020204030204" pitchFamily="49" charset="0"/>
+              </a:rPr>
+              <a:t> </a:t>
+            </a:r>
+            <a:r>
+              <a:rPr lang="en-US" sz="2400" dirty="0">
+                <a:solidFill>
+                  <a:srgbClr val="0000FF"/>
+                </a:solidFill>
+                <a:latin typeface="Consolas" panose="020B0609020204030204" pitchFamily="49" charset="0"/>
+              </a:rPr>
+              <a:t>new</a:t>
+            </a:r>
+            <a:r>
+              <a:rPr lang="en-US" sz="2400" dirty="0">
+                <a:solidFill>
+                  <a:srgbClr val="3B3B3B"/>
+                </a:solidFill>
+                <a:latin typeface="Consolas" panose="020B0609020204030204" pitchFamily="49" charset="0"/>
+              </a:rPr>
+              <a:t> </a:t>
+            </a:r>
+            <a:r>
+              <a:rPr lang="en-US" sz="2400" dirty="0">
+                <a:solidFill>
+                  <a:srgbClr val="001080"/>
+                </a:solidFill>
+                <a:latin typeface="Consolas" panose="020B0609020204030204" pitchFamily="49" charset="0"/>
+              </a:rPr>
+              <a:t>List</a:t>
+            </a:r>
+            <a:r>
+              <a:rPr lang="en-US" sz="2400" dirty="0">
+                <a:solidFill>
+                  <a:srgbClr val="3B3B3B"/>
+                </a:solidFill>
+                <a:latin typeface="Consolas" panose="020B0609020204030204" pitchFamily="49" charset="0"/>
+              </a:rPr>
+              <a:t>&lt;</a:t>
+            </a:r>
+            <a:r>
+              <a:rPr lang="en-US" sz="2400" dirty="0">
+                <a:solidFill>
+                  <a:srgbClr val="001080"/>
+                </a:solidFill>
+                <a:latin typeface="Consolas" panose="020B0609020204030204" pitchFamily="49" charset="0"/>
+              </a:rPr>
+              <a:t>Company</a:t>
+            </a:r>
+            <a:r>
+              <a:rPr lang="en-US" sz="2400" dirty="0">
+                <a:solidFill>
+                  <a:srgbClr val="3B3B3B"/>
+                </a:solidFill>
+                <a:latin typeface="Consolas" panose="020B0609020204030204" pitchFamily="49" charset="0"/>
+              </a:rPr>
+              <a:t>&gt;</a:t>
+            </a:r>
+          </a:p>
+          <a:p>
+            <a:r>
+              <a:rPr lang="en-US" sz="2400" dirty="0">
+                <a:solidFill>
+                  <a:srgbClr val="3B3B3B"/>
+                </a:solidFill>
+                <a:latin typeface="Consolas" panose="020B0609020204030204" pitchFamily="49" charset="0"/>
+              </a:rPr>
+              <a:t>        {</a:t>
+            </a:r>
+          </a:p>
+          <a:p>
+            <a:r>
+              <a:rPr lang="en-US" sz="2400" dirty="0">
+                <a:solidFill>
+                  <a:srgbClr val="3B3B3B"/>
+                </a:solidFill>
+                <a:latin typeface="Consolas" panose="020B0609020204030204" pitchFamily="49" charset="0"/>
+              </a:rPr>
+              <a:t>            </a:t>
+            </a:r>
+            <a:r>
+              <a:rPr lang="en-US" sz="2400" dirty="0">
+                <a:solidFill>
+                  <a:srgbClr val="0000FF"/>
+                </a:solidFill>
+                <a:latin typeface="Consolas" panose="020B0609020204030204" pitchFamily="49" charset="0"/>
+              </a:rPr>
+              <a:t>new</a:t>
+            </a:r>
+            <a:r>
+              <a:rPr lang="en-US" sz="2400" dirty="0">
+                <a:solidFill>
+                  <a:srgbClr val="3B3B3B"/>
+                </a:solidFill>
+                <a:latin typeface="Consolas" panose="020B0609020204030204" pitchFamily="49" charset="0"/>
+              </a:rPr>
+              <a:t> </a:t>
+            </a:r>
+            <a:r>
+              <a:rPr lang="en-US" sz="2400" dirty="0">
+                <a:solidFill>
+                  <a:srgbClr val="001080"/>
+                </a:solidFill>
+                <a:latin typeface="Consolas" panose="020B0609020204030204" pitchFamily="49" charset="0"/>
+              </a:rPr>
+              <a:t>Company</a:t>
+            </a:r>
+            <a:r>
+              <a:rPr lang="en-US" sz="2400" dirty="0">
+                <a:solidFill>
+                  <a:srgbClr val="3B3B3B"/>
+                </a:solidFill>
+                <a:latin typeface="Consolas" panose="020B0609020204030204" pitchFamily="49" charset="0"/>
+              </a:rPr>
+              <a:t>( </a:t>
+            </a:r>
+            <a:r>
+              <a:rPr lang="en-US" sz="2400" dirty="0">
+                <a:solidFill>
+                  <a:srgbClr val="098658"/>
+                </a:solidFill>
+                <a:latin typeface="Consolas" panose="020B0609020204030204" pitchFamily="49" charset="0"/>
+              </a:rPr>
+              <a:t>1</a:t>
+            </a:r>
+            <a:r>
+              <a:rPr lang="en-US" sz="2400" dirty="0">
+                <a:solidFill>
+                  <a:srgbClr val="3B3B3B"/>
+                </a:solidFill>
+                <a:latin typeface="Consolas" panose="020B0609020204030204" pitchFamily="49" charset="0"/>
+              </a:rPr>
+              <a:t>, </a:t>
+            </a:r>
+            <a:r>
+              <a:rPr lang="en-US" sz="2400" dirty="0">
+                <a:solidFill>
+                  <a:srgbClr val="A31515"/>
+                </a:solidFill>
+                <a:latin typeface="Consolas" panose="020B0609020204030204" pitchFamily="49" charset="0"/>
+              </a:rPr>
+              <a:t>"Apple"</a:t>
+            </a:r>
+            <a:r>
+              <a:rPr lang="en-US" sz="2400" dirty="0">
+                <a:solidFill>
+                  <a:srgbClr val="3B3B3B"/>
+                </a:solidFill>
+                <a:latin typeface="Consolas" panose="020B0609020204030204" pitchFamily="49" charset="0"/>
+              </a:rPr>
+              <a:t>),</a:t>
+            </a:r>
+          </a:p>
+          <a:p>
+            <a:r>
+              <a:rPr lang="en-US" sz="2400" dirty="0">
+                <a:solidFill>
+                  <a:srgbClr val="3B3B3B"/>
+                </a:solidFill>
+                <a:latin typeface="Consolas" panose="020B0609020204030204" pitchFamily="49" charset="0"/>
+              </a:rPr>
+              <a:t>            </a:t>
+            </a:r>
+            <a:r>
+              <a:rPr lang="en-US" sz="2400" dirty="0">
+                <a:solidFill>
+                  <a:srgbClr val="0000FF"/>
+                </a:solidFill>
+                <a:latin typeface="Consolas" panose="020B0609020204030204" pitchFamily="49" charset="0"/>
+              </a:rPr>
+              <a:t>new</a:t>
+            </a:r>
+            <a:r>
+              <a:rPr lang="en-US" sz="2400" dirty="0">
+                <a:solidFill>
+                  <a:srgbClr val="3B3B3B"/>
+                </a:solidFill>
+                <a:latin typeface="Consolas" panose="020B0609020204030204" pitchFamily="49" charset="0"/>
+              </a:rPr>
+              <a:t> </a:t>
+            </a:r>
+            <a:r>
+              <a:rPr lang="en-US" sz="2400" dirty="0">
+                <a:solidFill>
+                  <a:srgbClr val="001080"/>
+                </a:solidFill>
+                <a:latin typeface="Consolas" panose="020B0609020204030204" pitchFamily="49" charset="0"/>
+              </a:rPr>
+              <a:t>Company</a:t>
+            </a:r>
+            <a:r>
+              <a:rPr lang="en-US" sz="2400" dirty="0">
+                <a:solidFill>
+                  <a:srgbClr val="3B3B3B"/>
+                </a:solidFill>
+                <a:latin typeface="Consolas" panose="020B0609020204030204" pitchFamily="49" charset="0"/>
+              </a:rPr>
+              <a:t>(</a:t>
+            </a:r>
+            <a:r>
+              <a:rPr lang="en-US" sz="2400" dirty="0">
+                <a:solidFill>
+                  <a:srgbClr val="098658"/>
+                </a:solidFill>
+                <a:latin typeface="Consolas" panose="020B0609020204030204" pitchFamily="49" charset="0"/>
+              </a:rPr>
+              <a:t>2</a:t>
+            </a:r>
+            <a:r>
+              <a:rPr lang="en-US" sz="2400" dirty="0">
+                <a:solidFill>
+                  <a:srgbClr val="3B3B3B"/>
+                </a:solidFill>
+                <a:latin typeface="Consolas" panose="020B0609020204030204" pitchFamily="49" charset="0"/>
+              </a:rPr>
+              <a:t>, </a:t>
+            </a:r>
+            <a:r>
+              <a:rPr lang="en-US" sz="2400" dirty="0">
+                <a:solidFill>
+                  <a:srgbClr val="A31515"/>
+                </a:solidFill>
+                <a:latin typeface="Consolas" panose="020B0609020204030204" pitchFamily="49" charset="0"/>
+              </a:rPr>
+              <a:t>"Samsung"</a:t>
+            </a:r>
+            <a:r>
+              <a:rPr lang="en-US" sz="2400" dirty="0">
+                <a:solidFill>
+                  <a:srgbClr val="3B3B3B"/>
+                </a:solidFill>
+                <a:latin typeface="Consolas" panose="020B0609020204030204" pitchFamily="49" charset="0"/>
+              </a:rPr>
+              <a:t>),</a:t>
+            </a:r>
+          </a:p>
+          <a:p>
+            <a:r>
+              <a:rPr lang="en-US" sz="2400" dirty="0">
+                <a:solidFill>
+                  <a:srgbClr val="3B3B3B"/>
+                </a:solidFill>
+                <a:latin typeface="Consolas" panose="020B0609020204030204" pitchFamily="49" charset="0"/>
+              </a:rPr>
+              <a:t>            </a:t>
+            </a:r>
+            <a:r>
+              <a:rPr lang="en-US" sz="2400" dirty="0">
+                <a:solidFill>
+                  <a:srgbClr val="0000FF"/>
+                </a:solidFill>
+                <a:latin typeface="Consolas" panose="020B0609020204030204" pitchFamily="49" charset="0"/>
+              </a:rPr>
+              <a:t>new</a:t>
+            </a:r>
+            <a:r>
+              <a:rPr lang="en-US" sz="2400" dirty="0">
+                <a:solidFill>
+                  <a:srgbClr val="3B3B3B"/>
+                </a:solidFill>
+                <a:latin typeface="Consolas" panose="020B0609020204030204" pitchFamily="49" charset="0"/>
+              </a:rPr>
+              <a:t> </a:t>
+            </a:r>
+            <a:r>
+              <a:rPr lang="en-US" sz="2400" dirty="0">
+                <a:solidFill>
+                  <a:srgbClr val="001080"/>
+                </a:solidFill>
+                <a:latin typeface="Consolas" panose="020B0609020204030204" pitchFamily="49" charset="0"/>
+              </a:rPr>
+              <a:t>Company</a:t>
+            </a:r>
+            <a:r>
+              <a:rPr lang="en-US" sz="2400" dirty="0">
+                <a:solidFill>
+                  <a:srgbClr val="3B3B3B"/>
+                </a:solidFill>
+                <a:latin typeface="Consolas" panose="020B0609020204030204" pitchFamily="49" charset="0"/>
+              </a:rPr>
+              <a:t>(</a:t>
+            </a:r>
+            <a:r>
+              <a:rPr lang="en-US" sz="2400" dirty="0">
+                <a:solidFill>
+                  <a:srgbClr val="098658"/>
+                </a:solidFill>
+                <a:latin typeface="Consolas" panose="020B0609020204030204" pitchFamily="49" charset="0"/>
+              </a:rPr>
+              <a:t>3</a:t>
+            </a:r>
+            <a:r>
+              <a:rPr lang="en-US" sz="2400" dirty="0">
+                <a:solidFill>
+                  <a:srgbClr val="3B3B3B"/>
+                </a:solidFill>
+                <a:latin typeface="Consolas" panose="020B0609020204030204" pitchFamily="49" charset="0"/>
+              </a:rPr>
+              <a:t>, </a:t>
+            </a:r>
+            <a:r>
+              <a:rPr lang="en-US" sz="2400" dirty="0">
+                <a:solidFill>
+                  <a:srgbClr val="A31515"/>
+                </a:solidFill>
+                <a:latin typeface="Consolas" panose="020B0609020204030204" pitchFamily="49" charset="0"/>
+              </a:rPr>
+              <a:t>"Google"</a:t>
+            </a:r>
+            <a:r>
+              <a:rPr lang="en-US" sz="2400" dirty="0">
+                <a:solidFill>
+                  <a:srgbClr val="3B3B3B"/>
+                </a:solidFill>
+                <a:latin typeface="Consolas" panose="020B0609020204030204" pitchFamily="49" charset="0"/>
+              </a:rPr>
+              <a:t>)</a:t>
+            </a:r>
+          </a:p>
+          <a:p>
+            <a:r>
+              <a:rPr lang="en-US" sz="2400" dirty="0">
+                <a:solidFill>
+                  <a:srgbClr val="3B3B3B"/>
+                </a:solidFill>
+                <a:latin typeface="Consolas" panose="020B0609020204030204" pitchFamily="49" charset="0"/>
+              </a:rPr>
+              <a:t>        </a:t>
+            </a:r>
+            <a:r>
+              <a:rPr lang="en-US" sz="2400" dirty="0" smtClean="0">
+                <a:solidFill>
+                  <a:srgbClr val="3B3B3B"/>
+                </a:solidFill>
+                <a:latin typeface="Consolas" panose="020B0609020204030204" pitchFamily="49" charset="0"/>
+              </a:rPr>
+              <a:t>};</a:t>
+            </a:r>
+          </a:p>
+          <a:p>
+            <a:endParaRPr lang="en-US" sz="2400" dirty="0">
+              <a:solidFill>
+                <a:srgbClr val="3B3B3B"/>
+              </a:solidFill>
+              <a:latin typeface="Consolas" panose="020B0609020204030204" pitchFamily="49" charset="0"/>
+            </a:endParaRPr>
+          </a:p>
+          <a:p>
+            <a:r>
+              <a:rPr lang="en-US" sz="2400" dirty="0">
+                <a:solidFill>
+                  <a:srgbClr val="3B3B3B"/>
+                </a:solidFill>
+                <a:latin typeface="Consolas" panose="020B0609020204030204" pitchFamily="49" charset="0"/>
+              </a:rPr>
+              <a:t>    </a:t>
+            </a:r>
+            <a:r>
+              <a:rPr lang="en-US" sz="2400" dirty="0">
+                <a:solidFill>
+                  <a:srgbClr val="0000FF"/>
+                </a:solidFill>
+                <a:latin typeface="Consolas" panose="020B0609020204030204" pitchFamily="49" charset="0"/>
+              </a:rPr>
+              <a:t>public</a:t>
+            </a:r>
+            <a:r>
+              <a:rPr lang="en-US" sz="2400" dirty="0">
+                <a:solidFill>
+                  <a:srgbClr val="3B3B3B"/>
+                </a:solidFill>
+                <a:latin typeface="Consolas" panose="020B0609020204030204" pitchFamily="49" charset="0"/>
+              </a:rPr>
+              <a:t> </a:t>
+            </a:r>
+            <a:r>
+              <a:rPr lang="en-US" sz="2400" dirty="0" err="1">
+                <a:solidFill>
+                  <a:srgbClr val="001080"/>
+                </a:solidFill>
+                <a:latin typeface="Consolas" panose="020B0609020204030204" pitchFamily="49" charset="0"/>
+              </a:rPr>
+              <a:t>IActionResult</a:t>
+            </a:r>
+            <a:r>
+              <a:rPr lang="en-US" sz="2400" dirty="0">
+                <a:solidFill>
+                  <a:srgbClr val="3B3B3B"/>
+                </a:solidFill>
+                <a:latin typeface="Consolas" panose="020B0609020204030204" pitchFamily="49" charset="0"/>
+              </a:rPr>
+              <a:t> </a:t>
+            </a:r>
+            <a:r>
+              <a:rPr lang="en-US" sz="2400" dirty="0">
+                <a:solidFill>
+                  <a:srgbClr val="795E26"/>
+                </a:solidFill>
+                <a:latin typeface="Consolas" panose="020B0609020204030204" pitchFamily="49" charset="0"/>
+              </a:rPr>
+              <a:t>Create</a:t>
+            </a:r>
+            <a:r>
+              <a:rPr lang="en-US" sz="2400" dirty="0">
+                <a:solidFill>
+                  <a:srgbClr val="3B3B3B"/>
+                </a:solidFill>
+                <a:latin typeface="Consolas" panose="020B0609020204030204" pitchFamily="49" charset="0"/>
+              </a:rPr>
+              <a:t>()</a:t>
+            </a:r>
+          </a:p>
+          <a:p>
+            <a:r>
+              <a:rPr lang="en-US" sz="2400" dirty="0">
+                <a:solidFill>
+                  <a:srgbClr val="3B3B3B"/>
+                </a:solidFill>
+                <a:latin typeface="Consolas" panose="020B0609020204030204" pitchFamily="49" charset="0"/>
+              </a:rPr>
+              <a:t>    {</a:t>
+            </a:r>
+          </a:p>
+          <a:p>
+            <a:r>
+              <a:rPr lang="en-US" sz="2400" dirty="0">
+                <a:solidFill>
+                  <a:srgbClr val="3B3B3B"/>
+                </a:solidFill>
+                <a:latin typeface="Consolas" panose="020B0609020204030204" pitchFamily="49" charset="0"/>
+              </a:rPr>
+              <a:t>        </a:t>
+            </a:r>
+            <a:r>
+              <a:rPr lang="en-US" sz="2400" dirty="0" err="1">
+                <a:solidFill>
+                  <a:srgbClr val="001080"/>
+                </a:solidFill>
+                <a:latin typeface="Consolas" panose="020B0609020204030204" pitchFamily="49" charset="0"/>
+              </a:rPr>
+              <a:t>ViewBag</a:t>
+            </a:r>
+            <a:r>
+              <a:rPr lang="en-US" sz="2400" dirty="0" err="1">
+                <a:solidFill>
+                  <a:srgbClr val="000000"/>
+                </a:solidFill>
+                <a:latin typeface="Consolas" panose="020B0609020204030204" pitchFamily="49" charset="0"/>
+              </a:rPr>
+              <a:t>.</a:t>
+            </a:r>
+            <a:r>
+              <a:rPr lang="en-US" sz="2400" dirty="0" err="1">
+                <a:solidFill>
+                  <a:srgbClr val="001080"/>
+                </a:solidFill>
+                <a:latin typeface="Consolas" panose="020B0609020204030204" pitchFamily="49" charset="0"/>
+              </a:rPr>
+              <a:t>Companies</a:t>
+            </a:r>
+            <a:r>
+              <a:rPr lang="en-US" sz="2400" dirty="0">
+                <a:solidFill>
+                  <a:srgbClr val="3B3B3B"/>
+                </a:solidFill>
+                <a:latin typeface="Consolas" panose="020B0609020204030204" pitchFamily="49" charset="0"/>
+              </a:rPr>
+              <a:t> </a:t>
+            </a:r>
+            <a:r>
+              <a:rPr lang="en-US" sz="2400" dirty="0">
+                <a:solidFill>
+                  <a:srgbClr val="000000"/>
+                </a:solidFill>
+                <a:latin typeface="Consolas" panose="020B0609020204030204" pitchFamily="49" charset="0"/>
+              </a:rPr>
+              <a:t>=</a:t>
+            </a:r>
+            <a:r>
+              <a:rPr lang="en-US" sz="2400" dirty="0">
+                <a:solidFill>
+                  <a:srgbClr val="3B3B3B"/>
+                </a:solidFill>
+                <a:latin typeface="Consolas" panose="020B0609020204030204" pitchFamily="49" charset="0"/>
+              </a:rPr>
+              <a:t> </a:t>
+            </a:r>
+            <a:r>
+              <a:rPr lang="en-US" sz="2400" dirty="0">
+                <a:solidFill>
+                  <a:srgbClr val="0000FF"/>
+                </a:solidFill>
+                <a:latin typeface="Consolas" panose="020B0609020204030204" pitchFamily="49" charset="0"/>
+              </a:rPr>
+              <a:t>new</a:t>
+            </a:r>
+            <a:r>
+              <a:rPr lang="en-US" sz="2400" dirty="0">
+                <a:solidFill>
+                  <a:srgbClr val="3B3B3B"/>
+                </a:solidFill>
+                <a:latin typeface="Consolas" panose="020B0609020204030204" pitchFamily="49" charset="0"/>
+              </a:rPr>
+              <a:t> </a:t>
+            </a:r>
+            <a:r>
+              <a:rPr lang="en-US" sz="2400" dirty="0" err="1">
+                <a:solidFill>
+                  <a:srgbClr val="001080"/>
+                </a:solidFill>
+                <a:latin typeface="Consolas" panose="020B0609020204030204" pitchFamily="49" charset="0"/>
+              </a:rPr>
+              <a:t>SelectList</a:t>
+            </a:r>
+            <a:r>
+              <a:rPr lang="en-US" sz="2400" dirty="0">
+                <a:solidFill>
+                  <a:srgbClr val="3B3B3B"/>
+                </a:solidFill>
+                <a:latin typeface="Consolas" panose="020B0609020204030204" pitchFamily="49" charset="0"/>
+              </a:rPr>
+              <a:t>(</a:t>
+            </a:r>
+            <a:r>
+              <a:rPr lang="en-US" sz="2400" dirty="0">
+                <a:solidFill>
+                  <a:srgbClr val="001080"/>
+                </a:solidFill>
+                <a:latin typeface="Consolas" panose="020B0609020204030204" pitchFamily="49" charset="0"/>
+              </a:rPr>
+              <a:t>companies</a:t>
+            </a:r>
+            <a:r>
+              <a:rPr lang="en-US" sz="2400" dirty="0" smtClean="0">
+                <a:solidFill>
+                  <a:srgbClr val="3B3B3B"/>
+                </a:solidFill>
+                <a:latin typeface="Consolas" panose="020B0609020204030204" pitchFamily="49" charset="0"/>
+              </a:rPr>
+              <a:t>,</a:t>
+            </a:r>
+          </a:p>
+          <a:p>
+            <a:r>
+              <a:rPr lang="en-US" sz="2400" dirty="0">
+                <a:solidFill>
+                  <a:srgbClr val="3B3B3B"/>
+                </a:solidFill>
+                <a:latin typeface="Consolas" panose="020B0609020204030204" pitchFamily="49" charset="0"/>
+              </a:rPr>
+              <a:t>	</a:t>
+            </a:r>
+            <a:r>
+              <a:rPr lang="en-US" sz="2400" dirty="0" smtClean="0">
+                <a:solidFill>
+                  <a:srgbClr val="3B3B3B"/>
+                </a:solidFill>
+                <a:latin typeface="Consolas" panose="020B0609020204030204" pitchFamily="49" charset="0"/>
+              </a:rPr>
+              <a:t>																		 </a:t>
+            </a:r>
+            <a:r>
+              <a:rPr lang="en-US" sz="2400" dirty="0">
+                <a:solidFill>
+                  <a:srgbClr val="A31515"/>
+                </a:solidFill>
+                <a:latin typeface="Consolas" panose="020B0609020204030204" pitchFamily="49" charset="0"/>
+              </a:rPr>
+              <a:t>"Id"</a:t>
+            </a:r>
+            <a:r>
+              <a:rPr lang="en-US" sz="2400" dirty="0">
+                <a:solidFill>
+                  <a:srgbClr val="3B3B3B"/>
+                </a:solidFill>
+                <a:latin typeface="Consolas" panose="020B0609020204030204" pitchFamily="49" charset="0"/>
+              </a:rPr>
+              <a:t>, </a:t>
+            </a:r>
+            <a:r>
+              <a:rPr lang="en-US" sz="2400" dirty="0">
+                <a:solidFill>
+                  <a:srgbClr val="A31515"/>
+                </a:solidFill>
+                <a:latin typeface="Consolas" panose="020B0609020204030204" pitchFamily="49" charset="0"/>
+              </a:rPr>
+              <a:t>"Name"</a:t>
+            </a:r>
+            <a:r>
+              <a:rPr lang="en-US" sz="2400" dirty="0">
+                <a:solidFill>
+                  <a:srgbClr val="3B3B3B"/>
+                </a:solidFill>
+                <a:latin typeface="Consolas" panose="020B0609020204030204" pitchFamily="49" charset="0"/>
+              </a:rPr>
+              <a:t>);</a:t>
+            </a:r>
+          </a:p>
+          <a:p>
+            <a:r>
+              <a:rPr lang="en-US" sz="2400" dirty="0">
+                <a:solidFill>
+                  <a:srgbClr val="3B3B3B"/>
+                </a:solidFill>
+                <a:latin typeface="Consolas" panose="020B0609020204030204" pitchFamily="49" charset="0"/>
+              </a:rPr>
+              <a:t>        </a:t>
+            </a:r>
+            <a:r>
+              <a:rPr lang="en-US" sz="2400" dirty="0">
+                <a:solidFill>
+                  <a:srgbClr val="AF00DB"/>
+                </a:solidFill>
+                <a:latin typeface="Consolas" panose="020B0609020204030204" pitchFamily="49" charset="0"/>
+              </a:rPr>
+              <a:t>return</a:t>
+            </a:r>
+            <a:r>
+              <a:rPr lang="en-US" sz="2400" dirty="0">
+                <a:solidFill>
+                  <a:srgbClr val="3B3B3B"/>
+                </a:solidFill>
+                <a:latin typeface="Consolas" panose="020B0609020204030204" pitchFamily="49" charset="0"/>
+              </a:rPr>
+              <a:t> </a:t>
+            </a:r>
+            <a:r>
+              <a:rPr lang="en-US" sz="2400" dirty="0">
+                <a:solidFill>
+                  <a:srgbClr val="001080"/>
+                </a:solidFill>
+                <a:latin typeface="Consolas" panose="020B0609020204030204" pitchFamily="49" charset="0"/>
+              </a:rPr>
+              <a:t>View</a:t>
+            </a:r>
+            <a:r>
+              <a:rPr lang="en-US" sz="2400" dirty="0">
+                <a:solidFill>
+                  <a:srgbClr val="3B3B3B"/>
+                </a:solidFill>
+                <a:latin typeface="Consolas" panose="020B0609020204030204" pitchFamily="49" charset="0"/>
+              </a:rPr>
+              <a:t>();</a:t>
+            </a:r>
+          </a:p>
+          <a:p>
+            <a:r>
+              <a:rPr lang="en-US" sz="2400" dirty="0">
+                <a:solidFill>
+                  <a:srgbClr val="3B3B3B"/>
+                </a:solidFill>
+                <a:latin typeface="Consolas" panose="020B0609020204030204" pitchFamily="49" charset="0"/>
+              </a:rPr>
+              <a:t>    }</a:t>
+            </a:r>
+          </a:p>
+          <a:p>
+            <a:endParaRPr lang="ru-RU" sz="2400" dirty="0" smtClean="0">
+              <a:solidFill>
+                <a:srgbClr val="3B3B3B"/>
+              </a:solidFill>
+              <a:latin typeface="Consolas" panose="020B0609020204030204" pitchFamily="49" charset="0"/>
+            </a:endParaRPr>
+          </a:p>
+        </p:txBody>
+      </p:sp>
+    </p:spTree>
+    <p:extLst>
+      <p:ext uri="{BB962C8B-B14F-4D97-AF65-F5344CB8AC3E}">
+        <p14:creationId xmlns:p14="http://schemas.microsoft.com/office/powerpoint/2010/main" val="3153730670"/>
+      </p:ext>
+    </p:extLst>
+  </p:cSld>
+  <p:clrMapOvr>
+    <a:masterClrMapping/>
+  </p:clrMapOvr>
+  <p:timing>
+    <p:tnLst>
+      <p:par>
+        <p:cTn id="1" dur="indefinite" restart="never" nodeType="tmRoot"/>
+      </p:par>
+    </p:tnLst>
+  </p:timing>
+</p:sld>
+</file>
+
+<file path=ppt/slides/slide41.xml><?xml version="1.0" encoding="utf-8"?>
+<p:sld xmlns:a="http://schemas.openxmlformats.org/drawingml/2006/main" xmlns:r="http://schemas.openxmlformats.org/officeDocument/2006/relationships" xmlns:p="http://schemas.openxmlformats.org/presentationml/2006/main">
+  <p:cSld>
+    <p:spTree>
+      <p:nvGrpSpPr>
+        <p:cNvPr id="1" name=""/>
+        <p:cNvGrpSpPr/>
+        <p:nvPr/>
+      </p:nvGrpSpPr>
+      <p:grpSpPr>
+        <a:xfrm>
+          <a:off x="0" y="0"/>
+          <a:ext cx="0" cy="0"/>
+          <a:chOff x="0" y="0"/>
+          <a:chExt cx="0" cy="0"/>
+        </a:xfrm>
+      </p:grpSpPr>
+      <p:sp>
+        <p:nvSpPr>
+          <p:cNvPr id="7" name="Прямоугольник 6"/>
+          <p:cNvSpPr/>
+          <p:nvPr/>
+        </p:nvSpPr>
+        <p:spPr>
+          <a:xfrm>
+            <a:off x="271158" y="284205"/>
+            <a:ext cx="11541901" cy="4339650"/>
+          </a:xfrm>
+          <a:prstGeom prst="rect">
+            <a:avLst/>
+          </a:prstGeom>
+        </p:spPr>
+        <p:txBody>
+          <a:bodyPr wrap="square">
+            <a:spAutoFit/>
+          </a:bodyPr>
+          <a:lstStyle/>
+          <a:p>
+            <a:pPr algn="just">
+              <a:lnSpc>
+                <a:spcPct val="150000"/>
+              </a:lnSpc>
+            </a:pPr>
+            <a:r>
+              <a:rPr lang="ru-RU" sz="2400" dirty="0" smtClean="0">
+                <a:solidFill>
+                  <a:srgbClr val="000000"/>
+                </a:solidFill>
+                <a:latin typeface="Bookman Old Style" panose="02050604050505020204" pitchFamily="18" charset="0"/>
+              </a:rPr>
+              <a:t>Запишем обработчик </a:t>
+            </a:r>
+            <a:r>
+              <a:rPr lang="en-US" sz="2400" dirty="0" smtClean="0">
+                <a:solidFill>
+                  <a:srgbClr val="000000"/>
+                </a:solidFill>
+                <a:latin typeface="Bookman Old Style" panose="02050604050505020204" pitchFamily="18" charset="0"/>
+              </a:rPr>
+              <a:t>post </a:t>
+            </a:r>
+            <a:r>
+              <a:rPr lang="ru-RU" sz="2400" dirty="0" smtClean="0">
+                <a:solidFill>
+                  <a:srgbClr val="000000"/>
+                </a:solidFill>
+                <a:latin typeface="Bookman Old Style" panose="02050604050505020204" pitchFamily="18" charset="0"/>
+              </a:rPr>
+              <a:t>запроса:</a:t>
+            </a:r>
+            <a:endParaRPr lang="en-US" sz="2400" dirty="0" smtClean="0">
+              <a:solidFill>
+                <a:srgbClr val="000000"/>
+              </a:solidFill>
+              <a:latin typeface="Bookman Old Style" panose="02050604050505020204" pitchFamily="18" charset="0"/>
+            </a:endParaRPr>
+          </a:p>
+          <a:p>
+            <a:r>
+              <a:rPr lang="en-US" sz="2400" dirty="0">
+                <a:solidFill>
+                  <a:srgbClr val="3B3B3B"/>
+                </a:solidFill>
+                <a:latin typeface="Consolas" panose="020B0609020204030204" pitchFamily="49" charset="0"/>
+              </a:rPr>
+              <a:t/>
+            </a:r>
+            <a:br>
+              <a:rPr lang="en-US" sz="2400" dirty="0">
+                <a:solidFill>
+                  <a:srgbClr val="3B3B3B"/>
+                </a:solidFill>
+                <a:latin typeface="Consolas" panose="020B0609020204030204" pitchFamily="49" charset="0"/>
+              </a:rPr>
+            </a:br>
+            <a:r>
+              <a:rPr lang="en-US" sz="2400" dirty="0">
+                <a:solidFill>
+                  <a:srgbClr val="3B3B3B"/>
+                </a:solidFill>
+                <a:latin typeface="Consolas" panose="020B0609020204030204" pitchFamily="49" charset="0"/>
+              </a:rPr>
+              <a:t>    [</a:t>
+            </a:r>
+            <a:r>
+              <a:rPr lang="en-US" sz="2400" dirty="0" err="1">
+                <a:solidFill>
+                  <a:srgbClr val="001080"/>
+                </a:solidFill>
+                <a:latin typeface="Consolas" panose="020B0609020204030204" pitchFamily="49" charset="0"/>
+              </a:rPr>
+              <a:t>HttpPost</a:t>
+            </a:r>
+            <a:r>
+              <a:rPr lang="en-US" sz="2400" dirty="0">
+                <a:solidFill>
+                  <a:srgbClr val="3B3B3B"/>
+                </a:solidFill>
+                <a:latin typeface="Consolas" panose="020B0609020204030204" pitchFamily="49" charset="0"/>
+              </a:rPr>
+              <a:t>]</a:t>
+            </a:r>
+          </a:p>
+          <a:p>
+            <a:r>
+              <a:rPr lang="en-US" sz="2400" dirty="0">
+                <a:solidFill>
+                  <a:srgbClr val="3B3B3B"/>
+                </a:solidFill>
+                <a:latin typeface="Consolas" panose="020B0609020204030204" pitchFamily="49" charset="0"/>
+              </a:rPr>
+              <a:t>    </a:t>
+            </a:r>
+            <a:r>
+              <a:rPr lang="en-US" sz="2400" dirty="0">
+                <a:solidFill>
+                  <a:srgbClr val="0000FF"/>
+                </a:solidFill>
+                <a:latin typeface="Consolas" panose="020B0609020204030204" pitchFamily="49" charset="0"/>
+              </a:rPr>
+              <a:t>public</a:t>
+            </a:r>
+            <a:r>
+              <a:rPr lang="en-US" sz="2400" dirty="0">
+                <a:solidFill>
+                  <a:srgbClr val="3B3B3B"/>
+                </a:solidFill>
+                <a:latin typeface="Consolas" panose="020B0609020204030204" pitchFamily="49" charset="0"/>
+              </a:rPr>
+              <a:t> </a:t>
+            </a:r>
+            <a:r>
+              <a:rPr lang="en-US" sz="2400" dirty="0">
+                <a:solidFill>
+                  <a:srgbClr val="0000FF"/>
+                </a:solidFill>
+                <a:latin typeface="Consolas" panose="020B0609020204030204" pitchFamily="49" charset="0"/>
+              </a:rPr>
+              <a:t>string</a:t>
+            </a:r>
+            <a:r>
+              <a:rPr lang="en-US" sz="2400" dirty="0">
+                <a:solidFill>
+                  <a:srgbClr val="3B3B3B"/>
+                </a:solidFill>
+                <a:latin typeface="Consolas" panose="020B0609020204030204" pitchFamily="49" charset="0"/>
+              </a:rPr>
+              <a:t> </a:t>
+            </a:r>
+            <a:r>
+              <a:rPr lang="en-US" sz="2400" dirty="0">
+                <a:solidFill>
+                  <a:srgbClr val="795E26"/>
+                </a:solidFill>
+                <a:latin typeface="Consolas" panose="020B0609020204030204" pitchFamily="49" charset="0"/>
+              </a:rPr>
+              <a:t>Create</a:t>
+            </a:r>
+            <a:r>
+              <a:rPr lang="en-US" sz="2400" dirty="0">
+                <a:solidFill>
+                  <a:srgbClr val="3B3B3B"/>
+                </a:solidFill>
+                <a:latin typeface="Consolas" panose="020B0609020204030204" pitchFamily="49" charset="0"/>
+              </a:rPr>
+              <a:t>(</a:t>
+            </a:r>
+            <a:r>
+              <a:rPr lang="en-US" sz="2400" dirty="0">
+                <a:solidFill>
+                  <a:srgbClr val="001080"/>
+                </a:solidFill>
+                <a:latin typeface="Consolas" panose="020B0609020204030204" pitchFamily="49" charset="0"/>
+              </a:rPr>
+              <a:t>Product</a:t>
+            </a:r>
+            <a:r>
+              <a:rPr lang="en-US" sz="2400" dirty="0">
+                <a:solidFill>
+                  <a:srgbClr val="3B3B3B"/>
+                </a:solidFill>
+                <a:latin typeface="Consolas" panose="020B0609020204030204" pitchFamily="49" charset="0"/>
+              </a:rPr>
+              <a:t> </a:t>
+            </a:r>
+            <a:r>
+              <a:rPr lang="en-US" sz="2400" dirty="0">
+                <a:solidFill>
+                  <a:srgbClr val="001080"/>
+                </a:solidFill>
+                <a:latin typeface="Consolas" panose="020B0609020204030204" pitchFamily="49" charset="0"/>
+              </a:rPr>
+              <a:t>product</a:t>
+            </a:r>
+            <a:r>
+              <a:rPr lang="en-US" sz="2400" dirty="0">
+                <a:solidFill>
+                  <a:srgbClr val="3B3B3B"/>
+                </a:solidFill>
+                <a:latin typeface="Consolas" panose="020B0609020204030204" pitchFamily="49" charset="0"/>
+              </a:rPr>
+              <a:t>)</a:t>
+            </a:r>
+          </a:p>
+          <a:p>
+            <a:r>
+              <a:rPr lang="en-US" sz="2400" dirty="0">
+                <a:solidFill>
+                  <a:srgbClr val="3B3B3B"/>
+                </a:solidFill>
+                <a:latin typeface="Consolas" panose="020B0609020204030204" pitchFamily="49" charset="0"/>
+              </a:rPr>
+              <a:t>    {</a:t>
+            </a:r>
+          </a:p>
+          <a:p>
+            <a:r>
+              <a:rPr lang="en-US" sz="2400" dirty="0">
+                <a:solidFill>
+                  <a:srgbClr val="3B3B3B"/>
+                </a:solidFill>
+                <a:latin typeface="Consolas" panose="020B0609020204030204" pitchFamily="49" charset="0"/>
+              </a:rPr>
+              <a:t>        </a:t>
+            </a:r>
+            <a:r>
+              <a:rPr lang="en-US" sz="2400" dirty="0">
+                <a:solidFill>
+                  <a:srgbClr val="001080"/>
+                </a:solidFill>
+                <a:latin typeface="Consolas" panose="020B0609020204030204" pitchFamily="49" charset="0"/>
+              </a:rPr>
+              <a:t>Company</a:t>
+            </a:r>
+            <a:r>
+              <a:rPr lang="en-US" sz="2400" dirty="0">
+                <a:solidFill>
+                  <a:srgbClr val="3B3B3B"/>
+                </a:solidFill>
+                <a:latin typeface="Consolas" panose="020B0609020204030204" pitchFamily="49" charset="0"/>
+              </a:rPr>
+              <a:t> </a:t>
+            </a:r>
+            <a:r>
+              <a:rPr lang="en-US" sz="2400" dirty="0" err="1">
+                <a:solidFill>
+                  <a:srgbClr val="001080"/>
+                </a:solidFill>
+                <a:latin typeface="Consolas" panose="020B0609020204030204" pitchFamily="49" charset="0"/>
+              </a:rPr>
+              <a:t>company</a:t>
+            </a:r>
+            <a:r>
+              <a:rPr lang="en-US" sz="2400" dirty="0">
+                <a:solidFill>
+                  <a:srgbClr val="3B3B3B"/>
+                </a:solidFill>
+                <a:latin typeface="Consolas" panose="020B0609020204030204" pitchFamily="49" charset="0"/>
+              </a:rPr>
+              <a:t> </a:t>
+            </a:r>
+            <a:r>
+              <a:rPr lang="en-US" sz="2400" dirty="0">
+                <a:solidFill>
+                  <a:srgbClr val="000000"/>
+                </a:solidFill>
+                <a:latin typeface="Consolas" panose="020B0609020204030204" pitchFamily="49" charset="0"/>
+              </a:rPr>
+              <a:t>=</a:t>
+            </a:r>
+            <a:r>
+              <a:rPr lang="en-US" sz="2400" dirty="0">
+                <a:solidFill>
+                  <a:srgbClr val="3B3B3B"/>
+                </a:solidFill>
+                <a:latin typeface="Consolas" panose="020B0609020204030204" pitchFamily="49" charset="0"/>
+              </a:rPr>
+              <a:t> </a:t>
+            </a:r>
+            <a:r>
+              <a:rPr lang="en-US" sz="2400" dirty="0" err="1">
+                <a:solidFill>
+                  <a:srgbClr val="001080"/>
+                </a:solidFill>
+                <a:latin typeface="Consolas" panose="020B0609020204030204" pitchFamily="49" charset="0"/>
+              </a:rPr>
+              <a:t>companies</a:t>
+            </a:r>
+            <a:r>
+              <a:rPr lang="en-US" sz="2400" dirty="0" err="1">
+                <a:solidFill>
+                  <a:srgbClr val="000000"/>
+                </a:solidFill>
+                <a:latin typeface="Consolas" panose="020B0609020204030204" pitchFamily="49" charset="0"/>
+              </a:rPr>
+              <a:t>.</a:t>
+            </a:r>
+            <a:r>
+              <a:rPr lang="en-US" sz="2400" dirty="0" err="1">
+                <a:solidFill>
+                  <a:srgbClr val="001080"/>
+                </a:solidFill>
+                <a:latin typeface="Consolas" panose="020B0609020204030204" pitchFamily="49" charset="0"/>
+              </a:rPr>
+              <a:t>FirstOrDefault</a:t>
+            </a:r>
+            <a:r>
+              <a:rPr lang="en-US" sz="2400" dirty="0">
+                <a:solidFill>
+                  <a:srgbClr val="3B3B3B"/>
+                </a:solidFill>
+                <a:latin typeface="Consolas" panose="020B0609020204030204" pitchFamily="49" charset="0"/>
+              </a:rPr>
+              <a:t>(</a:t>
+            </a:r>
+            <a:r>
+              <a:rPr lang="en-US" sz="2400" dirty="0">
+                <a:solidFill>
+                  <a:srgbClr val="001080"/>
+                </a:solidFill>
+                <a:latin typeface="Consolas" panose="020B0609020204030204" pitchFamily="49" charset="0"/>
+              </a:rPr>
+              <a:t>c</a:t>
+            </a:r>
+            <a:r>
+              <a:rPr lang="en-US" sz="2400" dirty="0">
+                <a:solidFill>
+                  <a:srgbClr val="3B3B3B"/>
+                </a:solidFill>
+                <a:latin typeface="Consolas" panose="020B0609020204030204" pitchFamily="49" charset="0"/>
+              </a:rPr>
+              <a:t> </a:t>
+            </a:r>
+            <a:r>
+              <a:rPr lang="en-US" sz="2400" dirty="0" smtClean="0">
+                <a:solidFill>
+                  <a:srgbClr val="000000"/>
+                </a:solidFill>
+                <a:latin typeface="Consolas" panose="020B0609020204030204" pitchFamily="49" charset="0"/>
+              </a:rPr>
+              <a:t>=&gt;</a:t>
+            </a:r>
+          </a:p>
+          <a:p>
+            <a:r>
+              <a:rPr lang="en-US" sz="2400" dirty="0">
+                <a:solidFill>
+                  <a:srgbClr val="000000"/>
+                </a:solidFill>
+                <a:latin typeface="Consolas" panose="020B0609020204030204" pitchFamily="49" charset="0"/>
+              </a:rPr>
+              <a:t>	</a:t>
+            </a:r>
+            <a:r>
+              <a:rPr lang="en-US" sz="2400" dirty="0" smtClean="0">
+                <a:solidFill>
+                  <a:srgbClr val="000000"/>
+                </a:solidFill>
+                <a:latin typeface="Consolas" panose="020B0609020204030204" pitchFamily="49" charset="0"/>
+              </a:rPr>
+              <a:t>													</a:t>
+            </a:r>
+            <a:r>
+              <a:rPr lang="en-US" sz="2400" dirty="0" smtClean="0">
+                <a:solidFill>
+                  <a:srgbClr val="3B3B3B"/>
+                </a:solidFill>
+                <a:latin typeface="Consolas" panose="020B0609020204030204" pitchFamily="49" charset="0"/>
+              </a:rPr>
+              <a:t> </a:t>
+            </a:r>
+            <a:r>
+              <a:rPr lang="en-US" sz="2400" dirty="0" err="1">
+                <a:solidFill>
+                  <a:srgbClr val="001080"/>
+                </a:solidFill>
+                <a:latin typeface="Consolas" panose="020B0609020204030204" pitchFamily="49" charset="0"/>
+              </a:rPr>
+              <a:t>c</a:t>
+            </a:r>
+            <a:r>
+              <a:rPr lang="en-US" sz="2400" dirty="0" err="1">
+                <a:solidFill>
+                  <a:srgbClr val="000000"/>
+                </a:solidFill>
+                <a:latin typeface="Consolas" panose="020B0609020204030204" pitchFamily="49" charset="0"/>
+              </a:rPr>
+              <a:t>.</a:t>
+            </a:r>
+            <a:r>
+              <a:rPr lang="en-US" sz="2400" dirty="0" err="1">
+                <a:solidFill>
+                  <a:srgbClr val="001080"/>
+                </a:solidFill>
+                <a:latin typeface="Consolas" panose="020B0609020204030204" pitchFamily="49" charset="0"/>
+              </a:rPr>
+              <a:t>Id</a:t>
+            </a:r>
+            <a:r>
+              <a:rPr lang="en-US" sz="2400" dirty="0">
+                <a:solidFill>
+                  <a:srgbClr val="3B3B3B"/>
+                </a:solidFill>
+                <a:latin typeface="Consolas" panose="020B0609020204030204" pitchFamily="49" charset="0"/>
+              </a:rPr>
+              <a:t> </a:t>
+            </a:r>
+            <a:r>
+              <a:rPr lang="en-US" sz="2400" dirty="0">
+                <a:solidFill>
+                  <a:srgbClr val="000000"/>
+                </a:solidFill>
+                <a:latin typeface="Consolas" panose="020B0609020204030204" pitchFamily="49" charset="0"/>
+              </a:rPr>
+              <a:t>==</a:t>
+            </a:r>
+            <a:r>
+              <a:rPr lang="en-US" sz="2400" dirty="0">
+                <a:solidFill>
+                  <a:srgbClr val="3B3B3B"/>
+                </a:solidFill>
+                <a:latin typeface="Consolas" panose="020B0609020204030204" pitchFamily="49" charset="0"/>
+              </a:rPr>
+              <a:t> </a:t>
+            </a:r>
+            <a:r>
+              <a:rPr lang="en-US" sz="2400" dirty="0" err="1">
+                <a:solidFill>
+                  <a:srgbClr val="001080"/>
+                </a:solidFill>
+                <a:latin typeface="Consolas" panose="020B0609020204030204" pitchFamily="49" charset="0"/>
+              </a:rPr>
+              <a:t>product</a:t>
+            </a:r>
+            <a:r>
+              <a:rPr lang="en-US" sz="2400" dirty="0" err="1">
+                <a:solidFill>
+                  <a:srgbClr val="000000"/>
+                </a:solidFill>
+                <a:latin typeface="Consolas" panose="020B0609020204030204" pitchFamily="49" charset="0"/>
+              </a:rPr>
+              <a:t>.</a:t>
+            </a:r>
+            <a:r>
+              <a:rPr lang="en-US" sz="2400" dirty="0" err="1">
+                <a:solidFill>
+                  <a:srgbClr val="001080"/>
+                </a:solidFill>
+                <a:latin typeface="Consolas" panose="020B0609020204030204" pitchFamily="49" charset="0"/>
+              </a:rPr>
+              <a:t>CompanyId</a:t>
+            </a:r>
+            <a:r>
+              <a:rPr lang="en-US" sz="2400" dirty="0" smtClean="0">
+                <a:solidFill>
+                  <a:srgbClr val="3B3B3B"/>
+                </a:solidFill>
+                <a:latin typeface="Consolas" panose="020B0609020204030204" pitchFamily="49" charset="0"/>
+              </a:rPr>
+              <a:t>);</a:t>
+            </a:r>
+          </a:p>
+          <a:p>
+            <a:endParaRPr lang="en-US" sz="2400" dirty="0">
+              <a:solidFill>
+                <a:srgbClr val="3B3B3B"/>
+              </a:solidFill>
+              <a:latin typeface="Consolas" panose="020B0609020204030204" pitchFamily="49" charset="0"/>
+            </a:endParaRPr>
+          </a:p>
+          <a:p>
+            <a:r>
+              <a:rPr lang="en-US" sz="2400" dirty="0">
+                <a:solidFill>
+                  <a:srgbClr val="3B3B3B"/>
+                </a:solidFill>
+                <a:latin typeface="Consolas" panose="020B0609020204030204" pitchFamily="49" charset="0"/>
+              </a:rPr>
+              <a:t>        </a:t>
+            </a:r>
+            <a:r>
+              <a:rPr lang="en-US" sz="2400" dirty="0">
+                <a:solidFill>
+                  <a:srgbClr val="AF00DB"/>
+                </a:solidFill>
+                <a:latin typeface="Consolas" panose="020B0609020204030204" pitchFamily="49" charset="0"/>
+              </a:rPr>
+              <a:t>return</a:t>
+            </a:r>
+            <a:r>
+              <a:rPr lang="en-US" sz="2400" dirty="0">
+                <a:solidFill>
+                  <a:srgbClr val="3B3B3B"/>
+                </a:solidFill>
+                <a:latin typeface="Consolas" panose="020B0609020204030204" pitchFamily="49" charset="0"/>
+              </a:rPr>
+              <a:t> </a:t>
+            </a:r>
+            <a:r>
+              <a:rPr lang="en-US" sz="2400" dirty="0" smtClean="0">
+                <a:solidFill>
+                  <a:srgbClr val="A31515"/>
+                </a:solidFill>
+                <a:latin typeface="Consolas" panose="020B0609020204030204" pitchFamily="49" charset="0"/>
+              </a:rPr>
+              <a:t>$"</a:t>
+            </a:r>
+            <a:r>
+              <a:rPr lang="ru-RU" sz="2400" dirty="0">
+                <a:solidFill>
+                  <a:srgbClr val="A31515"/>
+                </a:solidFill>
+                <a:latin typeface="Consolas" panose="020B0609020204030204" pitchFamily="49" charset="0"/>
+              </a:rPr>
+              <a:t>Добавлен новый элемент: {</a:t>
+            </a:r>
+            <a:r>
+              <a:rPr lang="en-US" sz="2400" dirty="0" err="1">
+                <a:solidFill>
+                  <a:srgbClr val="001080"/>
+                </a:solidFill>
+                <a:latin typeface="Consolas" panose="020B0609020204030204" pitchFamily="49" charset="0"/>
+              </a:rPr>
+              <a:t>product</a:t>
+            </a:r>
+            <a:r>
+              <a:rPr lang="en-US" sz="2400" dirty="0" err="1">
+                <a:solidFill>
+                  <a:srgbClr val="000000"/>
+                </a:solidFill>
+                <a:latin typeface="Consolas" panose="020B0609020204030204" pitchFamily="49" charset="0"/>
+              </a:rPr>
+              <a:t>.</a:t>
+            </a:r>
+            <a:r>
+              <a:rPr lang="en-US" sz="2400" dirty="0" err="1">
+                <a:solidFill>
+                  <a:srgbClr val="001080"/>
+                </a:solidFill>
+                <a:latin typeface="Consolas" panose="020B0609020204030204" pitchFamily="49" charset="0"/>
+              </a:rPr>
+              <a:t>Name</a:t>
+            </a:r>
+            <a:r>
+              <a:rPr lang="en-US" sz="2400" dirty="0">
+                <a:solidFill>
+                  <a:srgbClr val="A31515"/>
+                </a:solidFill>
+                <a:latin typeface="Consolas" panose="020B0609020204030204" pitchFamily="49" charset="0"/>
+              </a:rPr>
+              <a:t>} </a:t>
+            </a:r>
+            <a:endParaRPr lang="en-US" sz="2400" dirty="0" smtClean="0">
+              <a:solidFill>
+                <a:srgbClr val="A31515"/>
+              </a:solidFill>
+              <a:latin typeface="Consolas" panose="020B0609020204030204" pitchFamily="49" charset="0"/>
+            </a:endParaRPr>
+          </a:p>
+          <a:p>
+            <a:r>
+              <a:rPr lang="en-US" sz="2400" dirty="0">
+                <a:solidFill>
+                  <a:srgbClr val="A31515"/>
+                </a:solidFill>
+                <a:latin typeface="Consolas" panose="020B0609020204030204" pitchFamily="49" charset="0"/>
+              </a:rPr>
+              <a:t>	</a:t>
+            </a:r>
+            <a:r>
+              <a:rPr lang="en-US" sz="2400" dirty="0" smtClean="0">
+                <a:solidFill>
+                  <a:srgbClr val="A31515"/>
+                </a:solidFill>
+                <a:latin typeface="Consolas" panose="020B0609020204030204" pitchFamily="49" charset="0"/>
+              </a:rPr>
+              <a:t>																({</a:t>
+            </a:r>
+            <a:r>
+              <a:rPr lang="en-US" sz="2400" dirty="0" err="1">
+                <a:solidFill>
+                  <a:srgbClr val="001080"/>
+                </a:solidFill>
+                <a:latin typeface="Consolas" panose="020B0609020204030204" pitchFamily="49" charset="0"/>
+              </a:rPr>
+              <a:t>company</a:t>
+            </a:r>
+            <a:r>
+              <a:rPr lang="en-US" sz="2400" dirty="0" err="1">
+                <a:solidFill>
+                  <a:srgbClr val="000000"/>
+                </a:solidFill>
+                <a:latin typeface="Consolas" panose="020B0609020204030204" pitchFamily="49" charset="0"/>
+              </a:rPr>
+              <a:t>?.</a:t>
+            </a:r>
+            <a:r>
+              <a:rPr lang="en-US" sz="2400" dirty="0" err="1">
+                <a:solidFill>
+                  <a:srgbClr val="001080"/>
+                </a:solidFill>
+                <a:latin typeface="Consolas" panose="020B0609020204030204" pitchFamily="49" charset="0"/>
+              </a:rPr>
+              <a:t>Name</a:t>
+            </a:r>
+            <a:r>
+              <a:rPr lang="en-US" sz="2400" dirty="0">
+                <a:solidFill>
+                  <a:srgbClr val="A31515"/>
+                </a:solidFill>
+                <a:latin typeface="Consolas" panose="020B0609020204030204" pitchFamily="49" charset="0"/>
+              </a:rPr>
+              <a:t>})"</a:t>
+            </a:r>
+            <a:r>
+              <a:rPr lang="en-US" sz="2400" dirty="0">
+                <a:solidFill>
+                  <a:srgbClr val="3B3B3B"/>
+                </a:solidFill>
+                <a:latin typeface="Consolas" panose="020B0609020204030204" pitchFamily="49" charset="0"/>
+              </a:rPr>
+              <a:t>;</a:t>
+            </a:r>
+          </a:p>
+          <a:p>
+            <a:r>
+              <a:rPr lang="en-US" sz="2400" dirty="0">
+                <a:solidFill>
+                  <a:srgbClr val="3B3B3B"/>
+                </a:solidFill>
+                <a:latin typeface="Consolas" panose="020B0609020204030204" pitchFamily="49" charset="0"/>
+              </a:rPr>
+              <a:t>    </a:t>
+            </a:r>
+            <a:r>
+              <a:rPr lang="en-US" sz="2400" dirty="0" smtClean="0">
+                <a:solidFill>
+                  <a:srgbClr val="3B3B3B"/>
+                </a:solidFill>
+                <a:latin typeface="Consolas" panose="020B0609020204030204" pitchFamily="49" charset="0"/>
+              </a:rPr>
+              <a:t>}</a:t>
+            </a:r>
+            <a:endParaRPr lang="en-US" sz="2400" dirty="0">
+              <a:solidFill>
+                <a:srgbClr val="3B3B3B"/>
+              </a:solidFill>
+              <a:latin typeface="Consolas" panose="020B0609020204030204" pitchFamily="49" charset="0"/>
+            </a:endParaRPr>
+          </a:p>
+        </p:txBody>
+      </p:sp>
+    </p:spTree>
+    <p:extLst>
+      <p:ext uri="{BB962C8B-B14F-4D97-AF65-F5344CB8AC3E}">
+        <p14:creationId xmlns:p14="http://schemas.microsoft.com/office/powerpoint/2010/main" val="380168472"/>
+      </p:ext>
+    </p:extLst>
+  </p:cSld>
+  <p:clrMapOvr>
+    <a:masterClrMapping/>
+  </p:clrMapOvr>
+  <p:timing>
+    <p:tnLst>
+      <p:par>
+        <p:cTn id="1" dur="indefinite" restart="never" nodeType="tmRoot"/>
+      </p:par>
+    </p:tnLst>
+  </p:timing>
+</p:sld>
+</file>
+
+<file path=ppt/slides/slide42.xml><?xml version="1.0" encoding="utf-8"?>
+<p:sld xmlns:a="http://schemas.openxmlformats.org/drawingml/2006/main" xmlns:r="http://schemas.openxmlformats.org/officeDocument/2006/relationships" xmlns:p="http://schemas.openxmlformats.org/presentationml/2006/main">
+  <p:cSld>
+    <p:spTree>
+      <p:nvGrpSpPr>
+        <p:cNvPr id="1" name=""/>
+        <p:cNvGrpSpPr/>
+        <p:nvPr/>
+      </p:nvGrpSpPr>
+      <p:grpSpPr>
+        <a:xfrm>
+          <a:off x="0" y="0"/>
+          <a:ext cx="0" cy="0"/>
+          <a:chOff x="0" y="0"/>
+          <a:chExt cx="0" cy="0"/>
+        </a:xfrm>
+      </p:grpSpPr>
+      <p:sp>
+        <p:nvSpPr>
+          <p:cNvPr id="7" name="Прямоугольник 6"/>
+          <p:cNvSpPr/>
+          <p:nvPr/>
+        </p:nvSpPr>
+        <p:spPr>
+          <a:xfrm>
+            <a:off x="271158" y="284205"/>
+            <a:ext cx="11541901" cy="5632311"/>
+          </a:xfrm>
+          <a:prstGeom prst="rect">
+            <a:avLst/>
+          </a:prstGeom>
+        </p:spPr>
+        <p:txBody>
+          <a:bodyPr wrap="square">
+            <a:spAutoFit/>
+          </a:bodyPr>
+          <a:lstStyle/>
+          <a:p>
+            <a:pPr algn="just">
+              <a:lnSpc>
+                <a:spcPct val="150000"/>
+              </a:lnSpc>
+            </a:pPr>
+            <a:r>
+              <a:rPr lang="ru-RU" sz="2400" dirty="0">
+                <a:solidFill>
+                  <a:srgbClr val="000000"/>
+                </a:solidFill>
+                <a:latin typeface="Bookman Old Style" panose="02050604050505020204" pitchFamily="18" charset="0"/>
+              </a:rPr>
+              <a:t>И допустим в контроллере определено действие </a:t>
+            </a:r>
+            <a:r>
+              <a:rPr lang="ru-RU" sz="2400" dirty="0" err="1">
+                <a:solidFill>
+                  <a:srgbClr val="000000"/>
+                </a:solidFill>
+                <a:latin typeface="Bookman Old Style" panose="02050604050505020204" pitchFamily="18" charset="0"/>
+              </a:rPr>
+              <a:t>Create</a:t>
+            </a:r>
+            <a:r>
+              <a:rPr lang="ru-RU" sz="2400" dirty="0">
+                <a:solidFill>
+                  <a:srgbClr val="000000"/>
+                </a:solidFill>
+                <a:latin typeface="Bookman Old Style" panose="02050604050505020204" pitchFamily="18" charset="0"/>
+              </a:rPr>
+              <a:t> для создания нового объекта </a:t>
+            </a:r>
+            <a:r>
+              <a:rPr lang="ru-RU" sz="2400" dirty="0" err="1">
+                <a:solidFill>
+                  <a:srgbClr val="000000"/>
+                </a:solidFill>
+                <a:latin typeface="Bookman Old Style" panose="02050604050505020204" pitchFamily="18" charset="0"/>
+              </a:rPr>
+              <a:t>Product</a:t>
+            </a:r>
+            <a:r>
+              <a:rPr lang="ru-RU" sz="2400" dirty="0" smtClean="0">
+                <a:solidFill>
+                  <a:srgbClr val="000000"/>
+                </a:solidFill>
+                <a:latin typeface="Bookman Old Style" panose="02050604050505020204" pitchFamily="18" charset="0"/>
+              </a:rPr>
+              <a:t>:</a:t>
+            </a:r>
+            <a:endParaRPr lang="en-US" sz="2400" dirty="0" smtClean="0">
+              <a:solidFill>
+                <a:srgbClr val="000000"/>
+              </a:solidFill>
+              <a:latin typeface="Bookman Old Style" panose="02050604050505020204" pitchFamily="18" charset="0"/>
+            </a:endParaRPr>
+          </a:p>
+          <a:p>
+            <a:r>
+              <a:rPr lang="en-US" sz="2400" dirty="0" smtClean="0">
+                <a:solidFill>
+                  <a:srgbClr val="3B3B3B"/>
+                </a:solidFill>
+                <a:latin typeface="Consolas" panose="020B0609020204030204" pitchFamily="49" charset="0"/>
+              </a:rPr>
+              <a:t/>
+            </a:r>
+            <a:br>
+              <a:rPr lang="en-US" sz="2400" dirty="0" smtClean="0">
+                <a:solidFill>
+                  <a:srgbClr val="3B3B3B"/>
+                </a:solidFill>
+                <a:latin typeface="Consolas" panose="020B0609020204030204" pitchFamily="49" charset="0"/>
+              </a:rPr>
+            </a:br>
+            <a:r>
+              <a:rPr lang="en-US" sz="2400" dirty="0">
+                <a:solidFill>
+                  <a:srgbClr val="3B3B3B"/>
+                </a:solidFill>
+                <a:latin typeface="Consolas" panose="020B0609020204030204" pitchFamily="49" charset="0"/>
+              </a:rPr>
+              <a:t>@model </a:t>
+            </a:r>
+            <a:r>
+              <a:rPr lang="en-US" sz="2400" dirty="0" err="1">
+                <a:solidFill>
+                  <a:srgbClr val="3B3B3B"/>
+                </a:solidFill>
+                <a:latin typeface="Consolas" panose="020B0609020204030204" pitchFamily="49" charset="0"/>
+              </a:rPr>
+              <a:t>MvcApp.Models.Product</a:t>
+            </a:r>
+            <a:endParaRPr lang="en-US" sz="2400" dirty="0">
+              <a:solidFill>
+                <a:srgbClr val="3B3B3B"/>
+              </a:solidFill>
+              <a:latin typeface="Consolas" panose="020B0609020204030204" pitchFamily="49" charset="0"/>
+            </a:endParaRPr>
+          </a:p>
+          <a:p>
+            <a:r>
+              <a:rPr lang="en-US" sz="2400" dirty="0">
+                <a:solidFill>
+                  <a:srgbClr val="3B3B3B"/>
+                </a:solidFill>
+                <a:latin typeface="Consolas" panose="020B0609020204030204" pitchFamily="49" charset="0"/>
+              </a:rPr>
+              <a:t> </a:t>
+            </a:r>
+          </a:p>
+          <a:p>
+            <a:r>
+              <a:rPr lang="en-US" sz="2400" dirty="0">
+                <a:solidFill>
+                  <a:srgbClr val="800000"/>
+                </a:solidFill>
+                <a:latin typeface="Consolas" panose="020B0609020204030204" pitchFamily="49" charset="0"/>
+              </a:rPr>
+              <a:t>&lt;h2&gt;</a:t>
+            </a:r>
+            <a:r>
+              <a:rPr lang="ru-RU" sz="2400" dirty="0">
+                <a:solidFill>
+                  <a:srgbClr val="3B3B3B"/>
+                </a:solidFill>
+                <a:latin typeface="Consolas" panose="020B0609020204030204" pitchFamily="49" charset="0"/>
+              </a:rPr>
+              <a:t>Добавление телефона</a:t>
+            </a:r>
+            <a:r>
+              <a:rPr lang="ru-RU" sz="2400" dirty="0">
+                <a:solidFill>
+                  <a:srgbClr val="800000"/>
+                </a:solidFill>
+                <a:latin typeface="Consolas" panose="020B0609020204030204" pitchFamily="49" charset="0"/>
+              </a:rPr>
+              <a:t>&lt;/</a:t>
+            </a:r>
+            <a:r>
+              <a:rPr lang="en-US" sz="2400" dirty="0">
+                <a:solidFill>
+                  <a:srgbClr val="800000"/>
+                </a:solidFill>
+                <a:latin typeface="Consolas" panose="020B0609020204030204" pitchFamily="49" charset="0"/>
+              </a:rPr>
+              <a:t>h2&gt;</a:t>
+            </a:r>
+            <a:endParaRPr lang="en-US" sz="2400" dirty="0">
+              <a:solidFill>
+                <a:srgbClr val="3B3B3B"/>
+              </a:solidFill>
+              <a:latin typeface="Consolas" panose="020B0609020204030204" pitchFamily="49" charset="0"/>
+            </a:endParaRPr>
+          </a:p>
+          <a:p>
+            <a:r>
+              <a:rPr lang="en-US" sz="2400" dirty="0">
+                <a:solidFill>
+                  <a:srgbClr val="3B3B3B"/>
+                </a:solidFill>
+                <a:latin typeface="Consolas" panose="020B0609020204030204" pitchFamily="49" charset="0"/>
+              </a:rPr>
+              <a:t> </a:t>
+            </a:r>
+          </a:p>
+          <a:p>
+            <a:r>
+              <a:rPr lang="en-US" sz="2400" dirty="0">
+                <a:solidFill>
+                  <a:srgbClr val="800000"/>
+                </a:solidFill>
+                <a:latin typeface="Consolas" panose="020B0609020204030204" pitchFamily="49" charset="0"/>
+              </a:rPr>
+              <a:t>&lt;form</a:t>
+            </a:r>
+            <a:r>
+              <a:rPr lang="en-US" sz="2400" dirty="0">
+                <a:solidFill>
+                  <a:srgbClr val="3B3B3B"/>
+                </a:solidFill>
+                <a:latin typeface="Consolas" panose="020B0609020204030204" pitchFamily="49" charset="0"/>
+              </a:rPr>
+              <a:t> </a:t>
+            </a:r>
+            <a:r>
+              <a:rPr lang="en-US" sz="2400" dirty="0">
+                <a:solidFill>
+                  <a:srgbClr val="E50000"/>
+                </a:solidFill>
+                <a:latin typeface="Consolas" panose="020B0609020204030204" pitchFamily="49" charset="0"/>
+              </a:rPr>
+              <a:t>asp-action</a:t>
+            </a:r>
+            <a:r>
+              <a:rPr lang="en-US" sz="2400" dirty="0">
+                <a:solidFill>
+                  <a:srgbClr val="3B3B3B"/>
+                </a:solidFill>
+                <a:latin typeface="Consolas" panose="020B0609020204030204" pitchFamily="49" charset="0"/>
+              </a:rPr>
+              <a:t>=</a:t>
+            </a:r>
+            <a:r>
+              <a:rPr lang="en-US" sz="2400" dirty="0">
+                <a:solidFill>
+                  <a:srgbClr val="0000FF"/>
+                </a:solidFill>
+                <a:latin typeface="Consolas" panose="020B0609020204030204" pitchFamily="49" charset="0"/>
+              </a:rPr>
+              <a:t>"Create"</a:t>
+            </a:r>
+            <a:r>
+              <a:rPr lang="en-US" sz="2400" dirty="0">
+                <a:solidFill>
+                  <a:srgbClr val="3B3B3B"/>
+                </a:solidFill>
+                <a:latin typeface="Consolas" panose="020B0609020204030204" pitchFamily="49" charset="0"/>
+              </a:rPr>
+              <a:t> </a:t>
+            </a:r>
+            <a:endParaRPr lang="en-US" sz="2400" dirty="0" smtClean="0">
+              <a:solidFill>
+                <a:srgbClr val="3B3B3B"/>
+              </a:solidFill>
+              <a:latin typeface="Consolas" panose="020B0609020204030204" pitchFamily="49" charset="0"/>
+            </a:endParaRPr>
+          </a:p>
+          <a:p>
+            <a:r>
+              <a:rPr lang="en-US" sz="2400" dirty="0">
+                <a:solidFill>
+                  <a:srgbClr val="3B3B3B"/>
+                </a:solidFill>
+                <a:latin typeface="Consolas" panose="020B0609020204030204" pitchFamily="49" charset="0"/>
+              </a:rPr>
+              <a:t>	</a:t>
+            </a:r>
+            <a:r>
+              <a:rPr lang="en-US" sz="2400" dirty="0" smtClean="0">
+                <a:solidFill>
+                  <a:srgbClr val="3B3B3B"/>
+                </a:solidFill>
+                <a:latin typeface="Consolas" panose="020B0609020204030204" pitchFamily="49" charset="0"/>
+              </a:rPr>
+              <a:t>	</a:t>
+            </a:r>
+            <a:r>
+              <a:rPr lang="en-US" sz="2400" dirty="0" smtClean="0">
+                <a:solidFill>
+                  <a:srgbClr val="E50000"/>
+                </a:solidFill>
+                <a:latin typeface="Consolas" panose="020B0609020204030204" pitchFamily="49" charset="0"/>
+              </a:rPr>
+              <a:t>asp-controller</a:t>
+            </a:r>
+            <a:r>
+              <a:rPr lang="en-US" sz="2400" dirty="0">
+                <a:solidFill>
+                  <a:srgbClr val="3B3B3B"/>
+                </a:solidFill>
+                <a:latin typeface="Consolas" panose="020B0609020204030204" pitchFamily="49" charset="0"/>
+              </a:rPr>
+              <a:t>=</a:t>
+            </a:r>
+            <a:r>
+              <a:rPr lang="en-US" sz="2400" dirty="0">
+                <a:solidFill>
+                  <a:srgbClr val="0000FF"/>
+                </a:solidFill>
+                <a:latin typeface="Consolas" panose="020B0609020204030204" pitchFamily="49" charset="0"/>
+              </a:rPr>
+              <a:t>"Home"</a:t>
+            </a:r>
+            <a:r>
+              <a:rPr lang="en-US" sz="2400" dirty="0">
+                <a:solidFill>
+                  <a:srgbClr val="3B3B3B"/>
+                </a:solidFill>
+                <a:latin typeface="Consolas" panose="020B0609020204030204" pitchFamily="49" charset="0"/>
+              </a:rPr>
+              <a:t>  </a:t>
+            </a:r>
+            <a:endParaRPr lang="en-US" sz="2400" dirty="0" smtClean="0">
+              <a:solidFill>
+                <a:srgbClr val="3B3B3B"/>
+              </a:solidFill>
+              <a:latin typeface="Consolas" panose="020B0609020204030204" pitchFamily="49" charset="0"/>
+            </a:endParaRPr>
+          </a:p>
+          <a:p>
+            <a:r>
+              <a:rPr lang="en-US" sz="2400" dirty="0">
+                <a:solidFill>
+                  <a:srgbClr val="3B3B3B"/>
+                </a:solidFill>
+                <a:latin typeface="Consolas" panose="020B0609020204030204" pitchFamily="49" charset="0"/>
+              </a:rPr>
+              <a:t>	</a:t>
+            </a:r>
+            <a:r>
+              <a:rPr lang="en-US" sz="2400" dirty="0" smtClean="0">
+                <a:solidFill>
+                  <a:srgbClr val="3B3B3B"/>
+                </a:solidFill>
+                <a:latin typeface="Consolas" panose="020B0609020204030204" pitchFamily="49" charset="0"/>
+              </a:rPr>
+              <a:t>	</a:t>
+            </a:r>
+            <a:r>
+              <a:rPr lang="en-US" sz="2400" dirty="0" smtClean="0">
+                <a:solidFill>
+                  <a:srgbClr val="E50000"/>
+                </a:solidFill>
+                <a:latin typeface="Consolas" panose="020B0609020204030204" pitchFamily="49" charset="0"/>
+              </a:rPr>
+              <a:t>asp-</a:t>
+            </a:r>
+            <a:r>
+              <a:rPr lang="en-US" sz="2400" dirty="0" err="1" smtClean="0">
+                <a:solidFill>
+                  <a:srgbClr val="E50000"/>
+                </a:solidFill>
+                <a:latin typeface="Consolas" panose="020B0609020204030204" pitchFamily="49" charset="0"/>
+              </a:rPr>
+              <a:t>antiforgery</a:t>
+            </a:r>
+            <a:r>
+              <a:rPr lang="en-US" sz="2400" dirty="0">
+                <a:solidFill>
+                  <a:srgbClr val="3B3B3B"/>
+                </a:solidFill>
+                <a:latin typeface="Consolas" panose="020B0609020204030204" pitchFamily="49" charset="0"/>
+              </a:rPr>
+              <a:t>=</a:t>
+            </a:r>
+            <a:r>
+              <a:rPr lang="en-US" sz="2400" dirty="0">
+                <a:solidFill>
+                  <a:srgbClr val="0000FF"/>
+                </a:solidFill>
+                <a:latin typeface="Consolas" panose="020B0609020204030204" pitchFamily="49" charset="0"/>
+              </a:rPr>
+              <a:t>"true</a:t>
+            </a:r>
+            <a:r>
+              <a:rPr lang="en-US" sz="2400" dirty="0" smtClean="0">
+                <a:solidFill>
+                  <a:srgbClr val="0000FF"/>
+                </a:solidFill>
+                <a:latin typeface="Consolas" panose="020B0609020204030204" pitchFamily="49" charset="0"/>
+              </a:rPr>
+              <a:t>"</a:t>
+            </a:r>
+            <a:r>
+              <a:rPr lang="en-US" sz="2400" dirty="0" smtClean="0">
+                <a:solidFill>
+                  <a:srgbClr val="800000"/>
+                </a:solidFill>
+                <a:latin typeface="Consolas" panose="020B0609020204030204" pitchFamily="49" charset="0"/>
+              </a:rPr>
+              <a:t>&gt;</a:t>
+            </a:r>
+          </a:p>
+          <a:p>
+            <a:endParaRPr lang="en-US" sz="2400" dirty="0">
+              <a:solidFill>
+                <a:srgbClr val="800000"/>
+              </a:solidFill>
+              <a:latin typeface="Consolas" panose="020B0609020204030204" pitchFamily="49" charset="0"/>
+            </a:endParaRPr>
+          </a:p>
+          <a:p>
+            <a:r>
+              <a:rPr lang="ru-RU" sz="2400" dirty="0" smtClean="0">
+                <a:solidFill>
+                  <a:srgbClr val="00B050"/>
+                </a:solidFill>
+                <a:latin typeface="Bookman Old Style" panose="02050604050505020204" pitchFamily="18" charset="0"/>
+              </a:rPr>
+              <a:t>На след. слайде</a:t>
+            </a:r>
+          </a:p>
+          <a:p>
+            <a:endParaRPr lang="en-US" sz="2400" dirty="0">
+              <a:solidFill>
+                <a:srgbClr val="00B050"/>
+              </a:solidFill>
+              <a:latin typeface="Consolas" panose="020B0609020204030204" pitchFamily="49" charset="0"/>
+            </a:endParaRPr>
+          </a:p>
+          <a:p>
+            <a:r>
+              <a:rPr lang="en-US" sz="2400" dirty="0" smtClean="0">
+                <a:solidFill>
+                  <a:srgbClr val="800000"/>
+                </a:solidFill>
+                <a:latin typeface="Consolas" panose="020B0609020204030204" pitchFamily="49" charset="0"/>
+              </a:rPr>
+              <a:t>&lt;/</a:t>
+            </a:r>
+            <a:r>
+              <a:rPr lang="en-US" sz="2400" dirty="0">
+                <a:solidFill>
+                  <a:srgbClr val="800000"/>
+                </a:solidFill>
+                <a:latin typeface="Consolas" panose="020B0609020204030204" pitchFamily="49" charset="0"/>
+              </a:rPr>
+              <a:t>form&gt;</a:t>
+            </a:r>
+            <a:endParaRPr lang="en-US" sz="2400" b="0" dirty="0">
+              <a:solidFill>
+                <a:srgbClr val="3B3B3B"/>
+              </a:solidFill>
+              <a:effectLst/>
+              <a:latin typeface="Consolas" panose="020B0609020204030204" pitchFamily="49" charset="0"/>
+            </a:endParaRPr>
+          </a:p>
+        </p:txBody>
+      </p:sp>
+    </p:spTree>
+    <p:extLst>
+      <p:ext uri="{BB962C8B-B14F-4D97-AF65-F5344CB8AC3E}">
+        <p14:creationId xmlns:p14="http://schemas.microsoft.com/office/powerpoint/2010/main" val="890419471"/>
+      </p:ext>
+    </p:extLst>
+  </p:cSld>
+  <p:clrMapOvr>
+    <a:masterClrMapping/>
+  </p:clrMapOvr>
+  <p:timing>
+    <p:tnLst>
+      <p:par>
+        <p:cTn id="1" dur="indefinite" restart="never" nodeType="tmRoot"/>
+      </p:par>
+    </p:tnLst>
+  </p:timing>
+</p:sld>
+</file>
+
+<file path=ppt/slides/slide43.xml><?xml version="1.0" encoding="utf-8"?>
+<p:sld xmlns:a="http://schemas.openxmlformats.org/drawingml/2006/main" xmlns:r="http://schemas.openxmlformats.org/officeDocument/2006/relationships" xmlns:p="http://schemas.openxmlformats.org/presentationml/2006/main">
+  <p:cSld>
+    <p:spTree>
+      <p:nvGrpSpPr>
+        <p:cNvPr id="1" name=""/>
+        <p:cNvGrpSpPr/>
+        <p:nvPr/>
+      </p:nvGrpSpPr>
+      <p:grpSpPr>
+        <a:xfrm>
+          <a:off x="0" y="0"/>
+          <a:ext cx="0" cy="0"/>
+          <a:chOff x="0" y="0"/>
+          <a:chExt cx="0" cy="0"/>
+        </a:xfrm>
+      </p:grpSpPr>
+      <p:sp>
+        <p:nvSpPr>
+          <p:cNvPr id="7" name="Прямоугольник 6"/>
+          <p:cNvSpPr/>
+          <p:nvPr/>
+        </p:nvSpPr>
+        <p:spPr>
+          <a:xfrm>
+            <a:off x="357655" y="117693"/>
+            <a:ext cx="11541901" cy="6740307"/>
+          </a:xfrm>
+          <a:prstGeom prst="rect">
+            <a:avLst/>
+          </a:prstGeom>
+        </p:spPr>
+        <p:txBody>
+          <a:bodyPr wrap="square">
+            <a:spAutoFit/>
+          </a:bodyPr>
+          <a:lstStyle/>
+          <a:p>
+            <a:r>
+              <a:rPr lang="en-US" sz="2400" dirty="0">
+                <a:solidFill>
+                  <a:srgbClr val="3B3B3B"/>
+                </a:solidFill>
+                <a:latin typeface="Consolas" panose="020B0609020204030204" pitchFamily="49" charset="0"/>
+              </a:rPr>
+              <a:t>    </a:t>
+            </a:r>
+            <a:r>
+              <a:rPr lang="en-US" sz="2400" dirty="0">
+                <a:solidFill>
+                  <a:srgbClr val="800000"/>
+                </a:solidFill>
+                <a:latin typeface="Consolas" panose="020B0609020204030204" pitchFamily="49" charset="0"/>
+              </a:rPr>
+              <a:t>&lt;div&gt;</a:t>
+            </a:r>
+            <a:endParaRPr lang="en-US" sz="2400" dirty="0">
+              <a:solidFill>
+                <a:srgbClr val="3B3B3B"/>
+              </a:solidFill>
+              <a:latin typeface="Consolas" panose="020B0609020204030204" pitchFamily="49" charset="0"/>
+            </a:endParaRPr>
+          </a:p>
+          <a:p>
+            <a:r>
+              <a:rPr lang="en-US" sz="2400" dirty="0">
+                <a:solidFill>
+                  <a:srgbClr val="3B3B3B"/>
+                </a:solidFill>
+                <a:latin typeface="Consolas" panose="020B0609020204030204" pitchFamily="49" charset="0"/>
+              </a:rPr>
+              <a:t>        </a:t>
+            </a:r>
+            <a:r>
+              <a:rPr lang="en-US" sz="2400" dirty="0">
+                <a:solidFill>
+                  <a:srgbClr val="800000"/>
+                </a:solidFill>
+                <a:latin typeface="Consolas" panose="020B0609020204030204" pitchFamily="49" charset="0"/>
+              </a:rPr>
+              <a:t>&lt;p&gt;</a:t>
+            </a:r>
+            <a:endParaRPr lang="en-US" sz="2400" dirty="0">
+              <a:solidFill>
+                <a:srgbClr val="3B3B3B"/>
+              </a:solidFill>
+              <a:latin typeface="Consolas" panose="020B0609020204030204" pitchFamily="49" charset="0"/>
+            </a:endParaRPr>
+          </a:p>
+          <a:p>
+            <a:r>
+              <a:rPr lang="en-US" sz="2400" dirty="0">
+                <a:solidFill>
+                  <a:srgbClr val="3B3B3B"/>
+                </a:solidFill>
+                <a:latin typeface="Consolas" panose="020B0609020204030204" pitchFamily="49" charset="0"/>
+              </a:rPr>
+              <a:t>            </a:t>
+            </a:r>
+            <a:r>
+              <a:rPr lang="en-US" sz="2400" dirty="0">
+                <a:solidFill>
+                  <a:srgbClr val="800000"/>
+                </a:solidFill>
+                <a:latin typeface="Consolas" panose="020B0609020204030204" pitchFamily="49" charset="0"/>
+              </a:rPr>
+              <a:t>&lt;label</a:t>
+            </a:r>
+            <a:r>
+              <a:rPr lang="en-US" sz="2400" dirty="0">
+                <a:solidFill>
+                  <a:srgbClr val="3B3B3B"/>
+                </a:solidFill>
+                <a:latin typeface="Consolas" panose="020B0609020204030204" pitchFamily="49" charset="0"/>
+              </a:rPr>
+              <a:t> </a:t>
+            </a:r>
+            <a:r>
+              <a:rPr lang="en-US" sz="2400" dirty="0">
+                <a:solidFill>
+                  <a:srgbClr val="E50000"/>
+                </a:solidFill>
+                <a:latin typeface="Consolas" panose="020B0609020204030204" pitchFamily="49" charset="0"/>
+              </a:rPr>
+              <a:t>asp-for</a:t>
+            </a:r>
+            <a:r>
+              <a:rPr lang="en-US" sz="2400" dirty="0">
+                <a:solidFill>
+                  <a:srgbClr val="3B3B3B"/>
+                </a:solidFill>
+                <a:latin typeface="Consolas" panose="020B0609020204030204" pitchFamily="49" charset="0"/>
+              </a:rPr>
+              <a:t>=</a:t>
+            </a:r>
+            <a:r>
+              <a:rPr lang="en-US" sz="2400" dirty="0">
+                <a:solidFill>
+                  <a:srgbClr val="0000FF"/>
+                </a:solidFill>
+                <a:latin typeface="Consolas" panose="020B0609020204030204" pitchFamily="49" charset="0"/>
+              </a:rPr>
+              <a:t>"Name"</a:t>
+            </a:r>
+            <a:r>
+              <a:rPr lang="en-US" sz="2400" dirty="0">
+                <a:solidFill>
+                  <a:srgbClr val="800000"/>
+                </a:solidFill>
+                <a:latin typeface="Consolas" panose="020B0609020204030204" pitchFamily="49" charset="0"/>
+              </a:rPr>
+              <a:t>&gt;&lt;/label&gt;</a:t>
+            </a:r>
+            <a:endParaRPr lang="en-US" sz="2400" dirty="0">
+              <a:solidFill>
+                <a:srgbClr val="3B3B3B"/>
+              </a:solidFill>
+              <a:latin typeface="Consolas" panose="020B0609020204030204" pitchFamily="49" charset="0"/>
+            </a:endParaRPr>
+          </a:p>
+          <a:p>
+            <a:r>
+              <a:rPr lang="en-US" sz="2400" dirty="0">
+                <a:solidFill>
+                  <a:srgbClr val="3B3B3B"/>
+                </a:solidFill>
+                <a:latin typeface="Consolas" panose="020B0609020204030204" pitchFamily="49" charset="0"/>
+              </a:rPr>
+              <a:t>            </a:t>
+            </a:r>
+            <a:r>
+              <a:rPr lang="en-US" sz="2400" dirty="0">
+                <a:solidFill>
+                  <a:srgbClr val="800000"/>
+                </a:solidFill>
+                <a:latin typeface="Consolas" panose="020B0609020204030204" pitchFamily="49" charset="0"/>
+              </a:rPr>
+              <a:t>&lt;input</a:t>
+            </a:r>
+            <a:r>
+              <a:rPr lang="en-US" sz="2400" dirty="0">
+                <a:solidFill>
+                  <a:srgbClr val="3B3B3B"/>
+                </a:solidFill>
+                <a:latin typeface="Consolas" panose="020B0609020204030204" pitchFamily="49" charset="0"/>
+              </a:rPr>
+              <a:t> </a:t>
+            </a:r>
+            <a:r>
+              <a:rPr lang="en-US" sz="2400" dirty="0">
+                <a:solidFill>
+                  <a:srgbClr val="E50000"/>
+                </a:solidFill>
+                <a:latin typeface="Consolas" panose="020B0609020204030204" pitchFamily="49" charset="0"/>
+              </a:rPr>
+              <a:t>type</a:t>
+            </a:r>
+            <a:r>
+              <a:rPr lang="en-US" sz="2400" dirty="0">
+                <a:solidFill>
+                  <a:srgbClr val="3B3B3B"/>
+                </a:solidFill>
+                <a:latin typeface="Consolas" panose="020B0609020204030204" pitchFamily="49" charset="0"/>
+              </a:rPr>
+              <a:t>=</a:t>
+            </a:r>
+            <a:r>
+              <a:rPr lang="en-US" sz="2400" dirty="0">
+                <a:solidFill>
+                  <a:srgbClr val="0000FF"/>
+                </a:solidFill>
+                <a:latin typeface="Consolas" panose="020B0609020204030204" pitchFamily="49" charset="0"/>
+              </a:rPr>
+              <a:t>"text"</a:t>
+            </a:r>
+            <a:r>
+              <a:rPr lang="en-US" sz="2400" dirty="0">
+                <a:solidFill>
+                  <a:srgbClr val="3B3B3B"/>
+                </a:solidFill>
+                <a:latin typeface="Consolas" panose="020B0609020204030204" pitchFamily="49" charset="0"/>
+              </a:rPr>
+              <a:t> </a:t>
+            </a:r>
+            <a:r>
+              <a:rPr lang="en-US" sz="2400" dirty="0">
+                <a:solidFill>
+                  <a:srgbClr val="E50000"/>
+                </a:solidFill>
+                <a:latin typeface="Consolas" panose="020B0609020204030204" pitchFamily="49" charset="0"/>
+              </a:rPr>
+              <a:t>asp-for</a:t>
+            </a:r>
+            <a:r>
+              <a:rPr lang="en-US" sz="2400" dirty="0">
+                <a:solidFill>
+                  <a:srgbClr val="3B3B3B"/>
+                </a:solidFill>
+                <a:latin typeface="Consolas" panose="020B0609020204030204" pitchFamily="49" charset="0"/>
+              </a:rPr>
+              <a:t>=</a:t>
+            </a:r>
+            <a:r>
+              <a:rPr lang="en-US" sz="2400" dirty="0">
+                <a:solidFill>
+                  <a:srgbClr val="0000FF"/>
+                </a:solidFill>
+                <a:latin typeface="Consolas" panose="020B0609020204030204" pitchFamily="49" charset="0"/>
+              </a:rPr>
+              <a:t>"Name"</a:t>
+            </a:r>
+            <a:r>
+              <a:rPr lang="en-US" sz="2400" dirty="0">
+                <a:solidFill>
+                  <a:srgbClr val="3B3B3B"/>
+                </a:solidFill>
+                <a:latin typeface="Consolas" panose="020B0609020204030204" pitchFamily="49" charset="0"/>
+              </a:rPr>
+              <a:t> </a:t>
+            </a:r>
+            <a:r>
+              <a:rPr lang="en-US" sz="2400" dirty="0">
+                <a:solidFill>
+                  <a:srgbClr val="800000"/>
+                </a:solidFill>
+                <a:latin typeface="Consolas" panose="020B0609020204030204" pitchFamily="49" charset="0"/>
+              </a:rPr>
+              <a:t>/&gt;</a:t>
+            </a:r>
+            <a:endParaRPr lang="en-US" sz="2400" dirty="0">
+              <a:solidFill>
+                <a:srgbClr val="3B3B3B"/>
+              </a:solidFill>
+              <a:latin typeface="Consolas" panose="020B0609020204030204" pitchFamily="49" charset="0"/>
+            </a:endParaRPr>
+          </a:p>
+          <a:p>
+            <a:r>
+              <a:rPr lang="en-US" sz="2400" dirty="0">
+                <a:solidFill>
+                  <a:srgbClr val="3B3B3B"/>
+                </a:solidFill>
+                <a:latin typeface="Consolas" panose="020B0609020204030204" pitchFamily="49" charset="0"/>
+              </a:rPr>
+              <a:t>        </a:t>
+            </a:r>
+            <a:r>
+              <a:rPr lang="en-US" sz="2400" dirty="0">
+                <a:solidFill>
+                  <a:srgbClr val="800000"/>
+                </a:solidFill>
+                <a:latin typeface="Consolas" panose="020B0609020204030204" pitchFamily="49" charset="0"/>
+              </a:rPr>
+              <a:t>&lt;/p&gt;</a:t>
+            </a:r>
+            <a:endParaRPr lang="en-US" sz="2400" dirty="0">
+              <a:solidFill>
+                <a:srgbClr val="3B3B3B"/>
+              </a:solidFill>
+              <a:latin typeface="Consolas" panose="020B0609020204030204" pitchFamily="49" charset="0"/>
+            </a:endParaRPr>
+          </a:p>
+          <a:p>
+            <a:r>
+              <a:rPr lang="en-US" sz="2400" dirty="0">
+                <a:solidFill>
+                  <a:srgbClr val="3B3B3B"/>
+                </a:solidFill>
+                <a:latin typeface="Consolas" panose="020B0609020204030204" pitchFamily="49" charset="0"/>
+              </a:rPr>
+              <a:t>        </a:t>
+            </a:r>
+            <a:r>
+              <a:rPr lang="en-US" sz="2400" dirty="0">
+                <a:solidFill>
+                  <a:srgbClr val="800000"/>
+                </a:solidFill>
+                <a:latin typeface="Consolas" panose="020B0609020204030204" pitchFamily="49" charset="0"/>
+              </a:rPr>
+              <a:t>&lt;p&gt;</a:t>
+            </a:r>
+            <a:endParaRPr lang="en-US" sz="2400" dirty="0">
+              <a:solidFill>
+                <a:srgbClr val="3B3B3B"/>
+              </a:solidFill>
+              <a:latin typeface="Consolas" panose="020B0609020204030204" pitchFamily="49" charset="0"/>
+            </a:endParaRPr>
+          </a:p>
+          <a:p>
+            <a:r>
+              <a:rPr lang="en-US" sz="2400" dirty="0">
+                <a:solidFill>
+                  <a:srgbClr val="3B3B3B"/>
+                </a:solidFill>
+                <a:latin typeface="Consolas" panose="020B0609020204030204" pitchFamily="49" charset="0"/>
+              </a:rPr>
+              <a:t>            </a:t>
+            </a:r>
+            <a:r>
+              <a:rPr lang="en-US" sz="2400" dirty="0">
+                <a:solidFill>
+                  <a:srgbClr val="800000"/>
+                </a:solidFill>
+                <a:latin typeface="Consolas" panose="020B0609020204030204" pitchFamily="49" charset="0"/>
+              </a:rPr>
+              <a:t>&lt;label</a:t>
+            </a:r>
+            <a:r>
+              <a:rPr lang="en-US" sz="2400" dirty="0">
+                <a:solidFill>
+                  <a:srgbClr val="3B3B3B"/>
+                </a:solidFill>
+                <a:latin typeface="Consolas" panose="020B0609020204030204" pitchFamily="49" charset="0"/>
+              </a:rPr>
+              <a:t> </a:t>
+            </a:r>
+            <a:r>
+              <a:rPr lang="en-US" sz="2400" dirty="0">
+                <a:solidFill>
+                  <a:srgbClr val="E50000"/>
+                </a:solidFill>
+                <a:latin typeface="Consolas" panose="020B0609020204030204" pitchFamily="49" charset="0"/>
+              </a:rPr>
+              <a:t>asp-for</a:t>
+            </a:r>
+            <a:r>
+              <a:rPr lang="en-US" sz="2400" dirty="0">
+                <a:solidFill>
+                  <a:srgbClr val="3B3B3B"/>
+                </a:solidFill>
+                <a:latin typeface="Consolas" panose="020B0609020204030204" pitchFamily="49" charset="0"/>
+              </a:rPr>
+              <a:t>=</a:t>
+            </a:r>
+            <a:r>
+              <a:rPr lang="en-US" sz="2400" dirty="0">
+                <a:solidFill>
+                  <a:srgbClr val="0000FF"/>
+                </a:solidFill>
+                <a:latin typeface="Consolas" panose="020B0609020204030204" pitchFamily="49" charset="0"/>
+              </a:rPr>
+              <a:t>"Price"</a:t>
+            </a:r>
+            <a:r>
+              <a:rPr lang="en-US" sz="2400" dirty="0">
+                <a:solidFill>
+                  <a:srgbClr val="800000"/>
+                </a:solidFill>
+                <a:latin typeface="Consolas" panose="020B0609020204030204" pitchFamily="49" charset="0"/>
+              </a:rPr>
+              <a:t>&gt;&lt;/label&gt;</a:t>
+            </a:r>
+            <a:endParaRPr lang="en-US" sz="2400" dirty="0">
+              <a:solidFill>
+                <a:srgbClr val="3B3B3B"/>
+              </a:solidFill>
+              <a:latin typeface="Consolas" panose="020B0609020204030204" pitchFamily="49" charset="0"/>
+            </a:endParaRPr>
+          </a:p>
+          <a:p>
+            <a:r>
+              <a:rPr lang="en-US" sz="2400" dirty="0">
+                <a:solidFill>
+                  <a:srgbClr val="3B3B3B"/>
+                </a:solidFill>
+                <a:latin typeface="Consolas" panose="020B0609020204030204" pitchFamily="49" charset="0"/>
+              </a:rPr>
+              <a:t>            </a:t>
+            </a:r>
+            <a:r>
+              <a:rPr lang="en-US" sz="2400" dirty="0">
+                <a:solidFill>
+                  <a:srgbClr val="800000"/>
+                </a:solidFill>
+                <a:latin typeface="Consolas" panose="020B0609020204030204" pitchFamily="49" charset="0"/>
+              </a:rPr>
+              <a:t>&lt;input</a:t>
+            </a:r>
+            <a:r>
+              <a:rPr lang="en-US" sz="2400" dirty="0">
+                <a:solidFill>
+                  <a:srgbClr val="3B3B3B"/>
+                </a:solidFill>
+                <a:latin typeface="Consolas" panose="020B0609020204030204" pitchFamily="49" charset="0"/>
+              </a:rPr>
+              <a:t> </a:t>
+            </a:r>
+            <a:r>
+              <a:rPr lang="en-US" sz="2400" dirty="0">
+                <a:solidFill>
+                  <a:srgbClr val="E50000"/>
+                </a:solidFill>
+                <a:latin typeface="Consolas" panose="020B0609020204030204" pitchFamily="49" charset="0"/>
+              </a:rPr>
+              <a:t>asp-for</a:t>
+            </a:r>
+            <a:r>
+              <a:rPr lang="en-US" sz="2400" dirty="0">
+                <a:solidFill>
+                  <a:srgbClr val="3B3B3B"/>
+                </a:solidFill>
+                <a:latin typeface="Consolas" panose="020B0609020204030204" pitchFamily="49" charset="0"/>
+              </a:rPr>
+              <a:t>=</a:t>
+            </a:r>
+            <a:r>
+              <a:rPr lang="en-US" sz="2400" dirty="0">
+                <a:solidFill>
+                  <a:srgbClr val="0000FF"/>
+                </a:solidFill>
+                <a:latin typeface="Consolas" panose="020B0609020204030204" pitchFamily="49" charset="0"/>
+              </a:rPr>
+              <a:t>"Price"</a:t>
+            </a:r>
+            <a:r>
+              <a:rPr lang="en-US" sz="2400" dirty="0">
+                <a:solidFill>
+                  <a:srgbClr val="3B3B3B"/>
+                </a:solidFill>
+                <a:latin typeface="Consolas" panose="020B0609020204030204" pitchFamily="49" charset="0"/>
+              </a:rPr>
+              <a:t> </a:t>
+            </a:r>
+            <a:r>
+              <a:rPr lang="en-US" sz="2400" dirty="0">
+                <a:solidFill>
+                  <a:srgbClr val="800000"/>
+                </a:solidFill>
+                <a:latin typeface="Consolas" panose="020B0609020204030204" pitchFamily="49" charset="0"/>
+              </a:rPr>
+              <a:t>/&gt;</a:t>
+            </a:r>
+            <a:endParaRPr lang="en-US" sz="2400" dirty="0">
+              <a:solidFill>
+                <a:srgbClr val="3B3B3B"/>
+              </a:solidFill>
+              <a:latin typeface="Consolas" panose="020B0609020204030204" pitchFamily="49" charset="0"/>
+            </a:endParaRPr>
+          </a:p>
+          <a:p>
+            <a:r>
+              <a:rPr lang="en-US" sz="2400" dirty="0">
+                <a:solidFill>
+                  <a:srgbClr val="3B3B3B"/>
+                </a:solidFill>
+                <a:latin typeface="Consolas" panose="020B0609020204030204" pitchFamily="49" charset="0"/>
+              </a:rPr>
+              <a:t>        </a:t>
+            </a:r>
+            <a:r>
+              <a:rPr lang="en-US" sz="2400" dirty="0">
+                <a:solidFill>
+                  <a:srgbClr val="800000"/>
+                </a:solidFill>
+                <a:latin typeface="Consolas" panose="020B0609020204030204" pitchFamily="49" charset="0"/>
+              </a:rPr>
+              <a:t>&lt;/p&gt;</a:t>
+            </a:r>
+            <a:endParaRPr lang="en-US" sz="2400" dirty="0">
+              <a:solidFill>
+                <a:srgbClr val="3B3B3B"/>
+              </a:solidFill>
+              <a:latin typeface="Consolas" panose="020B0609020204030204" pitchFamily="49" charset="0"/>
+            </a:endParaRPr>
+          </a:p>
+          <a:p>
+            <a:r>
+              <a:rPr lang="en-US" sz="2400" dirty="0">
+                <a:solidFill>
+                  <a:srgbClr val="3B3B3B"/>
+                </a:solidFill>
+                <a:latin typeface="Consolas" panose="020B0609020204030204" pitchFamily="49" charset="0"/>
+              </a:rPr>
+              <a:t>        </a:t>
+            </a:r>
+            <a:r>
+              <a:rPr lang="en-US" sz="2400" dirty="0">
+                <a:solidFill>
+                  <a:srgbClr val="800000"/>
+                </a:solidFill>
+                <a:latin typeface="Consolas" panose="020B0609020204030204" pitchFamily="49" charset="0"/>
+              </a:rPr>
+              <a:t>&lt;p&gt;</a:t>
+            </a:r>
+            <a:endParaRPr lang="en-US" sz="2400" dirty="0">
+              <a:solidFill>
+                <a:srgbClr val="3B3B3B"/>
+              </a:solidFill>
+              <a:latin typeface="Consolas" panose="020B0609020204030204" pitchFamily="49" charset="0"/>
+            </a:endParaRPr>
+          </a:p>
+          <a:p>
+            <a:r>
+              <a:rPr lang="en-US" sz="2400" dirty="0">
+                <a:solidFill>
+                  <a:srgbClr val="3B3B3B"/>
+                </a:solidFill>
+                <a:latin typeface="Consolas" panose="020B0609020204030204" pitchFamily="49" charset="0"/>
+              </a:rPr>
+              <a:t>            </a:t>
+            </a:r>
+            <a:r>
+              <a:rPr lang="en-US" sz="2400" dirty="0">
+                <a:solidFill>
+                  <a:srgbClr val="800000"/>
+                </a:solidFill>
+                <a:latin typeface="Consolas" panose="020B0609020204030204" pitchFamily="49" charset="0"/>
+              </a:rPr>
+              <a:t>&lt;label</a:t>
+            </a:r>
+            <a:r>
+              <a:rPr lang="en-US" sz="2400" dirty="0">
+                <a:solidFill>
+                  <a:srgbClr val="3B3B3B"/>
+                </a:solidFill>
+                <a:latin typeface="Consolas" panose="020B0609020204030204" pitchFamily="49" charset="0"/>
+              </a:rPr>
+              <a:t> </a:t>
+            </a:r>
+            <a:r>
+              <a:rPr lang="en-US" sz="2400" dirty="0">
+                <a:solidFill>
+                  <a:srgbClr val="E50000"/>
+                </a:solidFill>
+                <a:latin typeface="Consolas" panose="020B0609020204030204" pitchFamily="49" charset="0"/>
+              </a:rPr>
+              <a:t>asp-for</a:t>
+            </a:r>
+            <a:r>
+              <a:rPr lang="en-US" sz="2400" dirty="0">
+                <a:solidFill>
+                  <a:srgbClr val="3B3B3B"/>
+                </a:solidFill>
+                <a:latin typeface="Consolas" panose="020B0609020204030204" pitchFamily="49" charset="0"/>
+              </a:rPr>
+              <a:t>=</a:t>
+            </a:r>
+            <a:r>
+              <a:rPr lang="en-US" sz="2400" dirty="0">
+                <a:solidFill>
+                  <a:srgbClr val="0000FF"/>
+                </a:solidFill>
+                <a:latin typeface="Consolas" panose="020B0609020204030204" pitchFamily="49" charset="0"/>
+              </a:rPr>
+              <a:t>"</a:t>
+            </a:r>
+            <a:r>
+              <a:rPr lang="en-US" sz="2400" dirty="0" err="1">
+                <a:solidFill>
+                  <a:srgbClr val="0000FF"/>
+                </a:solidFill>
+                <a:latin typeface="Consolas" panose="020B0609020204030204" pitchFamily="49" charset="0"/>
+              </a:rPr>
+              <a:t>CompanyId</a:t>
+            </a:r>
+            <a:r>
+              <a:rPr lang="en-US" sz="2400" dirty="0">
+                <a:solidFill>
+                  <a:srgbClr val="0000FF"/>
+                </a:solidFill>
+                <a:latin typeface="Consolas" panose="020B0609020204030204" pitchFamily="49" charset="0"/>
+              </a:rPr>
+              <a:t>"</a:t>
+            </a:r>
+            <a:r>
+              <a:rPr lang="en-US" sz="2400" dirty="0">
+                <a:solidFill>
+                  <a:srgbClr val="800000"/>
+                </a:solidFill>
+                <a:latin typeface="Consolas" panose="020B0609020204030204" pitchFamily="49" charset="0"/>
+              </a:rPr>
+              <a:t>&gt;</a:t>
+            </a:r>
+            <a:r>
+              <a:rPr lang="en-US" sz="2400" dirty="0">
+                <a:solidFill>
+                  <a:srgbClr val="3B3B3B"/>
+                </a:solidFill>
+                <a:latin typeface="Consolas" panose="020B0609020204030204" pitchFamily="49" charset="0"/>
+              </a:rPr>
+              <a:t>Company</a:t>
+            </a:r>
+            <a:r>
+              <a:rPr lang="en-US" sz="2400" dirty="0">
+                <a:solidFill>
+                  <a:srgbClr val="800000"/>
+                </a:solidFill>
+                <a:latin typeface="Consolas" panose="020B0609020204030204" pitchFamily="49" charset="0"/>
+              </a:rPr>
+              <a:t>&lt;/label&gt;</a:t>
+            </a:r>
+            <a:endParaRPr lang="en-US" sz="2400" dirty="0">
+              <a:solidFill>
+                <a:srgbClr val="3B3B3B"/>
+              </a:solidFill>
+              <a:latin typeface="Consolas" panose="020B0609020204030204" pitchFamily="49" charset="0"/>
+            </a:endParaRPr>
+          </a:p>
+          <a:p>
+            <a:r>
+              <a:rPr lang="en-US" sz="2400" dirty="0">
+                <a:solidFill>
+                  <a:srgbClr val="3B3B3B"/>
+                </a:solidFill>
+                <a:latin typeface="Consolas" panose="020B0609020204030204" pitchFamily="49" charset="0"/>
+              </a:rPr>
+              <a:t>            </a:t>
+            </a:r>
+            <a:r>
+              <a:rPr lang="en-US" sz="2400" dirty="0">
+                <a:solidFill>
+                  <a:srgbClr val="800000"/>
+                </a:solidFill>
+                <a:latin typeface="Consolas" panose="020B0609020204030204" pitchFamily="49" charset="0"/>
+              </a:rPr>
+              <a:t>&lt;select</a:t>
+            </a:r>
+            <a:r>
+              <a:rPr lang="en-US" sz="2400" dirty="0">
+                <a:solidFill>
+                  <a:srgbClr val="3B3B3B"/>
+                </a:solidFill>
+                <a:latin typeface="Consolas" panose="020B0609020204030204" pitchFamily="49" charset="0"/>
+              </a:rPr>
+              <a:t> </a:t>
+            </a:r>
+            <a:r>
+              <a:rPr lang="en-US" sz="2400" dirty="0">
+                <a:solidFill>
+                  <a:srgbClr val="E50000"/>
+                </a:solidFill>
+                <a:latin typeface="Consolas" panose="020B0609020204030204" pitchFamily="49" charset="0"/>
+              </a:rPr>
+              <a:t>asp-for</a:t>
+            </a:r>
+            <a:r>
+              <a:rPr lang="en-US" sz="2400" dirty="0">
+                <a:solidFill>
+                  <a:srgbClr val="3B3B3B"/>
+                </a:solidFill>
+                <a:latin typeface="Consolas" panose="020B0609020204030204" pitchFamily="49" charset="0"/>
+              </a:rPr>
+              <a:t>=</a:t>
+            </a:r>
+            <a:r>
+              <a:rPr lang="en-US" sz="2400" dirty="0">
+                <a:solidFill>
+                  <a:srgbClr val="0000FF"/>
+                </a:solidFill>
+                <a:latin typeface="Consolas" panose="020B0609020204030204" pitchFamily="49" charset="0"/>
+              </a:rPr>
+              <a:t>"</a:t>
+            </a:r>
+            <a:r>
+              <a:rPr lang="en-US" sz="2400" dirty="0" err="1">
+                <a:solidFill>
+                  <a:srgbClr val="0000FF"/>
+                </a:solidFill>
+                <a:latin typeface="Consolas" panose="020B0609020204030204" pitchFamily="49" charset="0"/>
+              </a:rPr>
+              <a:t>CompanyId</a:t>
+            </a:r>
+            <a:r>
+              <a:rPr lang="en-US" sz="2400" dirty="0">
+                <a:solidFill>
+                  <a:srgbClr val="0000FF"/>
+                </a:solidFill>
+                <a:latin typeface="Consolas" panose="020B0609020204030204" pitchFamily="49" charset="0"/>
+              </a:rPr>
+              <a:t>"</a:t>
+            </a:r>
+            <a:r>
+              <a:rPr lang="en-US" sz="2400" dirty="0">
+                <a:solidFill>
+                  <a:srgbClr val="3B3B3B"/>
+                </a:solidFill>
+                <a:latin typeface="Consolas" panose="020B0609020204030204" pitchFamily="49" charset="0"/>
+              </a:rPr>
+              <a:t> </a:t>
+            </a:r>
+            <a:endParaRPr lang="ru-RU" sz="2400" dirty="0" smtClean="0">
+              <a:solidFill>
+                <a:srgbClr val="3B3B3B"/>
+              </a:solidFill>
+              <a:latin typeface="Consolas" panose="020B0609020204030204" pitchFamily="49" charset="0"/>
+            </a:endParaRPr>
+          </a:p>
+          <a:p>
+            <a:r>
+              <a:rPr lang="ru-RU" sz="2400" dirty="0">
+                <a:solidFill>
+                  <a:srgbClr val="3B3B3B"/>
+                </a:solidFill>
+                <a:latin typeface="Consolas" panose="020B0609020204030204" pitchFamily="49" charset="0"/>
+              </a:rPr>
+              <a:t>	</a:t>
+            </a:r>
+            <a:r>
+              <a:rPr lang="ru-RU" sz="2400" dirty="0" smtClean="0">
+                <a:solidFill>
+                  <a:srgbClr val="3B3B3B"/>
+                </a:solidFill>
+                <a:latin typeface="Consolas" panose="020B0609020204030204" pitchFamily="49" charset="0"/>
+              </a:rPr>
+              <a:t>						 </a:t>
+            </a:r>
+            <a:r>
+              <a:rPr lang="en-US" sz="2400" dirty="0" smtClean="0">
+                <a:solidFill>
+                  <a:srgbClr val="E50000"/>
+                </a:solidFill>
+                <a:latin typeface="Consolas" panose="020B0609020204030204" pitchFamily="49" charset="0"/>
+              </a:rPr>
+              <a:t>asp-items</a:t>
+            </a:r>
+            <a:r>
+              <a:rPr lang="en-US" sz="2400" dirty="0">
+                <a:solidFill>
+                  <a:srgbClr val="3B3B3B"/>
+                </a:solidFill>
+                <a:latin typeface="Consolas" panose="020B0609020204030204" pitchFamily="49" charset="0"/>
+              </a:rPr>
+              <a:t>=</a:t>
+            </a:r>
+            <a:r>
+              <a:rPr lang="en-US" sz="2400" dirty="0">
+                <a:solidFill>
+                  <a:srgbClr val="0000FF"/>
+                </a:solidFill>
+                <a:latin typeface="Consolas" panose="020B0609020204030204" pitchFamily="49" charset="0"/>
+              </a:rPr>
+              <a:t>"</a:t>
+            </a:r>
+            <a:r>
+              <a:rPr lang="en-US" sz="2400" dirty="0" err="1">
+                <a:solidFill>
+                  <a:srgbClr val="0000FF"/>
+                </a:solidFill>
+                <a:latin typeface="Consolas" panose="020B0609020204030204" pitchFamily="49" charset="0"/>
+              </a:rPr>
+              <a:t>ViewBag.Companies</a:t>
+            </a:r>
+            <a:r>
+              <a:rPr lang="en-US" sz="2400" dirty="0">
+                <a:solidFill>
+                  <a:srgbClr val="0000FF"/>
+                </a:solidFill>
+                <a:latin typeface="Consolas" panose="020B0609020204030204" pitchFamily="49" charset="0"/>
+              </a:rPr>
+              <a:t>"</a:t>
+            </a:r>
+            <a:r>
+              <a:rPr lang="en-US" sz="2400" dirty="0">
+                <a:solidFill>
+                  <a:srgbClr val="800000"/>
+                </a:solidFill>
+                <a:latin typeface="Consolas" panose="020B0609020204030204" pitchFamily="49" charset="0"/>
+              </a:rPr>
+              <a:t>&gt;&lt;/select&gt;</a:t>
+            </a:r>
+            <a:endParaRPr lang="en-US" sz="2400" dirty="0">
+              <a:solidFill>
+                <a:srgbClr val="3B3B3B"/>
+              </a:solidFill>
+              <a:latin typeface="Consolas" panose="020B0609020204030204" pitchFamily="49" charset="0"/>
+            </a:endParaRPr>
+          </a:p>
+          <a:p>
+            <a:r>
+              <a:rPr lang="en-US" sz="2400" dirty="0">
+                <a:solidFill>
+                  <a:srgbClr val="3B3B3B"/>
+                </a:solidFill>
+                <a:latin typeface="Consolas" panose="020B0609020204030204" pitchFamily="49" charset="0"/>
+              </a:rPr>
+              <a:t>        </a:t>
+            </a:r>
+            <a:r>
+              <a:rPr lang="en-US" sz="2400" dirty="0">
+                <a:solidFill>
+                  <a:srgbClr val="800000"/>
+                </a:solidFill>
+                <a:latin typeface="Consolas" panose="020B0609020204030204" pitchFamily="49" charset="0"/>
+              </a:rPr>
+              <a:t>&lt;/p&gt;</a:t>
+            </a:r>
+            <a:endParaRPr lang="en-US" sz="2400" dirty="0">
+              <a:solidFill>
+                <a:srgbClr val="3B3B3B"/>
+              </a:solidFill>
+              <a:latin typeface="Consolas" panose="020B0609020204030204" pitchFamily="49" charset="0"/>
+            </a:endParaRPr>
+          </a:p>
+          <a:p>
+            <a:r>
+              <a:rPr lang="en-US" sz="2400" dirty="0">
+                <a:solidFill>
+                  <a:srgbClr val="3B3B3B"/>
+                </a:solidFill>
+                <a:latin typeface="Consolas" panose="020B0609020204030204" pitchFamily="49" charset="0"/>
+              </a:rPr>
+              <a:t>        </a:t>
+            </a:r>
+            <a:r>
+              <a:rPr lang="en-US" sz="2400" dirty="0">
+                <a:solidFill>
+                  <a:srgbClr val="800000"/>
+                </a:solidFill>
+                <a:latin typeface="Consolas" panose="020B0609020204030204" pitchFamily="49" charset="0"/>
+              </a:rPr>
+              <a:t>&lt;p&gt;</a:t>
+            </a:r>
+            <a:endParaRPr lang="en-US" sz="2400" dirty="0">
+              <a:solidFill>
+                <a:srgbClr val="3B3B3B"/>
+              </a:solidFill>
+              <a:latin typeface="Consolas" panose="020B0609020204030204" pitchFamily="49" charset="0"/>
+            </a:endParaRPr>
+          </a:p>
+          <a:p>
+            <a:r>
+              <a:rPr lang="en-US" sz="2400" dirty="0">
+                <a:solidFill>
+                  <a:srgbClr val="3B3B3B"/>
+                </a:solidFill>
+                <a:latin typeface="Consolas" panose="020B0609020204030204" pitchFamily="49" charset="0"/>
+              </a:rPr>
+              <a:t>            </a:t>
+            </a:r>
+            <a:r>
+              <a:rPr lang="en-US" sz="2400" dirty="0">
+                <a:solidFill>
+                  <a:srgbClr val="800000"/>
+                </a:solidFill>
+                <a:latin typeface="Consolas" panose="020B0609020204030204" pitchFamily="49" charset="0"/>
+              </a:rPr>
+              <a:t>&lt;input</a:t>
+            </a:r>
+            <a:r>
+              <a:rPr lang="en-US" sz="2400" dirty="0">
+                <a:solidFill>
+                  <a:srgbClr val="3B3B3B"/>
+                </a:solidFill>
+                <a:latin typeface="Consolas" panose="020B0609020204030204" pitchFamily="49" charset="0"/>
+              </a:rPr>
+              <a:t> </a:t>
+            </a:r>
+            <a:r>
+              <a:rPr lang="en-US" sz="2400" dirty="0">
+                <a:solidFill>
+                  <a:srgbClr val="E50000"/>
+                </a:solidFill>
+                <a:latin typeface="Consolas" panose="020B0609020204030204" pitchFamily="49" charset="0"/>
+              </a:rPr>
+              <a:t>type</a:t>
+            </a:r>
+            <a:r>
+              <a:rPr lang="en-US" sz="2400" dirty="0">
+                <a:solidFill>
+                  <a:srgbClr val="3B3B3B"/>
+                </a:solidFill>
+                <a:latin typeface="Consolas" panose="020B0609020204030204" pitchFamily="49" charset="0"/>
+              </a:rPr>
+              <a:t>=</a:t>
+            </a:r>
+            <a:r>
+              <a:rPr lang="en-US" sz="2400" dirty="0">
+                <a:solidFill>
+                  <a:srgbClr val="0000FF"/>
+                </a:solidFill>
+                <a:latin typeface="Consolas" panose="020B0609020204030204" pitchFamily="49" charset="0"/>
+              </a:rPr>
+              <a:t>"submit"</a:t>
+            </a:r>
+            <a:r>
+              <a:rPr lang="en-US" sz="2400" dirty="0">
+                <a:solidFill>
+                  <a:srgbClr val="3B3B3B"/>
+                </a:solidFill>
+                <a:latin typeface="Consolas" panose="020B0609020204030204" pitchFamily="49" charset="0"/>
+              </a:rPr>
+              <a:t> </a:t>
+            </a:r>
+            <a:r>
+              <a:rPr lang="en-US" sz="2400" dirty="0">
+                <a:solidFill>
+                  <a:srgbClr val="E50000"/>
+                </a:solidFill>
+                <a:latin typeface="Consolas" panose="020B0609020204030204" pitchFamily="49" charset="0"/>
+              </a:rPr>
+              <a:t>value</a:t>
+            </a:r>
+            <a:r>
+              <a:rPr lang="en-US" sz="2400" dirty="0">
+                <a:solidFill>
+                  <a:srgbClr val="3B3B3B"/>
+                </a:solidFill>
+                <a:latin typeface="Consolas" panose="020B0609020204030204" pitchFamily="49" charset="0"/>
+              </a:rPr>
+              <a:t>=</a:t>
+            </a:r>
+            <a:r>
+              <a:rPr lang="en-US" sz="2400" dirty="0">
+                <a:solidFill>
+                  <a:srgbClr val="0000FF"/>
+                </a:solidFill>
+                <a:latin typeface="Consolas" panose="020B0609020204030204" pitchFamily="49" charset="0"/>
+              </a:rPr>
+              <a:t>"Save"</a:t>
+            </a:r>
+            <a:r>
+              <a:rPr lang="en-US" sz="2400" dirty="0">
+                <a:solidFill>
+                  <a:srgbClr val="3B3B3B"/>
+                </a:solidFill>
+                <a:latin typeface="Consolas" panose="020B0609020204030204" pitchFamily="49" charset="0"/>
+              </a:rPr>
+              <a:t> </a:t>
+            </a:r>
+            <a:r>
+              <a:rPr lang="en-US" sz="2400" dirty="0">
+                <a:solidFill>
+                  <a:srgbClr val="800000"/>
+                </a:solidFill>
+                <a:latin typeface="Consolas" panose="020B0609020204030204" pitchFamily="49" charset="0"/>
+              </a:rPr>
+              <a:t>/&gt;</a:t>
+            </a:r>
+            <a:endParaRPr lang="en-US" sz="2400" dirty="0">
+              <a:solidFill>
+                <a:srgbClr val="3B3B3B"/>
+              </a:solidFill>
+              <a:latin typeface="Consolas" panose="020B0609020204030204" pitchFamily="49" charset="0"/>
+            </a:endParaRPr>
+          </a:p>
+          <a:p>
+            <a:r>
+              <a:rPr lang="en-US" sz="2400" dirty="0">
+                <a:solidFill>
+                  <a:srgbClr val="3B3B3B"/>
+                </a:solidFill>
+                <a:latin typeface="Consolas" panose="020B0609020204030204" pitchFamily="49" charset="0"/>
+              </a:rPr>
+              <a:t>        </a:t>
+            </a:r>
+            <a:r>
+              <a:rPr lang="en-US" sz="2400" dirty="0">
+                <a:solidFill>
+                  <a:srgbClr val="800000"/>
+                </a:solidFill>
+                <a:latin typeface="Consolas" panose="020B0609020204030204" pitchFamily="49" charset="0"/>
+              </a:rPr>
+              <a:t>&lt;/p&gt;</a:t>
+            </a:r>
+            <a:endParaRPr lang="en-US" sz="2400" dirty="0">
+              <a:solidFill>
+                <a:srgbClr val="3B3B3B"/>
+              </a:solidFill>
+              <a:latin typeface="Consolas" panose="020B0609020204030204" pitchFamily="49" charset="0"/>
+            </a:endParaRPr>
+          </a:p>
+          <a:p>
+            <a:r>
+              <a:rPr lang="en-US" sz="2400" dirty="0">
+                <a:solidFill>
+                  <a:srgbClr val="3B3B3B"/>
+                </a:solidFill>
+                <a:latin typeface="Consolas" panose="020B0609020204030204" pitchFamily="49" charset="0"/>
+              </a:rPr>
+              <a:t>    </a:t>
+            </a:r>
+            <a:r>
+              <a:rPr lang="en-US" sz="2400" dirty="0">
+                <a:solidFill>
+                  <a:srgbClr val="800000"/>
+                </a:solidFill>
+                <a:latin typeface="Consolas" panose="020B0609020204030204" pitchFamily="49" charset="0"/>
+              </a:rPr>
+              <a:t>&lt;/div&gt;</a:t>
+            </a:r>
+            <a:endParaRPr lang="en-US" sz="2400" dirty="0">
+              <a:solidFill>
+                <a:srgbClr val="3B3B3B"/>
+              </a:solidFill>
+              <a:latin typeface="Consolas" panose="020B0609020204030204" pitchFamily="49" charset="0"/>
+            </a:endParaRPr>
+          </a:p>
+        </p:txBody>
+      </p:sp>
+    </p:spTree>
+    <p:extLst>
+      <p:ext uri="{BB962C8B-B14F-4D97-AF65-F5344CB8AC3E}">
+        <p14:creationId xmlns:p14="http://schemas.microsoft.com/office/powerpoint/2010/main" val="1770935066"/>
+      </p:ext>
+    </p:extLst>
+  </p:cSld>
+  <p:clrMapOvr>
+    <a:masterClrMapping/>
+  </p:clrMapOvr>
+  <p:timing>
+    <p:tnLst>
+      <p:par>
+        <p:cTn id="1" dur="indefinite" restart="never" nodeType="tmRoot"/>
+      </p:par>
+    </p:tnLst>
+  </p:timing>
+</p:sld>
+</file>
+
+<file path=ppt/slides/slide44.xml><?xml version="1.0" encoding="utf-8"?>
+<p:sld xmlns:a="http://schemas.openxmlformats.org/drawingml/2006/main" xmlns:r="http://schemas.openxmlformats.org/officeDocument/2006/relationships" xmlns:p="http://schemas.openxmlformats.org/presentationml/2006/main">
+  <p:cSld>
+    <p:spTree>
+      <p:nvGrpSpPr>
+        <p:cNvPr id="1" name=""/>
+        <p:cNvGrpSpPr/>
+        <p:nvPr/>
+      </p:nvGrpSpPr>
+      <p:grpSpPr>
+        <a:xfrm>
+          <a:off x="0" y="0"/>
+          <a:ext cx="0" cy="0"/>
+          <a:chOff x="0" y="0"/>
+          <a:chExt cx="0" cy="0"/>
+        </a:xfrm>
+      </p:grpSpPr>
+      <p:pic>
+        <p:nvPicPr>
+          <p:cNvPr id="3" name="Рисунок 2"/>
+          <p:cNvPicPr>
+            <a:picLocks noChangeAspect="1"/>
+          </p:cNvPicPr>
+          <p:nvPr/>
+        </p:nvPicPr>
+        <p:blipFill>
+          <a:blip r:embed="rId3">
+            <a:extLst>
+              <a:ext uri="{28A0092B-C50C-407E-A947-70E740481C1C}">
+                <a14:useLocalDpi xmlns:a14="http://schemas.microsoft.com/office/drawing/2010/main" val="0"/>
+              </a:ext>
+            </a:extLst>
+          </a:blip>
+          <a:stretch>
+            <a:fillRect/>
+          </a:stretch>
+        </p:blipFill>
+        <p:spPr>
+          <a:xfrm>
+            <a:off x="1290338" y="568411"/>
+            <a:ext cx="9824308" cy="5431566"/>
+          </a:xfrm>
+          <a:prstGeom prst="rect">
+            <a:avLst/>
+          </a:prstGeom>
+        </p:spPr>
+      </p:pic>
+    </p:spTree>
+    <p:extLst>
+      <p:ext uri="{BB962C8B-B14F-4D97-AF65-F5344CB8AC3E}">
+        <p14:creationId xmlns:p14="http://schemas.microsoft.com/office/powerpoint/2010/main" val="682237813"/>
       </p:ext>
     </p:extLst>
   </p:cSld>
